--- a/Zahnraddimensionierungsprogramm.GruppeJ/PowerPoint Präsentation Sprint 2/Sprint 2.pptx
+++ b/Zahnraddimensionierungsprogramm.GruppeJ/PowerPoint Präsentation Sprint 2/Sprint 2.pptx
@@ -7,16 +7,14 @@
   <p:sldIdLst>
     <p:sldId id="256" r:id="rId5"/>
     <p:sldId id="257" r:id="rId6"/>
-    <p:sldId id="258" r:id="rId7"/>
-    <p:sldId id="259" r:id="rId8"/>
-    <p:sldId id="260" r:id="rId9"/>
-    <p:sldId id="261" r:id="rId10"/>
-    <p:sldId id="262" r:id="rId11"/>
-    <p:sldId id="263" r:id="rId12"/>
-    <p:sldId id="264" r:id="rId13"/>
-    <p:sldId id="265" r:id="rId14"/>
-    <p:sldId id="266" r:id="rId15"/>
-    <p:sldId id="268" r:id="rId16"/>
+    <p:sldId id="269" r:id="rId7"/>
+    <p:sldId id="270" r:id="rId8"/>
+    <p:sldId id="259" r:id="rId9"/>
+    <p:sldId id="260" r:id="rId10"/>
+    <p:sldId id="261" r:id="rId11"/>
+    <p:sldId id="271" r:id="rId12"/>
+    <p:sldId id="272" r:id="rId13"/>
+    <p:sldId id="268" r:id="rId14"/>
   </p:sldIdLst>
   <p:sldSz cx="12192000" cy="6858000"/>
   <p:notesSz cx="6858000" cy="9144000"/>
@@ -199,16 +197,16 @@
 </file>
 
 <file path=ppt/diagrams/colors1.xml><?xml version="1.0" encoding="utf-8"?>
-<dgm:colorsDef xmlns:dgm="http://schemas.openxmlformats.org/drawingml/2006/diagram" xmlns:a="http://schemas.openxmlformats.org/drawingml/2006/main" uniqueId="urn:microsoft.com/office/officeart/2005/8/colors/accent3_5">
+<dgm:colorsDef xmlns:dgm="http://schemas.openxmlformats.org/drawingml/2006/diagram" xmlns:a="http://schemas.openxmlformats.org/drawingml/2006/main" uniqueId="urn:microsoft.com/office/officeart/2005/8/colors/accent3_4">
   <dgm:title val=""/>
   <dgm:desc val=""/>
   <dgm:catLst>
-    <dgm:cat type="accent3" pri="11500"/>
+    <dgm:cat type="accent3" pri="11400"/>
   </dgm:catLst>
   <dgm:styleLbl name="node0">
     <dgm:fillClrLst meth="cycle">
       <a:schemeClr val="accent3">
-        <a:alpha val="80000"/>
+        <a:shade val="60000"/>
       </a:schemeClr>
     </dgm:fillClrLst>
     <dgm:linClrLst meth="repeat">
@@ -220,11 +218,69 @@
     <dgm:txEffectClrLst/>
   </dgm:styleLbl>
   <dgm:styleLbl name="node1">
-    <dgm:fillClrLst>
+    <dgm:fillClrLst meth="cycle">
       <a:schemeClr val="accent3">
-        <a:alpha val="90000"/>
+        <a:shade val="50000"/>
       </a:schemeClr>
       <a:schemeClr val="accent3">
+        <a:tint val="55000"/>
+      </a:schemeClr>
+    </dgm:fillClrLst>
+    <dgm:linClrLst meth="repeat">
+      <a:schemeClr val="lt1"/>
+    </dgm:linClrLst>
+    <dgm:effectClrLst/>
+    <dgm:txLinClrLst/>
+    <dgm:txFillClrLst/>
+    <dgm:txEffectClrLst/>
+  </dgm:styleLbl>
+  <dgm:styleLbl name="alignNode1">
+    <dgm:fillClrLst meth="cycle">
+      <a:schemeClr val="accent3">
+        <a:shade val="50000"/>
+      </a:schemeClr>
+      <a:schemeClr val="accent3">
+        <a:tint val="55000"/>
+      </a:schemeClr>
+    </dgm:fillClrLst>
+    <dgm:linClrLst meth="cycle">
+      <a:schemeClr val="accent3">
+        <a:shade val="50000"/>
+      </a:schemeClr>
+      <a:schemeClr val="accent3">
+        <a:tint val="55000"/>
+      </a:schemeClr>
+    </dgm:linClrLst>
+    <dgm:effectClrLst/>
+    <dgm:txLinClrLst/>
+    <dgm:txFillClrLst/>
+    <dgm:txEffectClrLst/>
+  </dgm:styleLbl>
+  <dgm:styleLbl name="lnNode1">
+    <dgm:fillClrLst meth="cycle">
+      <a:schemeClr val="accent3">
+        <a:shade val="50000"/>
+      </a:schemeClr>
+      <a:schemeClr val="accent3">
+        <a:tint val="55000"/>
+      </a:schemeClr>
+    </dgm:fillClrLst>
+    <dgm:linClrLst meth="repeat">
+      <a:schemeClr val="lt1"/>
+    </dgm:linClrLst>
+    <dgm:effectClrLst/>
+    <dgm:txLinClrLst/>
+    <dgm:txFillClrLst/>
+    <dgm:txEffectClrLst/>
+  </dgm:styleLbl>
+  <dgm:styleLbl name="vennNode1">
+    <dgm:fillClrLst meth="cycle">
+      <a:schemeClr val="accent3">
+        <a:shade val="80000"/>
+        <a:alpha val="50000"/>
+      </a:schemeClr>
+      <a:schemeClr val="accent3">
+        <a:tint val="50000"/>
         <a:alpha val="50000"/>
       </a:schemeClr>
     </dgm:fillClrLst>
@@ -236,36 +292,10 @@
     <dgm:txFillClrLst/>
     <dgm:txEffectClrLst/>
   </dgm:styleLbl>
-  <dgm:styleLbl name="alignNode1">
+  <dgm:styleLbl name="node2">
     <dgm:fillClrLst>
       <a:schemeClr val="accent3">
-        <a:alpha val="90000"/>
-      </a:schemeClr>
-      <a:schemeClr val="accent3">
-        <a:alpha val="50000"/>
-      </a:schemeClr>
-    </dgm:fillClrLst>
-    <dgm:linClrLst>
-      <a:schemeClr val="accent3">
-        <a:alpha val="90000"/>
-      </a:schemeClr>
-      <a:schemeClr val="accent3">
-        <a:alpha val="50000"/>
-      </a:schemeClr>
-    </dgm:linClrLst>
-    <dgm:effectClrLst/>
-    <dgm:txLinClrLst/>
-    <dgm:txFillClrLst/>
-    <dgm:txEffectClrLst/>
-  </dgm:styleLbl>
-  <dgm:styleLbl name="lnNode1">
-    <dgm:fillClrLst>
-      <a:schemeClr val="accent3">
-        <a:shade val="90000"/>
-      </a:schemeClr>
-      <a:schemeClr val="accent3">
-        <a:alpha val="50000"/>
-        <a:tint val="50000"/>
+        <a:shade val="80000"/>
       </a:schemeClr>
     </dgm:fillClrLst>
     <dgm:linClrLst meth="repeat">
@@ -276,14 +306,10 @@
     <dgm:txFillClrLst/>
     <dgm:txEffectClrLst/>
   </dgm:styleLbl>
-  <dgm:styleLbl name="vennNode1">
+  <dgm:styleLbl name="node3">
     <dgm:fillClrLst>
       <a:schemeClr val="accent3">
-        <a:shade val="80000"/>
-        <a:alpha val="50000"/>
-      </a:schemeClr>
-      <a:schemeClr val="accent3">
-        <a:alpha val="80000"/>
+        <a:tint val="99000"/>
       </a:schemeClr>
     </dgm:fillClrLst>
     <dgm:linClrLst meth="repeat">
@@ -294,10 +320,10 @@
     <dgm:txFillClrLst/>
     <dgm:txEffectClrLst/>
   </dgm:styleLbl>
-  <dgm:styleLbl name="node2">
+  <dgm:styleLbl name="node4">
     <dgm:fillClrLst>
       <a:schemeClr val="accent3">
-        <a:alpha val="70000"/>
+        <a:tint val="70000"/>
       </a:schemeClr>
     </dgm:fillClrLst>
     <dgm:linClrLst meth="repeat">
@@ -308,43 +334,13 @@
     <dgm:txFillClrLst/>
     <dgm:txEffectClrLst/>
   </dgm:styleLbl>
-  <dgm:styleLbl name="node3">
-    <dgm:fillClrLst>
-      <a:schemeClr val="accent3">
-        <a:alpha val="50000"/>
-      </a:schemeClr>
-    </dgm:fillClrLst>
-    <dgm:linClrLst meth="repeat">
-      <a:schemeClr val="lt1"/>
-    </dgm:linClrLst>
-    <dgm:effectClrLst/>
-    <dgm:txLinClrLst/>
-    <dgm:txFillClrLst/>
-    <dgm:txEffectClrLst/>
-  </dgm:styleLbl>
-  <dgm:styleLbl name="node4">
-    <dgm:fillClrLst>
-      <a:schemeClr val="accent3">
-        <a:alpha val="30000"/>
-      </a:schemeClr>
-    </dgm:fillClrLst>
-    <dgm:linClrLst meth="repeat">
-      <a:schemeClr val="lt1"/>
-    </dgm:linClrLst>
-    <dgm:effectClrLst/>
-    <dgm:txLinClrLst/>
-    <dgm:txFillClrLst/>
-    <dgm:txEffectClrLst/>
-  </dgm:styleLbl>
   <dgm:styleLbl name="fgImgPlace1">
     <dgm:fillClrLst>
       <a:schemeClr val="accent3">
         <a:tint val="50000"/>
-        <a:alpha val="90000"/>
       </a:schemeClr>
       <a:schemeClr val="accent3">
-        <a:tint val="20000"/>
-        <a:alpha val="50000"/>
+        <a:tint val="55000"/>
       </a:schemeClr>
     </dgm:fillClrLst>
     <dgm:linClrLst meth="repeat">
@@ -363,7 +359,7 @@
         <a:tint val="50000"/>
       </a:schemeClr>
       <a:schemeClr val="accent3">
-        <a:tint val="20000"/>
+        <a:tint val="55000"/>
       </a:schemeClr>
     </dgm:fillClrLst>
     <dgm:linClrLst meth="repeat">
@@ -382,7 +378,7 @@
         <a:tint val="50000"/>
       </a:schemeClr>
       <a:schemeClr val="accent3">
-        <a:tint val="20000"/>
+        <a:tint val="55000"/>
       </a:schemeClr>
     </dgm:fillClrLst>
     <dgm:linClrLst meth="repeat">
@@ -396,7 +392,7 @@
     <dgm:txEffectClrLst/>
   </dgm:styleLbl>
   <dgm:styleLbl name="sibTrans2D1">
-    <dgm:fillClrLst>
+    <dgm:fillClrLst meth="cycle">
       <a:schemeClr val="accent3">
         <a:shade val="90000"/>
       </a:schemeClr>
@@ -404,7 +400,7 @@
         <a:tint val="50000"/>
       </a:schemeClr>
     </dgm:fillClrLst>
-    <dgm:linClrLst>
+    <dgm:linClrLst meth="cycle">
       <a:schemeClr val="accent3">
         <a:shade val="90000"/>
       </a:schemeClr>
@@ -418,7 +414,7 @@
     <dgm:txEffectClrLst/>
   </dgm:styleLbl>
   <dgm:styleLbl name="fgSibTrans2D1">
-    <dgm:fillClrLst>
+    <dgm:fillClrLst meth="cycle">
       <a:schemeClr val="accent3">
         <a:shade val="90000"/>
       </a:schemeClr>
@@ -426,7 +422,7 @@
         <a:tint val="50000"/>
       </a:schemeClr>
     </dgm:fillClrLst>
-    <dgm:linClrLst>
+    <dgm:linClrLst meth="cycle">
       <a:schemeClr val="accent3">
         <a:shade val="90000"/>
       </a:schemeClr>
@@ -440,7 +436,7 @@
     <dgm:txEffectClrLst/>
   </dgm:styleLbl>
   <dgm:styleLbl name="bgSibTrans2D1">
-    <dgm:fillClrLst>
+    <dgm:fillClrLst meth="cycle">
       <a:schemeClr val="accent3">
         <a:shade val="90000"/>
       </a:schemeClr>
@@ -448,7 +444,7 @@
         <a:tint val="50000"/>
       </a:schemeClr>
     </dgm:fillClrLst>
-    <dgm:linClrLst>
+    <dgm:linClrLst meth="cycle">
       <a:schemeClr val="accent3">
         <a:shade val="90000"/>
       </a:schemeClr>
@@ -462,7 +458,7 @@
     <dgm:txEffectClrLst/>
   </dgm:styleLbl>
   <dgm:styleLbl name="sibTrans1D1">
-    <dgm:fillClrLst>
+    <dgm:fillClrLst meth="cycle">
       <a:schemeClr val="accent3">
         <a:shade val="90000"/>
       </a:schemeClr>
@@ -470,7 +466,7 @@
         <a:tint val="50000"/>
       </a:schemeClr>
     </dgm:fillClrLst>
-    <dgm:linClrLst>
+    <dgm:linClrLst meth="cycle">
       <a:schemeClr val="accent3">
         <a:shade val="90000"/>
       </a:schemeClr>
@@ -502,7 +498,7 @@
   <dgm:styleLbl name="asst0">
     <dgm:fillClrLst meth="repeat">
       <a:schemeClr val="accent3">
-        <a:alpha val="90000"/>
+        <a:shade val="80000"/>
       </a:schemeClr>
     </dgm:fillClrLst>
     <dgm:linClrLst meth="repeat">
@@ -516,7 +512,7 @@
   <dgm:styleLbl name="asst1">
     <dgm:fillClrLst meth="repeat">
       <a:schemeClr val="accent3">
-        <a:alpha val="90000"/>
+        <a:shade val="80000"/>
       </a:schemeClr>
     </dgm:fillClrLst>
     <dgm:linClrLst meth="repeat">
@@ -530,7 +526,7 @@
   <dgm:styleLbl name="asst2">
     <dgm:fillClrLst>
       <a:schemeClr val="accent3">
-        <a:alpha val="90000"/>
+        <a:tint val="90000"/>
       </a:schemeClr>
     </dgm:fillClrLst>
     <dgm:linClrLst meth="repeat">
@@ -544,7 +540,7 @@
   <dgm:styleLbl name="asst3">
     <dgm:fillClrLst>
       <a:schemeClr val="accent3">
-        <a:alpha val="70000"/>
+        <a:tint val="70000"/>
       </a:schemeClr>
     </dgm:fillClrLst>
     <dgm:linClrLst meth="repeat">
@@ -558,7 +554,7 @@
   <dgm:styleLbl name="asst4">
     <dgm:fillClrLst>
       <a:schemeClr val="accent3">
-        <a:alpha val="50000"/>
+        <a:tint val="50000"/>
       </a:schemeClr>
     </dgm:fillClrLst>
     <dgm:linClrLst meth="repeat">
@@ -572,7 +568,7 @@
   <dgm:styleLbl name="parChTrans2D1">
     <dgm:fillClrLst meth="repeat">
       <a:schemeClr val="accent3">
-        <a:shade val="80000"/>
+        <a:tint val="60000"/>
       </a:schemeClr>
     </dgm:fillClrLst>
     <dgm:linClrLst meth="repeat">
@@ -713,12 +709,12 @@
         <a:alpha val="90000"/>
       </a:schemeClr>
     </dgm:fillClrLst>
-    <dgm:linClrLst>
+    <dgm:linClrLst meth="cycle">
       <a:schemeClr val="accent3">
-        <a:alpha val="90000"/>
+        <a:shade val="50000"/>
       </a:schemeClr>
       <a:schemeClr val="accent3">
-        <a:alpha val="50000"/>
+        <a:tint val="55000"/>
       </a:schemeClr>
     </dgm:linClrLst>
     <dgm:effectClrLst/>
@@ -734,12 +730,12 @@
         <a:alpha val="90000"/>
       </a:schemeClr>
     </dgm:fillClrLst>
-    <dgm:linClrLst>
+    <dgm:linClrLst meth="cycle">
       <a:schemeClr val="accent3">
-        <a:alpha val="90000"/>
+        <a:shade val="50000"/>
       </a:schemeClr>
       <a:schemeClr val="accent3">
-        <a:alpha val="50000"/>
+        <a:tint val="55000"/>
       </a:schemeClr>
     </dgm:linClrLst>
     <dgm:effectClrLst/>
@@ -755,12 +751,12 @@
         <a:alpha val="90000"/>
       </a:schemeClr>
     </dgm:fillClrLst>
-    <dgm:linClrLst>
+    <dgm:linClrLst meth="cycle">
       <a:schemeClr val="accent3">
-        <a:alpha val="90000"/>
+        <a:shade val="50000"/>
       </a:schemeClr>
       <a:schemeClr val="accent3">
-        <a:alpha val="50000"/>
+        <a:tint val="55000"/>
       </a:schemeClr>
     </dgm:linClrLst>
     <dgm:effectClrLst/>
@@ -773,15 +769,31 @@
   <dgm:styleLbl name="trAlignAcc1">
     <dgm:fillClrLst meth="repeat">
       <a:schemeClr val="lt1">
-        <a:alpha val="40000"/>
+        <a:alpha val="55000"/>
       </a:schemeClr>
     </dgm:fillClrLst>
-    <dgm:linClrLst>
-      <a:schemeClr val="accent3">
+    <dgm:linClrLst meth="repeat">
+      <a:schemeClr val="accent3"/>
+    </dgm:linClrLst>
+    <dgm:effectClrLst/>
+    <dgm:txLinClrLst/>
+    <dgm:txFillClrLst meth="repeat">
+      <a:schemeClr val="dk1"/>
+    </dgm:txFillClrLst>
+    <dgm:txEffectClrLst/>
+  </dgm:styleLbl>
+  <dgm:styleLbl name="bgAcc1">
+    <dgm:fillClrLst meth="repeat">
+      <a:schemeClr val="lt1">
         <a:alpha val="90000"/>
       </a:schemeClr>
+    </dgm:fillClrLst>
+    <dgm:linClrLst meth="cycle">
       <a:schemeClr val="accent3">
-        <a:alpha val="50000"/>
+        <a:shade val="50000"/>
+      </a:schemeClr>
+      <a:schemeClr val="accent3">
+        <a:tint val="55000"/>
       </a:schemeClr>
     </dgm:linClrLst>
     <dgm:effectClrLst/>
@@ -791,37 +803,16 @@
     </dgm:txFillClrLst>
     <dgm:txEffectClrLst/>
   </dgm:styleLbl>
-  <dgm:styleLbl name="bgAcc1">
-    <dgm:fillClrLst meth="repeat">
-      <a:schemeClr val="lt1">
-        <a:alpha val="90000"/>
-      </a:schemeClr>
-    </dgm:fillClrLst>
-    <dgm:linClrLst>
-      <a:schemeClr val="accent3">
-        <a:alpha val="90000"/>
-      </a:schemeClr>
-      <a:schemeClr val="accent3">
-        <a:alpha val="50000"/>
-      </a:schemeClr>
-    </dgm:linClrLst>
-    <dgm:effectClrLst/>
-    <dgm:txLinClrLst/>
-    <dgm:txFillClrLst meth="repeat">
-      <a:schemeClr val="dk1"/>
-    </dgm:txFillClrLst>
-    <dgm:txEffectClrLst/>
-  </dgm:styleLbl>
   <dgm:styleLbl name="solidFgAcc1">
     <dgm:fillClrLst meth="repeat">
       <a:schemeClr val="lt1"/>
     </dgm:fillClrLst>
-    <dgm:linClrLst>
+    <dgm:linClrLst meth="cycle">
       <a:schemeClr val="accent3">
-        <a:alpha val="90000"/>
+        <a:shade val="50000"/>
       </a:schemeClr>
       <a:schemeClr val="accent3">
-        <a:alpha val="50000"/>
+        <a:tint val="55000"/>
       </a:schemeClr>
     </dgm:linClrLst>
     <dgm:effectClrLst/>
@@ -860,20 +851,16 @@
     <dgm:txEffectClrLst/>
   </dgm:styleLbl>
   <dgm:styleLbl name="fgAccFollowNode1">
-    <dgm:fillClrLst>
+    <dgm:fillClrLst meth="repeat">
       <a:schemeClr val="accent3">
         <a:alpha val="90000"/>
-        <a:tint val="40000"/>
-      </a:schemeClr>
-      <a:schemeClr val="accent3">
-        <a:alpha val="50000"/>
-        <a:tint val="40000"/>
+        <a:tint val="55000"/>
       </a:schemeClr>
     </dgm:fillClrLst>
     <dgm:linClrLst meth="repeat">
       <a:schemeClr val="accent3">
         <a:alpha val="90000"/>
-        <a:tint val="40000"/>
+        <a:tint val="55000"/>
       </a:schemeClr>
     </dgm:linClrLst>
     <dgm:effectClrLst/>
@@ -887,13 +874,13 @@
     <dgm:fillClrLst meth="repeat">
       <a:schemeClr val="accent3">
         <a:alpha val="90000"/>
-        <a:tint val="40000"/>
+        <a:tint val="55000"/>
       </a:schemeClr>
     </dgm:fillClrLst>
     <dgm:linClrLst meth="repeat">
       <a:schemeClr val="accent3">
         <a:alpha val="90000"/>
-        <a:tint val="40000"/>
+        <a:tint val="55000"/>
       </a:schemeClr>
     </dgm:linClrLst>
     <dgm:effectClrLst/>
@@ -907,7 +894,7 @@
     <dgm:fillClrLst meth="repeat">
       <a:schemeClr val="accent3">
         <a:alpha val="90000"/>
-        <a:tint val="40000"/>
+        <a:tint val="55000"/>
       </a:schemeClr>
     </dgm:fillClrLst>
     <dgm:linClrLst meth="repeat">
@@ -995,7 +982,7 @@
   <dgm:styleLbl name="bgShp">
     <dgm:fillClrLst meth="repeat">
       <a:schemeClr val="accent3">
-        <a:tint val="40000"/>
+        <a:tint val="55000"/>
       </a:schemeClr>
     </dgm:fillClrLst>
     <dgm:linClrLst meth="repeat">
@@ -1028,7 +1015,7 @@
     <dgm:fillClrLst meth="repeat">
       <a:schemeClr val="accent3">
         <a:tint val="50000"/>
-        <a:alpha val="40000"/>
+        <a:alpha val="55000"/>
       </a:schemeClr>
     </dgm:fillClrLst>
     <dgm:linClrLst meth="repeat">
@@ -1044,7 +1031,7 @@
   <dgm:styleLbl name="fgShp">
     <dgm:fillClrLst meth="repeat">
       <a:schemeClr val="accent3">
-        <a:tint val="40000"/>
+        <a:tint val="55000"/>
       </a:schemeClr>
     </dgm:fillClrLst>
     <dgm:linClrLst meth="repeat">
@@ -1828,51 +1815,47 @@
 <file path=ppt/diagrams/data1.xml><?xml version="1.0" encoding="utf-8"?>
 <dgm:dataModel xmlns:dgm="http://schemas.openxmlformats.org/drawingml/2006/diagram" xmlns:a="http://schemas.openxmlformats.org/drawingml/2006/main">
   <dgm:ptLst>
-    <dgm:pt modelId="{F7BC26B5-65CC-4C6D-A073-E106AD1821C2}" type="doc">
-      <dgm:prSet loTypeId="urn:microsoft.com/office/officeart/2005/8/layout/process1" loCatId="process" qsTypeId="urn:microsoft.com/office/officeart/2005/8/quickstyle/simple1" qsCatId="simple" csTypeId="urn:microsoft.com/office/officeart/2005/8/colors/accent3_5" csCatId="accent3" phldr="1"/>
+    <dgm:pt modelId="{D6865F7C-18D1-46BB-A68D-8A061F1D9F2E}" type="doc">
+      <dgm:prSet loTypeId="urn:microsoft.com/office/officeart/2005/8/layout/process1" loCatId="process" qsTypeId="urn:microsoft.com/office/officeart/2005/8/quickstyle/simple3" qsCatId="simple" csTypeId="urn:microsoft.com/office/officeart/2005/8/colors/accent3_4" csCatId="accent3" phldr="1"/>
       <dgm:spPr/>
     </dgm:pt>
-    <dgm:pt modelId="{55EEA2D3-C095-4309-A86C-7CDF1F60AF9D}">
-      <dgm:prSet phldrT="[Text]" custT="1"/>
+    <dgm:pt modelId="{0F8127BE-4001-410A-A20F-E00C9F125F62}">
+      <dgm:prSet phldrT="[Text]"/>
       <dgm:spPr/>
       <dgm:t>
         <a:bodyPr/>
         <a:lstStyle/>
         <a:p>
           <a:r>
-            <a:rPr lang="de-DE" sz="2500" dirty="0"/>
+            <a:rPr lang="de-DE" dirty="0"/>
             <a:t>Fehler Sprint 1</a:t>
           </a:r>
           <a:br>
-            <a:rPr lang="de-DE" sz="2500" dirty="0"/>
+            <a:rPr lang="de-DE" dirty="0"/>
           </a:br>
-          <a:endParaRPr lang="de-DE" sz="2500" dirty="0"/>
+          <a:endParaRPr lang="de-DE" dirty="0"/>
         </a:p>
         <a:p>
-          <a:br>
-            <a:rPr lang="de-DE" sz="2500" dirty="0"/>
-          </a:br>
           <a:r>
-            <a:rPr lang="de-DE" sz="2500" dirty="0"/>
+            <a:rPr lang="de-DE" dirty="0"/>
             <a:t>- Programm beendet sich automatisch</a:t>
           </a:r>
         </a:p>
         <a:p>
           <a:r>
-            <a:rPr lang="de-DE" sz="2500" dirty="0"/>
+            <a:rPr lang="de-DE" dirty="0"/>
             <a:t>- Keine Möglichkeit für Fehlerkorrektur </a:t>
           </a:r>
         </a:p>
         <a:p>
           <a:r>
-            <a:rPr lang="de-DE" sz="2500" dirty="0"/>
+            <a:rPr lang="de-DE" dirty="0"/>
             <a:t>- Wenig Zusatzfunktionen</a:t>
           </a:r>
-          <a:endParaRPr lang="de-DE" sz="2000" dirty="0"/>
         </a:p>
       </dgm:t>
     </dgm:pt>
-    <dgm:pt modelId="{4FAAF3E7-F967-4695-9843-D836CE6DC7E1}" type="parTrans" cxnId="{3DC29AC9-F591-4BAE-BE18-2ACE497A249F}">
+    <dgm:pt modelId="{D5892BA9-CBEA-42BE-A923-283CAE4997E5}" type="parTrans" cxnId="{2DB9061B-48DA-40EC-8BB6-D0C1690B365B}">
       <dgm:prSet/>
       <dgm:spPr/>
       <dgm:t>
@@ -1883,7 +1866,7 @@
         </a:p>
       </dgm:t>
     </dgm:pt>
-    <dgm:pt modelId="{C206801D-718B-4793-8B27-E4520855BFC6}" type="sibTrans" cxnId="{3DC29AC9-F591-4BAE-BE18-2ACE497A249F}">
+    <dgm:pt modelId="{2EE9B719-201F-4043-8BA4-FFAE034B3039}" type="sibTrans" cxnId="{2DB9061B-48DA-40EC-8BB6-D0C1690B365B}">
       <dgm:prSet/>
       <dgm:spPr/>
       <dgm:t>
@@ -1894,30 +1877,30 @@
         </a:p>
       </dgm:t>
     </dgm:pt>
-    <dgm:pt modelId="{14B21554-21E6-4C59-B117-CA409266A551}">
-      <dgm:prSet phldrT="[Text]" custT="1"/>
+    <dgm:pt modelId="{47F3F691-B974-407E-85CF-EB7E25A322E4}">
+      <dgm:prSet phldrT="[Text]"/>
       <dgm:spPr/>
       <dgm:t>
         <a:bodyPr/>
         <a:lstStyle/>
         <a:p>
           <a:r>
-            <a:rPr lang="de-DE" sz="3000" dirty="0"/>
-            <a:t>Lösungsvorschlag</a:t>
+            <a:rPr lang="de-DE" dirty="0"/>
+            <a:t>Fehler Sprint 2</a:t>
           </a:r>
         </a:p>
         <a:p>
-          <a:endParaRPr lang="de-DE" sz="3000" dirty="0"/>
+          <a:endParaRPr lang="de-DE" dirty="0"/>
         </a:p>
         <a:p>
           <a:r>
-            <a:rPr lang="de-DE" sz="2000" dirty="0"/>
-            <a:t>Intuitive Bedienung bei möglichst großer Flexibilität</a:t>
+            <a:rPr lang="de-DE" dirty="0"/>
+            <a:t>-Fehlende Teamarbeit</a:t>
           </a:r>
         </a:p>
       </dgm:t>
     </dgm:pt>
-    <dgm:pt modelId="{D243DB82-18F6-4BCD-B746-A49F49CEE295}" type="parTrans" cxnId="{E54AAE6F-A4B6-450F-B9E3-2AD0199A8B0A}">
+    <dgm:pt modelId="{962D4A8F-6ABC-4E7C-94DA-3A30C0DBF9FE}" type="parTrans" cxnId="{FF29D029-59B1-41CB-8A8D-7F1CF922D05C}">
       <dgm:prSet/>
       <dgm:spPr/>
       <dgm:t>
@@ -1928,7 +1911,7 @@
         </a:p>
       </dgm:t>
     </dgm:pt>
-    <dgm:pt modelId="{83C0E634-EA53-4515-A352-F44A2A71BC79}" type="sibTrans" cxnId="{E54AAE6F-A4B6-450F-B9E3-2AD0199A8B0A}">
+    <dgm:pt modelId="{E20C07C0-820F-4FBA-B58C-6C410510A30D}" type="sibTrans" cxnId="{FF29D029-59B1-41CB-8A8D-7F1CF922D05C}">
       <dgm:prSet/>
       <dgm:spPr/>
       <dgm:t>
@@ -1939,8 +1922,53 @@
         </a:p>
       </dgm:t>
     </dgm:pt>
-    <dgm:pt modelId="{9EFEE0B8-E824-410E-BE62-57C445611AE2}" type="pres">
-      <dgm:prSet presAssocID="{F7BC26B5-65CC-4C6D-A073-E106AD1821C2}" presName="Name0" presStyleCnt="0">
+    <dgm:pt modelId="{11373089-2F8B-4BF6-A638-9D3E81162D67}">
+      <dgm:prSet phldrT="[Text]"/>
+      <dgm:spPr/>
+      <dgm:t>
+        <a:bodyPr/>
+        <a:lstStyle/>
+        <a:p>
+          <a:r>
+            <a:rPr lang="de-DE" dirty="0"/>
+            <a:t>Lösungsvorschlag</a:t>
+          </a:r>
+        </a:p>
+        <a:p>
+          <a:endParaRPr lang="de-DE" dirty="0"/>
+        </a:p>
+        <a:p>
+          <a:r>
+            <a:rPr lang="de-DE" dirty="0"/>
+            <a:t>Direkte Betreuung des schwächsten Gruppenmitgliedes </a:t>
+          </a:r>
+        </a:p>
+      </dgm:t>
+    </dgm:pt>
+    <dgm:pt modelId="{160E85D0-374D-4023-B05D-88F0554C03A1}" type="parTrans" cxnId="{EEA4C6AF-8967-4EDD-B1B2-E68B0AD1FF97}">
+      <dgm:prSet/>
+      <dgm:spPr/>
+      <dgm:t>
+        <a:bodyPr/>
+        <a:lstStyle/>
+        <a:p>
+          <a:endParaRPr lang="de-DE"/>
+        </a:p>
+      </dgm:t>
+    </dgm:pt>
+    <dgm:pt modelId="{CFBD7757-5661-4EC0-97C0-41ABE3D43B68}" type="sibTrans" cxnId="{EEA4C6AF-8967-4EDD-B1B2-E68B0AD1FF97}">
+      <dgm:prSet/>
+      <dgm:spPr/>
+      <dgm:t>
+        <a:bodyPr/>
+        <a:lstStyle/>
+        <a:p>
+          <a:endParaRPr lang="de-DE"/>
+        </a:p>
+      </dgm:t>
+    </dgm:pt>
+    <dgm:pt modelId="{470D1EC7-99B9-43E5-BF2C-643573BCCA0D}" type="pres">
+      <dgm:prSet presAssocID="{D6865F7C-18D1-46BB-A68D-8A061F1D9F2E}" presName="Name0" presStyleCnt="0">
         <dgm:presLayoutVars>
           <dgm:dir/>
           <dgm:resizeHandles val="exact"/>
@@ -1948,24 +1976,40 @@
       </dgm:prSet>
       <dgm:spPr/>
     </dgm:pt>
-    <dgm:pt modelId="{BCF3F7DD-95D4-4BE6-AF84-06203F72029E}" type="pres">
-      <dgm:prSet presAssocID="{55EEA2D3-C095-4309-A86C-7CDF1F60AF9D}" presName="node" presStyleLbl="node1" presStyleIdx="0" presStyleCnt="2" custScaleX="127914" custScaleY="160075">
+    <dgm:pt modelId="{F0C58B44-DFCA-4FB2-BD6A-719F67F3A419}" type="pres">
+      <dgm:prSet presAssocID="{0F8127BE-4001-410A-A20F-E00C9F125F62}" presName="node" presStyleLbl="node1" presStyleIdx="0" presStyleCnt="3">
         <dgm:presLayoutVars>
           <dgm:bulletEnabled val="1"/>
         </dgm:presLayoutVars>
       </dgm:prSet>
       <dgm:spPr/>
     </dgm:pt>
-    <dgm:pt modelId="{8912F108-2246-4CED-BB09-D8702CED0304}" type="pres">
-      <dgm:prSet presAssocID="{C206801D-718B-4793-8B27-E4520855BFC6}" presName="sibTrans" presStyleLbl="sibTrans2D1" presStyleIdx="0" presStyleCnt="1"/>
+    <dgm:pt modelId="{96F3EB98-06E7-4C41-AC7C-C511BD7FF12D}" type="pres">
+      <dgm:prSet presAssocID="{2EE9B719-201F-4043-8BA4-FFAE034B3039}" presName="sibTrans" presStyleLbl="sibTrans2D1" presStyleIdx="0" presStyleCnt="2"/>
       <dgm:spPr/>
     </dgm:pt>
-    <dgm:pt modelId="{DC6B16BF-0E7E-464E-B504-FB87DED79525}" type="pres">
-      <dgm:prSet presAssocID="{C206801D-718B-4793-8B27-E4520855BFC6}" presName="connectorText" presStyleLbl="sibTrans2D1" presStyleIdx="0" presStyleCnt="1"/>
+    <dgm:pt modelId="{5A73BFAB-AD21-4911-A721-9D36F35216E2}" type="pres">
+      <dgm:prSet presAssocID="{2EE9B719-201F-4043-8BA4-FFAE034B3039}" presName="connectorText" presStyleLbl="sibTrans2D1" presStyleIdx="0" presStyleCnt="2"/>
       <dgm:spPr/>
     </dgm:pt>
-    <dgm:pt modelId="{E5D00D18-8E72-4B0E-BA69-B421B612AB26}" type="pres">
-      <dgm:prSet presAssocID="{14B21554-21E6-4C59-B117-CA409266A551}" presName="node" presStyleLbl="node1" presStyleIdx="1" presStyleCnt="2" custScaleX="128060" custScaleY="163624">
+    <dgm:pt modelId="{84C73178-6479-4BA5-9527-280922D3FF2A}" type="pres">
+      <dgm:prSet presAssocID="{47F3F691-B974-407E-85CF-EB7E25A322E4}" presName="node" presStyleLbl="node1" presStyleIdx="1" presStyleCnt="3">
+        <dgm:presLayoutVars>
+          <dgm:bulletEnabled val="1"/>
+        </dgm:presLayoutVars>
+      </dgm:prSet>
+      <dgm:spPr/>
+    </dgm:pt>
+    <dgm:pt modelId="{85443B90-AB1F-4B99-B628-A2E3EC02A784}" type="pres">
+      <dgm:prSet presAssocID="{E20C07C0-820F-4FBA-B58C-6C410510A30D}" presName="sibTrans" presStyleLbl="sibTrans2D1" presStyleIdx="1" presStyleCnt="2"/>
+      <dgm:spPr/>
+    </dgm:pt>
+    <dgm:pt modelId="{58EA289D-D969-4536-9FC8-137CF482F11A}" type="pres">
+      <dgm:prSet presAssocID="{E20C07C0-820F-4FBA-B58C-6C410510A30D}" presName="connectorText" presStyleLbl="sibTrans2D1" presStyleIdx="1" presStyleCnt="2"/>
+      <dgm:spPr/>
+    </dgm:pt>
+    <dgm:pt modelId="{48E13FD4-3CE9-4776-B450-03B102BFBC50}" type="pres">
+      <dgm:prSet presAssocID="{11373089-2F8B-4BF6-A638-9D3E81162D67}" presName="node" presStyleLbl="node1" presStyleIdx="2" presStyleCnt="3">
         <dgm:presLayoutVars>
           <dgm:bulletEnabled val="1"/>
         </dgm:presLayoutVars>
@@ -1974,17 +2018,24 @@
     </dgm:pt>
   </dgm:ptLst>
   <dgm:cxnLst>
-    <dgm:cxn modelId="{78571C07-B9F2-4BB3-8CB2-712D3B84E8C0}" type="presOf" srcId="{C206801D-718B-4793-8B27-E4520855BFC6}" destId="{8912F108-2246-4CED-BB09-D8702CED0304}" srcOrd="0" destOrd="0" presId="urn:microsoft.com/office/officeart/2005/8/layout/process1"/>
-    <dgm:cxn modelId="{B01A8608-F2C9-47F9-A6D1-3430E8DCE03C}" type="presOf" srcId="{F7BC26B5-65CC-4C6D-A073-E106AD1821C2}" destId="{9EFEE0B8-E824-410E-BE62-57C445611AE2}" srcOrd="0" destOrd="0" presId="urn:microsoft.com/office/officeart/2005/8/layout/process1"/>
-    <dgm:cxn modelId="{F8784369-35A7-42C8-84DB-4D6F49669A4A}" type="presOf" srcId="{55EEA2D3-C095-4309-A86C-7CDF1F60AF9D}" destId="{BCF3F7DD-95D4-4BE6-AF84-06203F72029E}" srcOrd="0" destOrd="0" presId="urn:microsoft.com/office/officeart/2005/8/layout/process1"/>
-    <dgm:cxn modelId="{E8D2846C-2375-4C9B-81D7-921110E2A1B1}" type="presOf" srcId="{C206801D-718B-4793-8B27-E4520855BFC6}" destId="{DC6B16BF-0E7E-464E-B504-FB87DED79525}" srcOrd="1" destOrd="0" presId="urn:microsoft.com/office/officeart/2005/8/layout/process1"/>
-    <dgm:cxn modelId="{E54AAE6F-A4B6-450F-B9E3-2AD0199A8B0A}" srcId="{F7BC26B5-65CC-4C6D-A073-E106AD1821C2}" destId="{14B21554-21E6-4C59-B117-CA409266A551}" srcOrd="1" destOrd="0" parTransId="{D243DB82-18F6-4BCD-B746-A49F49CEE295}" sibTransId="{83C0E634-EA53-4515-A352-F44A2A71BC79}"/>
-    <dgm:cxn modelId="{3DC29AC9-F591-4BAE-BE18-2ACE497A249F}" srcId="{F7BC26B5-65CC-4C6D-A073-E106AD1821C2}" destId="{55EEA2D3-C095-4309-A86C-7CDF1F60AF9D}" srcOrd="0" destOrd="0" parTransId="{4FAAF3E7-F967-4695-9843-D836CE6DC7E1}" sibTransId="{C206801D-718B-4793-8B27-E4520855BFC6}"/>
-    <dgm:cxn modelId="{013A39D7-1AF8-4809-9976-F9F07F75446E}" type="presOf" srcId="{14B21554-21E6-4C59-B117-CA409266A551}" destId="{E5D00D18-8E72-4B0E-BA69-B421B612AB26}" srcOrd="0" destOrd="0" presId="urn:microsoft.com/office/officeart/2005/8/layout/process1"/>
-    <dgm:cxn modelId="{AD4C34D2-4CBE-45EC-99C8-688E1EEA3077}" type="presParOf" srcId="{9EFEE0B8-E824-410E-BE62-57C445611AE2}" destId="{BCF3F7DD-95D4-4BE6-AF84-06203F72029E}" srcOrd="0" destOrd="0" presId="urn:microsoft.com/office/officeart/2005/8/layout/process1"/>
-    <dgm:cxn modelId="{1FDE69B3-D833-488B-9B3D-87336C6BA28F}" type="presParOf" srcId="{9EFEE0B8-E824-410E-BE62-57C445611AE2}" destId="{8912F108-2246-4CED-BB09-D8702CED0304}" srcOrd="1" destOrd="0" presId="urn:microsoft.com/office/officeart/2005/8/layout/process1"/>
-    <dgm:cxn modelId="{DAAB130D-B158-4E17-BBBA-E04D16B33563}" type="presParOf" srcId="{8912F108-2246-4CED-BB09-D8702CED0304}" destId="{DC6B16BF-0E7E-464E-B504-FB87DED79525}" srcOrd="0" destOrd="0" presId="urn:microsoft.com/office/officeart/2005/8/layout/process1"/>
-    <dgm:cxn modelId="{067D1B8B-2BCC-4809-A84D-031685A4210C}" type="presParOf" srcId="{9EFEE0B8-E824-410E-BE62-57C445611AE2}" destId="{E5D00D18-8E72-4B0E-BA69-B421B612AB26}" srcOrd="2" destOrd="0" presId="urn:microsoft.com/office/officeart/2005/8/layout/process1"/>
+    <dgm:cxn modelId="{2DB9061B-48DA-40EC-8BB6-D0C1690B365B}" srcId="{D6865F7C-18D1-46BB-A68D-8A061F1D9F2E}" destId="{0F8127BE-4001-410A-A20F-E00C9F125F62}" srcOrd="0" destOrd="0" parTransId="{D5892BA9-CBEA-42BE-A923-283CAE4997E5}" sibTransId="{2EE9B719-201F-4043-8BA4-FFAE034B3039}"/>
+    <dgm:cxn modelId="{FF29D029-59B1-41CB-8A8D-7F1CF922D05C}" srcId="{D6865F7C-18D1-46BB-A68D-8A061F1D9F2E}" destId="{47F3F691-B974-407E-85CF-EB7E25A322E4}" srcOrd="1" destOrd="0" parTransId="{962D4A8F-6ABC-4E7C-94DA-3A30C0DBF9FE}" sibTransId="{E20C07C0-820F-4FBA-B58C-6C410510A30D}"/>
+    <dgm:cxn modelId="{F267D92D-F5F3-4F7F-B9B9-F4B0A202D6E9}" type="presOf" srcId="{E20C07C0-820F-4FBA-B58C-6C410510A30D}" destId="{58EA289D-D969-4536-9FC8-137CF482F11A}" srcOrd="1" destOrd="0" presId="urn:microsoft.com/office/officeart/2005/8/layout/process1"/>
+    <dgm:cxn modelId="{A1B6EF41-F504-4D09-AA9C-68EF5FA6DC9E}" type="presOf" srcId="{11373089-2F8B-4BF6-A638-9D3E81162D67}" destId="{48E13FD4-3CE9-4776-B450-03B102BFBC50}" srcOrd="0" destOrd="0" presId="urn:microsoft.com/office/officeart/2005/8/layout/process1"/>
+    <dgm:cxn modelId="{4424FE70-7B84-4498-B686-F233048F7B6A}" type="presOf" srcId="{2EE9B719-201F-4043-8BA4-FFAE034B3039}" destId="{5A73BFAB-AD21-4911-A721-9D36F35216E2}" srcOrd="1" destOrd="0" presId="urn:microsoft.com/office/officeart/2005/8/layout/process1"/>
+    <dgm:cxn modelId="{22D46A55-7CFB-410A-86A5-2DE7B7B4CD87}" type="presOf" srcId="{47F3F691-B974-407E-85CF-EB7E25A322E4}" destId="{84C73178-6479-4BA5-9527-280922D3FF2A}" srcOrd="0" destOrd="0" presId="urn:microsoft.com/office/officeart/2005/8/layout/process1"/>
+    <dgm:cxn modelId="{E7C9E97C-EBB9-489F-9E58-21727D88942C}" type="presOf" srcId="{2EE9B719-201F-4043-8BA4-FFAE034B3039}" destId="{96F3EB98-06E7-4C41-AC7C-C511BD7FF12D}" srcOrd="0" destOrd="0" presId="urn:microsoft.com/office/officeart/2005/8/layout/process1"/>
+    <dgm:cxn modelId="{4B0200A9-7138-42E3-8065-1F4AA7E67ED2}" type="presOf" srcId="{E20C07C0-820F-4FBA-B58C-6C410510A30D}" destId="{85443B90-AB1F-4B99-B628-A2E3EC02A784}" srcOrd="0" destOrd="0" presId="urn:microsoft.com/office/officeart/2005/8/layout/process1"/>
+    <dgm:cxn modelId="{6A6227A9-91BE-4A32-B4F3-A97C1513E767}" type="presOf" srcId="{D6865F7C-18D1-46BB-A68D-8A061F1D9F2E}" destId="{470D1EC7-99B9-43E5-BF2C-643573BCCA0D}" srcOrd="0" destOrd="0" presId="urn:microsoft.com/office/officeart/2005/8/layout/process1"/>
+    <dgm:cxn modelId="{EEA4C6AF-8967-4EDD-B1B2-E68B0AD1FF97}" srcId="{D6865F7C-18D1-46BB-A68D-8A061F1D9F2E}" destId="{11373089-2F8B-4BF6-A638-9D3E81162D67}" srcOrd="2" destOrd="0" parTransId="{160E85D0-374D-4023-B05D-88F0554C03A1}" sibTransId="{CFBD7757-5661-4EC0-97C0-41ABE3D43B68}"/>
+    <dgm:cxn modelId="{6275F6B6-3613-487A-8227-45925B4CED0B}" type="presOf" srcId="{0F8127BE-4001-410A-A20F-E00C9F125F62}" destId="{F0C58B44-DFCA-4FB2-BD6A-719F67F3A419}" srcOrd="0" destOrd="0" presId="urn:microsoft.com/office/officeart/2005/8/layout/process1"/>
+    <dgm:cxn modelId="{807FB87A-44A3-4635-86DB-89B01C6FE99C}" type="presParOf" srcId="{470D1EC7-99B9-43E5-BF2C-643573BCCA0D}" destId="{F0C58B44-DFCA-4FB2-BD6A-719F67F3A419}" srcOrd="0" destOrd="0" presId="urn:microsoft.com/office/officeart/2005/8/layout/process1"/>
+    <dgm:cxn modelId="{A0464F3D-C578-4202-994F-5FC93CEDEAD4}" type="presParOf" srcId="{470D1EC7-99B9-43E5-BF2C-643573BCCA0D}" destId="{96F3EB98-06E7-4C41-AC7C-C511BD7FF12D}" srcOrd="1" destOrd="0" presId="urn:microsoft.com/office/officeart/2005/8/layout/process1"/>
+    <dgm:cxn modelId="{155D4712-4872-40F8-B953-477E474B4A17}" type="presParOf" srcId="{96F3EB98-06E7-4C41-AC7C-C511BD7FF12D}" destId="{5A73BFAB-AD21-4911-A721-9D36F35216E2}" srcOrd="0" destOrd="0" presId="urn:microsoft.com/office/officeart/2005/8/layout/process1"/>
+    <dgm:cxn modelId="{42FB955E-B94F-4B67-8563-F78C02181250}" type="presParOf" srcId="{470D1EC7-99B9-43E5-BF2C-643573BCCA0D}" destId="{84C73178-6479-4BA5-9527-280922D3FF2A}" srcOrd="2" destOrd="0" presId="urn:microsoft.com/office/officeart/2005/8/layout/process1"/>
+    <dgm:cxn modelId="{FDAC555A-D03A-486C-929D-9F326B127493}" type="presParOf" srcId="{470D1EC7-99B9-43E5-BF2C-643573BCCA0D}" destId="{85443B90-AB1F-4B99-B628-A2E3EC02A784}" srcOrd="3" destOrd="0" presId="urn:microsoft.com/office/officeart/2005/8/layout/process1"/>
+    <dgm:cxn modelId="{4BD1CD01-8C53-4BFB-ADC4-E1904B2D67EA}" type="presParOf" srcId="{85443B90-AB1F-4B99-B628-A2E3EC02A784}" destId="{58EA289D-D969-4536-9FC8-137CF482F11A}" srcOrd="0" destOrd="0" presId="urn:microsoft.com/office/officeart/2005/8/layout/process1"/>
+    <dgm:cxn modelId="{6204FEE0-783D-4F89-BD2E-AC97DA6D8C9B}" type="presParOf" srcId="{470D1EC7-99B9-43E5-BF2C-643573BCCA0D}" destId="{48E13FD4-3CE9-4776-B450-03B102BFBC50}" srcOrd="4" destOrd="0" presId="urn:microsoft.com/office/officeart/2005/8/layout/process1"/>
   </dgm:cxnLst>
   <dgm:bg/>
   <dgm:whole/>
@@ -2511,65 +2562,95 @@
       <dsp:cNvGrpSpPr/>
     </dsp:nvGrpSpPr>
     <dsp:grpSpPr/>
-    <dsp:sp modelId="{BCF3F7DD-95D4-4BE6-AF84-06203F72029E}">
+    <dsp:sp modelId="{F0C58B44-DFCA-4FB2-BD6A-719F67F3A419}">
       <dsp:nvSpPr>
         <dsp:cNvPr id="0" name=""/>
         <dsp:cNvSpPr/>
       </dsp:nvSpPr>
       <dsp:spPr>
         <a:xfrm>
-          <a:off x="12366" y="47190"/>
-          <a:ext cx="4533941" cy="4256957"/>
+          <a:off x="7143" y="1288099"/>
+          <a:ext cx="2135187" cy="2842468"/>
         </a:xfrm>
         <a:prstGeom prst="roundRect">
           <a:avLst>
             <a:gd name="adj" fmla="val 10000"/>
           </a:avLst>
         </a:prstGeom>
-        <a:solidFill>
-          <a:schemeClr val="accent3">
-            <a:alpha val="90000"/>
-            <a:hueOff val="0"/>
-            <a:satOff val="0"/>
-            <a:lumOff val="0"/>
-            <a:alphaOff val="0"/>
-          </a:schemeClr>
-        </a:solidFill>
-        <a:ln w="12700" cap="flat" cmpd="sng" algn="ctr">
-          <a:solidFill>
-            <a:schemeClr val="lt1">
-              <a:hueOff val="0"/>
-              <a:satOff val="0"/>
-              <a:lumOff val="0"/>
-              <a:alphaOff val="0"/>
-            </a:schemeClr>
-          </a:solidFill>
-          <a:prstDash val="solid"/>
-          <a:miter lim="800000"/>
+        <a:gradFill rotWithShape="0">
+          <a:gsLst>
+            <a:gs pos="0">
+              <a:schemeClr val="accent3">
+                <a:shade val="50000"/>
+                <a:hueOff val="0"/>
+                <a:satOff val="0"/>
+                <a:lumOff val="0"/>
+                <a:alphaOff val="0"/>
+                <a:lumMod val="110000"/>
+                <a:satMod val="105000"/>
+                <a:tint val="67000"/>
+              </a:schemeClr>
+            </a:gs>
+            <a:gs pos="50000">
+              <a:schemeClr val="accent3">
+                <a:shade val="50000"/>
+                <a:hueOff val="0"/>
+                <a:satOff val="0"/>
+                <a:lumOff val="0"/>
+                <a:alphaOff val="0"/>
+                <a:lumMod val="105000"/>
+                <a:satMod val="103000"/>
+                <a:tint val="73000"/>
+              </a:schemeClr>
+            </a:gs>
+            <a:gs pos="100000">
+              <a:schemeClr val="accent3">
+                <a:shade val="50000"/>
+                <a:hueOff val="0"/>
+                <a:satOff val="0"/>
+                <a:lumOff val="0"/>
+                <a:alphaOff val="0"/>
+                <a:lumMod val="105000"/>
+                <a:satMod val="109000"/>
+                <a:tint val="81000"/>
+              </a:schemeClr>
+            </a:gs>
+          </a:gsLst>
+          <a:lin ang="5400000" scaled="0"/>
+        </a:gradFill>
+        <a:ln>
+          <a:noFill/>
         </a:ln>
         <a:effectLst/>
+        <a:scene3d>
+          <a:camera prst="orthographicFront"/>
+          <a:lightRig rig="flat" dir="t"/>
+        </a:scene3d>
+        <a:sp3d prstMaterial="dkEdge">
+          <a:bevelT w="8200" h="38100"/>
+        </a:sp3d>
       </dsp:spPr>
       <dsp:style>
-        <a:lnRef idx="2">
+        <a:lnRef idx="0">
           <a:scrgbClr r="0" g="0" b="0"/>
         </a:lnRef>
-        <a:fillRef idx="1">
+        <a:fillRef idx="2">
           <a:scrgbClr r="0" g="0" b="0"/>
         </a:fillRef>
-        <a:effectRef idx="0">
+        <a:effectRef idx="1">
           <a:scrgbClr r="0" g="0" b="0"/>
         </a:effectRef>
         <a:fontRef idx="minor">
-          <a:schemeClr val="lt1"/>
+          <a:schemeClr val="dk1"/>
         </a:fontRef>
       </dsp:style>
       <dsp:txBody>
-        <a:bodyPr spcFirstLastPara="0" vert="horz" wrap="square" lIns="95250" tIns="95250" rIns="95250" bIns="95250" numCol="1" spcCol="1270" anchor="ctr" anchorCtr="0">
+        <a:bodyPr spcFirstLastPara="0" vert="horz" wrap="square" lIns="68580" tIns="68580" rIns="68580" bIns="68580" numCol="1" spcCol="1270" anchor="ctr" anchorCtr="0">
           <a:noAutofit/>
         </a:bodyPr>
         <a:lstStyle/>
         <a:p>
-          <a:pPr marL="0" lvl="0" indent="0" algn="ctr" defTabSz="1111250">
+          <a:pPr marL="0" lvl="0" indent="0" algn="ctr" defTabSz="800100">
             <a:lnSpc>
               <a:spcPct val="90000"/>
             </a:lnSpc>
@@ -2582,37 +2663,16 @@
             <a:buNone/>
           </a:pPr>
           <a:r>
-            <a:rPr lang="de-DE" sz="2500" kern="1200" dirty="0"/>
+            <a:rPr lang="de-DE" sz="1800" kern="1200" dirty="0"/>
             <a:t>Fehler Sprint 1</a:t>
           </a:r>
           <a:br>
-            <a:rPr lang="de-DE" sz="2500" kern="1200" dirty="0"/>
+            <a:rPr lang="de-DE" sz="1800" kern="1200" dirty="0"/>
           </a:br>
-          <a:endParaRPr lang="de-DE" sz="2500" kern="1200" dirty="0"/>
+          <a:endParaRPr lang="de-DE" sz="1800" kern="1200" dirty="0"/>
         </a:p>
         <a:p>
-          <a:pPr marL="0" lvl="0" indent="0" algn="ctr" defTabSz="1111250">
-            <a:lnSpc>
-              <a:spcPct val="90000"/>
-            </a:lnSpc>
-            <a:spcBef>
-              <a:spcPct val="0"/>
-            </a:spcBef>
-            <a:spcAft>
-              <a:spcPct val="35000"/>
-            </a:spcAft>
-            <a:buNone/>
-          </a:pPr>
-          <a:br>
-            <a:rPr lang="de-DE" sz="2500" kern="1200" dirty="0"/>
-          </a:br>
-          <a:r>
-            <a:rPr lang="de-DE" sz="2500" kern="1200" dirty="0"/>
-            <a:t>- Programm beendet sich automatisch</a:t>
-          </a:r>
-        </a:p>
-        <a:p>
-          <a:pPr marL="0" lvl="0" indent="0" algn="ctr" defTabSz="1111250">
+          <a:pPr marL="0" lvl="0" indent="0" algn="ctr" defTabSz="800100">
             <a:lnSpc>
               <a:spcPct val="90000"/>
             </a:lnSpc>
@@ -2625,12 +2685,12 @@
             <a:buNone/>
           </a:pPr>
           <a:r>
-            <a:rPr lang="de-DE" sz="2500" kern="1200" dirty="0"/>
-            <a:t>- Keine Möglichkeit für Fehlerkorrektur </a:t>
+            <a:rPr lang="de-DE" sz="1800" kern="1200" dirty="0"/>
+            <a:t>- Programm beendet sich automatisch</a:t>
           </a:r>
         </a:p>
         <a:p>
-          <a:pPr marL="0" lvl="0" indent="0" algn="ctr" defTabSz="1111250">
+          <a:pPr marL="0" lvl="0" indent="0" algn="ctr" defTabSz="800100">
             <a:lnSpc>
               <a:spcPct val="90000"/>
             </a:lnSpc>
@@ -2643,146 +2703,12 @@
             <a:buNone/>
           </a:pPr>
           <a:r>
-            <a:rPr lang="de-DE" sz="2500" kern="1200" dirty="0"/>
-            <a:t>- Wenig Zusatzfunktionen</a:t>
+            <a:rPr lang="de-DE" sz="1800" kern="1200" dirty="0"/>
+            <a:t>- Keine Möglichkeit für Fehlerkorrektur </a:t>
           </a:r>
-          <a:endParaRPr lang="de-DE" sz="2000" kern="1200" dirty="0"/>
         </a:p>
-      </dsp:txBody>
-      <dsp:txXfrm>
-        <a:off x="137048" y="171872"/>
-        <a:ext cx="4284577" cy="4007593"/>
-      </dsp:txXfrm>
-    </dsp:sp>
-    <dsp:sp modelId="{8912F108-2246-4CED-BB09-D8702CED0304}">
-      <dsp:nvSpPr>
-        <dsp:cNvPr id="0" name=""/>
-        <dsp:cNvSpPr/>
-      </dsp:nvSpPr>
-      <dsp:spPr>
-        <a:xfrm>
-          <a:off x="4900760" y="1736148"/>
-          <a:ext cx="751438" cy="879041"/>
-        </a:xfrm>
-        <a:prstGeom prst="rightArrow">
-          <a:avLst>
-            <a:gd name="adj1" fmla="val 60000"/>
-            <a:gd name="adj2" fmla="val 50000"/>
-          </a:avLst>
-        </a:prstGeom>
-        <a:solidFill>
-          <a:schemeClr val="accent3">
-            <a:shade val="90000"/>
-            <a:hueOff val="0"/>
-            <a:satOff val="0"/>
-            <a:lumOff val="0"/>
-            <a:alphaOff val="0"/>
-          </a:schemeClr>
-        </a:solidFill>
-        <a:ln>
-          <a:noFill/>
-        </a:ln>
-        <a:effectLst/>
-      </dsp:spPr>
-      <dsp:style>
-        <a:lnRef idx="0">
-          <a:scrgbClr r="0" g="0" b="0"/>
-        </a:lnRef>
-        <a:fillRef idx="1">
-          <a:scrgbClr r="0" g="0" b="0"/>
-        </a:fillRef>
-        <a:effectRef idx="0">
-          <a:scrgbClr r="0" g="0" b="0"/>
-        </a:effectRef>
-        <a:fontRef idx="minor">
-          <a:schemeClr val="lt1"/>
-        </a:fontRef>
-      </dsp:style>
-      <dsp:txBody>
-        <a:bodyPr spcFirstLastPara="0" vert="horz" wrap="square" lIns="0" tIns="0" rIns="0" bIns="0" numCol="1" spcCol="1270" anchor="ctr" anchorCtr="0">
-          <a:noAutofit/>
-        </a:bodyPr>
-        <a:lstStyle/>
         <a:p>
-          <a:pPr marL="0" lvl="0" indent="0" algn="ctr" defTabSz="1644650">
-            <a:lnSpc>
-              <a:spcPct val="90000"/>
-            </a:lnSpc>
-            <a:spcBef>
-              <a:spcPct val="0"/>
-            </a:spcBef>
-            <a:spcAft>
-              <a:spcPct val="35000"/>
-            </a:spcAft>
-            <a:buNone/>
-          </a:pPr>
-          <a:endParaRPr lang="de-DE" sz="3700" kern="1200"/>
-        </a:p>
-      </dsp:txBody>
-      <dsp:txXfrm>
-        <a:off x="4900760" y="1911956"/>
-        <a:ext cx="526007" cy="527425"/>
-      </dsp:txXfrm>
-    </dsp:sp>
-    <dsp:sp modelId="{E5D00D18-8E72-4B0E-BA69-B421B612AB26}">
-      <dsp:nvSpPr>
-        <dsp:cNvPr id="0" name=""/>
-        <dsp:cNvSpPr/>
-      </dsp:nvSpPr>
-      <dsp:spPr>
-        <a:xfrm>
-          <a:off x="5964117" y="0"/>
-          <a:ext cx="4539116" cy="4351338"/>
-        </a:xfrm>
-        <a:prstGeom prst="roundRect">
-          <a:avLst>
-            <a:gd name="adj" fmla="val 10000"/>
-          </a:avLst>
-        </a:prstGeom>
-        <a:solidFill>
-          <a:schemeClr val="accent3">
-            <a:alpha val="90000"/>
-            <a:hueOff val="0"/>
-            <a:satOff val="0"/>
-            <a:lumOff val="0"/>
-            <a:alphaOff val="-40000"/>
-          </a:schemeClr>
-        </a:solidFill>
-        <a:ln w="12700" cap="flat" cmpd="sng" algn="ctr">
-          <a:solidFill>
-            <a:schemeClr val="lt1">
-              <a:hueOff val="0"/>
-              <a:satOff val="0"/>
-              <a:lumOff val="0"/>
-              <a:alphaOff val="0"/>
-            </a:schemeClr>
-          </a:solidFill>
-          <a:prstDash val="solid"/>
-          <a:miter lim="800000"/>
-        </a:ln>
-        <a:effectLst/>
-      </dsp:spPr>
-      <dsp:style>
-        <a:lnRef idx="2">
-          <a:scrgbClr r="0" g="0" b="0"/>
-        </a:lnRef>
-        <a:fillRef idx="1">
-          <a:scrgbClr r="0" g="0" b="0"/>
-        </a:fillRef>
-        <a:effectRef idx="0">
-          <a:scrgbClr r="0" g="0" b="0"/>
-        </a:effectRef>
-        <a:fontRef idx="minor">
-          <a:schemeClr val="lt1"/>
-        </a:fontRef>
-      </dsp:style>
-      <dsp:txBody>
-        <a:bodyPr spcFirstLastPara="0" vert="horz" wrap="square" lIns="114300" tIns="114300" rIns="114300" bIns="114300" numCol="1" spcCol="1270" anchor="ctr" anchorCtr="0">
-          <a:noAutofit/>
-        </a:bodyPr>
-        <a:lstStyle/>
-        <a:p>
-          <a:pPr marL="0" lvl="0" indent="0" algn="ctr" defTabSz="1333500">
+          <a:pPr marL="0" lvl="0" indent="0" algn="ctr" defTabSz="800100">
             <a:lnSpc>
               <a:spcPct val="90000"/>
             </a:lnSpc>
@@ -2795,12 +2721,99 @@
             <a:buNone/>
           </a:pPr>
           <a:r>
-            <a:rPr lang="de-DE" sz="3000" kern="1200" dirty="0"/>
-            <a:t>Lösungsvorschlag</a:t>
+            <a:rPr lang="de-DE" sz="1800" kern="1200" dirty="0"/>
+            <a:t>- Wenig Zusatzfunktionen</a:t>
           </a:r>
         </a:p>
+      </dsp:txBody>
+      <dsp:txXfrm>
+        <a:off x="69680" y="1350636"/>
+        <a:ext cx="2010113" cy="2717394"/>
+      </dsp:txXfrm>
+    </dsp:sp>
+    <dsp:sp modelId="{96F3EB98-06E7-4C41-AC7C-C511BD7FF12D}">
+      <dsp:nvSpPr>
+        <dsp:cNvPr id="0" name=""/>
+        <dsp:cNvSpPr/>
+      </dsp:nvSpPr>
+      <dsp:spPr>
+        <a:xfrm>
+          <a:off x="2355850" y="2444570"/>
+          <a:ext cx="452659" cy="529526"/>
+        </a:xfrm>
+        <a:prstGeom prst="rightArrow">
+          <a:avLst>
+            <a:gd name="adj1" fmla="val 60000"/>
+            <a:gd name="adj2" fmla="val 50000"/>
+          </a:avLst>
+        </a:prstGeom>
+        <a:gradFill rotWithShape="0">
+          <a:gsLst>
+            <a:gs pos="0">
+              <a:schemeClr val="accent3">
+                <a:shade val="90000"/>
+                <a:hueOff val="0"/>
+                <a:satOff val="0"/>
+                <a:lumOff val="0"/>
+                <a:alphaOff val="0"/>
+                <a:lumMod val="110000"/>
+                <a:satMod val="105000"/>
+                <a:tint val="67000"/>
+              </a:schemeClr>
+            </a:gs>
+            <a:gs pos="50000">
+              <a:schemeClr val="accent3">
+                <a:shade val="90000"/>
+                <a:hueOff val="0"/>
+                <a:satOff val="0"/>
+                <a:lumOff val="0"/>
+                <a:alphaOff val="0"/>
+                <a:lumMod val="105000"/>
+                <a:satMod val="103000"/>
+                <a:tint val="73000"/>
+              </a:schemeClr>
+            </a:gs>
+            <a:gs pos="100000">
+              <a:schemeClr val="accent3">
+                <a:shade val="90000"/>
+                <a:hueOff val="0"/>
+                <a:satOff val="0"/>
+                <a:lumOff val="0"/>
+                <a:alphaOff val="0"/>
+                <a:lumMod val="105000"/>
+                <a:satMod val="109000"/>
+                <a:tint val="81000"/>
+              </a:schemeClr>
+            </a:gs>
+          </a:gsLst>
+          <a:lin ang="5400000" scaled="0"/>
+        </a:gradFill>
+        <a:ln>
+          <a:noFill/>
+        </a:ln>
+        <a:effectLst/>
+      </dsp:spPr>
+      <dsp:style>
+        <a:lnRef idx="0">
+          <a:scrgbClr r="0" g="0" b="0"/>
+        </a:lnRef>
+        <a:fillRef idx="2">
+          <a:scrgbClr r="0" g="0" b="0"/>
+        </a:fillRef>
+        <a:effectRef idx="1">
+          <a:scrgbClr r="0" g="0" b="0"/>
+        </a:effectRef>
+        <a:fontRef idx="minor">
+          <a:schemeClr val="dk1"/>
+        </a:fontRef>
+      </dsp:style>
+      <dsp:txBody>
+        <a:bodyPr spcFirstLastPara="0" vert="horz" wrap="square" lIns="0" tIns="0" rIns="0" bIns="0" numCol="1" spcCol="1270" anchor="ctr" anchorCtr="0">
+          <a:noAutofit/>
+        </a:bodyPr>
+        <a:lstStyle/>
         <a:p>
-          <a:pPr marL="0" lvl="0" indent="0" algn="ctr" defTabSz="1333500">
+          <a:pPr marL="0" lvl="0" indent="0" algn="ctr" defTabSz="622300">
             <a:lnSpc>
               <a:spcPct val="90000"/>
             </a:lnSpc>
@@ -2812,10 +2825,103 @@
             </a:spcAft>
             <a:buNone/>
           </a:pPr>
-          <a:endParaRPr lang="de-DE" sz="3000" kern="1200" dirty="0"/>
+          <a:endParaRPr lang="de-DE" sz="1400" kern="1200"/>
         </a:p>
+      </dsp:txBody>
+      <dsp:txXfrm>
+        <a:off x="2355850" y="2550475"/>
+        <a:ext cx="316861" cy="317716"/>
+      </dsp:txXfrm>
+    </dsp:sp>
+    <dsp:sp modelId="{84C73178-6479-4BA5-9527-280922D3FF2A}">
+      <dsp:nvSpPr>
+        <dsp:cNvPr id="0" name=""/>
+        <dsp:cNvSpPr/>
+      </dsp:nvSpPr>
+      <dsp:spPr>
+        <a:xfrm>
+          <a:off x="2996406" y="1288099"/>
+          <a:ext cx="2135187" cy="2842468"/>
+        </a:xfrm>
+        <a:prstGeom prst="roundRect">
+          <a:avLst>
+            <a:gd name="adj" fmla="val 10000"/>
+          </a:avLst>
+        </a:prstGeom>
+        <a:gradFill rotWithShape="0">
+          <a:gsLst>
+            <a:gs pos="0">
+              <a:schemeClr val="accent3">
+                <a:shade val="50000"/>
+                <a:hueOff val="0"/>
+                <a:satOff val="0"/>
+                <a:lumOff val="23975"/>
+                <a:alphaOff val="0"/>
+                <a:lumMod val="110000"/>
+                <a:satMod val="105000"/>
+                <a:tint val="67000"/>
+              </a:schemeClr>
+            </a:gs>
+            <a:gs pos="50000">
+              <a:schemeClr val="accent3">
+                <a:shade val="50000"/>
+                <a:hueOff val="0"/>
+                <a:satOff val="0"/>
+                <a:lumOff val="23975"/>
+                <a:alphaOff val="0"/>
+                <a:lumMod val="105000"/>
+                <a:satMod val="103000"/>
+                <a:tint val="73000"/>
+              </a:schemeClr>
+            </a:gs>
+            <a:gs pos="100000">
+              <a:schemeClr val="accent3">
+                <a:shade val="50000"/>
+                <a:hueOff val="0"/>
+                <a:satOff val="0"/>
+                <a:lumOff val="23975"/>
+                <a:alphaOff val="0"/>
+                <a:lumMod val="105000"/>
+                <a:satMod val="109000"/>
+                <a:tint val="81000"/>
+              </a:schemeClr>
+            </a:gs>
+          </a:gsLst>
+          <a:lin ang="5400000" scaled="0"/>
+        </a:gradFill>
+        <a:ln>
+          <a:noFill/>
+        </a:ln>
+        <a:effectLst/>
+        <a:scene3d>
+          <a:camera prst="orthographicFront"/>
+          <a:lightRig rig="flat" dir="t"/>
+        </a:scene3d>
+        <a:sp3d prstMaterial="dkEdge">
+          <a:bevelT w="8200" h="38100"/>
+        </a:sp3d>
+      </dsp:spPr>
+      <dsp:style>
+        <a:lnRef idx="0">
+          <a:scrgbClr r="0" g="0" b="0"/>
+        </a:lnRef>
+        <a:fillRef idx="2">
+          <a:scrgbClr r="0" g="0" b="0"/>
+        </a:fillRef>
+        <a:effectRef idx="1">
+          <a:scrgbClr r="0" g="0" b="0"/>
+        </a:effectRef>
+        <a:fontRef idx="minor">
+          <a:schemeClr val="dk1"/>
+        </a:fontRef>
+      </dsp:style>
+      <dsp:txBody>
+        <a:bodyPr spcFirstLastPara="0" vert="horz" wrap="square" lIns="68580" tIns="68580" rIns="68580" bIns="68580" numCol="1" spcCol="1270" anchor="ctr" anchorCtr="0">
+          <a:noAutofit/>
+        </a:bodyPr>
+        <a:lstStyle/>
         <a:p>
-          <a:pPr marL="0" lvl="0" indent="0" algn="ctr" defTabSz="1333500">
+          <a:pPr marL="0" lvl="0" indent="0" algn="ctr" defTabSz="800100">
             <a:lnSpc>
               <a:spcPct val="90000"/>
             </a:lnSpc>
@@ -2828,14 +2934,293 @@
             <a:buNone/>
           </a:pPr>
           <a:r>
-            <a:rPr lang="de-DE" sz="2000" kern="1200" dirty="0"/>
-            <a:t>Intuitive Bedienung bei möglichst großer Flexibilität</a:t>
+            <a:rPr lang="de-DE" sz="1800" kern="1200" dirty="0"/>
+            <a:t>Fehler Sprint 2</a:t>
+          </a:r>
+        </a:p>
+        <a:p>
+          <a:pPr marL="0" lvl="0" indent="0" algn="ctr" defTabSz="800100">
+            <a:lnSpc>
+              <a:spcPct val="90000"/>
+            </a:lnSpc>
+            <a:spcBef>
+              <a:spcPct val="0"/>
+            </a:spcBef>
+            <a:spcAft>
+              <a:spcPct val="35000"/>
+            </a:spcAft>
+            <a:buNone/>
+          </a:pPr>
+          <a:endParaRPr lang="de-DE" sz="1800" kern="1200" dirty="0"/>
+        </a:p>
+        <a:p>
+          <a:pPr marL="0" lvl="0" indent="0" algn="ctr" defTabSz="800100">
+            <a:lnSpc>
+              <a:spcPct val="90000"/>
+            </a:lnSpc>
+            <a:spcBef>
+              <a:spcPct val="0"/>
+            </a:spcBef>
+            <a:spcAft>
+              <a:spcPct val="35000"/>
+            </a:spcAft>
+            <a:buNone/>
+          </a:pPr>
+          <a:r>
+            <a:rPr lang="de-DE" sz="1800" kern="1200" dirty="0"/>
+            <a:t>-Fehlende Teamarbeit</a:t>
           </a:r>
         </a:p>
       </dsp:txBody>
       <dsp:txXfrm>
-        <a:off x="6091563" y="127446"/>
-        <a:ext cx="4284224" cy="4096446"/>
+        <a:off x="3058943" y="1350636"/>
+        <a:ext cx="2010113" cy="2717394"/>
+      </dsp:txXfrm>
+    </dsp:sp>
+    <dsp:sp modelId="{85443B90-AB1F-4B99-B628-A2E3EC02A784}">
+      <dsp:nvSpPr>
+        <dsp:cNvPr id="0" name=""/>
+        <dsp:cNvSpPr/>
+      </dsp:nvSpPr>
+      <dsp:spPr>
+        <a:xfrm>
+          <a:off x="5345112" y="2444570"/>
+          <a:ext cx="452659" cy="529526"/>
+        </a:xfrm>
+        <a:prstGeom prst="rightArrow">
+          <a:avLst>
+            <a:gd name="adj1" fmla="val 60000"/>
+            <a:gd name="adj2" fmla="val 50000"/>
+          </a:avLst>
+        </a:prstGeom>
+        <a:gradFill rotWithShape="0">
+          <a:gsLst>
+            <a:gs pos="0">
+              <a:schemeClr val="accent3">
+                <a:shade val="90000"/>
+                <a:hueOff val="0"/>
+                <a:satOff val="0"/>
+                <a:lumOff val="23095"/>
+                <a:alphaOff val="0"/>
+                <a:lumMod val="110000"/>
+                <a:satMod val="105000"/>
+                <a:tint val="67000"/>
+              </a:schemeClr>
+            </a:gs>
+            <a:gs pos="50000">
+              <a:schemeClr val="accent3">
+                <a:shade val="90000"/>
+                <a:hueOff val="0"/>
+                <a:satOff val="0"/>
+                <a:lumOff val="23095"/>
+                <a:alphaOff val="0"/>
+                <a:lumMod val="105000"/>
+                <a:satMod val="103000"/>
+                <a:tint val="73000"/>
+              </a:schemeClr>
+            </a:gs>
+            <a:gs pos="100000">
+              <a:schemeClr val="accent3">
+                <a:shade val="90000"/>
+                <a:hueOff val="0"/>
+                <a:satOff val="0"/>
+                <a:lumOff val="23095"/>
+                <a:alphaOff val="0"/>
+                <a:lumMod val="105000"/>
+                <a:satMod val="109000"/>
+                <a:tint val="81000"/>
+              </a:schemeClr>
+            </a:gs>
+          </a:gsLst>
+          <a:lin ang="5400000" scaled="0"/>
+        </a:gradFill>
+        <a:ln>
+          <a:noFill/>
+        </a:ln>
+        <a:effectLst/>
+      </dsp:spPr>
+      <dsp:style>
+        <a:lnRef idx="0">
+          <a:scrgbClr r="0" g="0" b="0"/>
+        </a:lnRef>
+        <a:fillRef idx="2">
+          <a:scrgbClr r="0" g="0" b="0"/>
+        </a:fillRef>
+        <a:effectRef idx="1">
+          <a:scrgbClr r="0" g="0" b="0"/>
+        </a:effectRef>
+        <a:fontRef idx="minor">
+          <a:schemeClr val="dk1"/>
+        </a:fontRef>
+      </dsp:style>
+      <dsp:txBody>
+        <a:bodyPr spcFirstLastPara="0" vert="horz" wrap="square" lIns="0" tIns="0" rIns="0" bIns="0" numCol="1" spcCol="1270" anchor="ctr" anchorCtr="0">
+          <a:noAutofit/>
+        </a:bodyPr>
+        <a:lstStyle/>
+        <a:p>
+          <a:pPr marL="0" lvl="0" indent="0" algn="ctr" defTabSz="622300">
+            <a:lnSpc>
+              <a:spcPct val="90000"/>
+            </a:lnSpc>
+            <a:spcBef>
+              <a:spcPct val="0"/>
+            </a:spcBef>
+            <a:spcAft>
+              <a:spcPct val="35000"/>
+            </a:spcAft>
+            <a:buNone/>
+          </a:pPr>
+          <a:endParaRPr lang="de-DE" sz="1400" kern="1200"/>
+        </a:p>
+      </dsp:txBody>
+      <dsp:txXfrm>
+        <a:off x="5345112" y="2550475"/>
+        <a:ext cx="316861" cy="317716"/>
+      </dsp:txXfrm>
+    </dsp:sp>
+    <dsp:sp modelId="{48E13FD4-3CE9-4776-B450-03B102BFBC50}">
+      <dsp:nvSpPr>
+        <dsp:cNvPr id="0" name=""/>
+        <dsp:cNvSpPr/>
+      </dsp:nvSpPr>
+      <dsp:spPr>
+        <a:xfrm>
+          <a:off x="5985668" y="1288099"/>
+          <a:ext cx="2135187" cy="2842468"/>
+        </a:xfrm>
+        <a:prstGeom prst="roundRect">
+          <a:avLst>
+            <a:gd name="adj" fmla="val 10000"/>
+          </a:avLst>
+        </a:prstGeom>
+        <a:gradFill rotWithShape="0">
+          <a:gsLst>
+            <a:gs pos="0">
+              <a:schemeClr val="accent3">
+                <a:shade val="50000"/>
+                <a:hueOff val="0"/>
+                <a:satOff val="0"/>
+                <a:lumOff val="23975"/>
+                <a:alphaOff val="0"/>
+                <a:lumMod val="110000"/>
+                <a:satMod val="105000"/>
+                <a:tint val="67000"/>
+              </a:schemeClr>
+            </a:gs>
+            <a:gs pos="50000">
+              <a:schemeClr val="accent3">
+                <a:shade val="50000"/>
+                <a:hueOff val="0"/>
+                <a:satOff val="0"/>
+                <a:lumOff val="23975"/>
+                <a:alphaOff val="0"/>
+                <a:lumMod val="105000"/>
+                <a:satMod val="103000"/>
+                <a:tint val="73000"/>
+              </a:schemeClr>
+            </a:gs>
+            <a:gs pos="100000">
+              <a:schemeClr val="accent3">
+                <a:shade val="50000"/>
+                <a:hueOff val="0"/>
+                <a:satOff val="0"/>
+                <a:lumOff val="23975"/>
+                <a:alphaOff val="0"/>
+                <a:lumMod val="105000"/>
+                <a:satMod val="109000"/>
+                <a:tint val="81000"/>
+              </a:schemeClr>
+            </a:gs>
+          </a:gsLst>
+          <a:lin ang="5400000" scaled="0"/>
+        </a:gradFill>
+        <a:ln>
+          <a:noFill/>
+        </a:ln>
+        <a:effectLst/>
+        <a:scene3d>
+          <a:camera prst="orthographicFront"/>
+          <a:lightRig rig="flat" dir="t"/>
+        </a:scene3d>
+        <a:sp3d prstMaterial="dkEdge">
+          <a:bevelT w="8200" h="38100"/>
+        </a:sp3d>
+      </dsp:spPr>
+      <dsp:style>
+        <a:lnRef idx="0">
+          <a:scrgbClr r="0" g="0" b="0"/>
+        </a:lnRef>
+        <a:fillRef idx="2">
+          <a:scrgbClr r="0" g="0" b="0"/>
+        </a:fillRef>
+        <a:effectRef idx="1">
+          <a:scrgbClr r="0" g="0" b="0"/>
+        </a:effectRef>
+        <a:fontRef idx="minor">
+          <a:schemeClr val="dk1"/>
+        </a:fontRef>
+      </dsp:style>
+      <dsp:txBody>
+        <a:bodyPr spcFirstLastPara="0" vert="horz" wrap="square" lIns="68580" tIns="68580" rIns="68580" bIns="68580" numCol="1" spcCol="1270" anchor="ctr" anchorCtr="0">
+          <a:noAutofit/>
+        </a:bodyPr>
+        <a:lstStyle/>
+        <a:p>
+          <a:pPr marL="0" lvl="0" indent="0" algn="ctr" defTabSz="800100">
+            <a:lnSpc>
+              <a:spcPct val="90000"/>
+            </a:lnSpc>
+            <a:spcBef>
+              <a:spcPct val="0"/>
+            </a:spcBef>
+            <a:spcAft>
+              <a:spcPct val="35000"/>
+            </a:spcAft>
+            <a:buNone/>
+          </a:pPr>
+          <a:r>
+            <a:rPr lang="de-DE" sz="1800" kern="1200" dirty="0"/>
+            <a:t>Lösungsvorschlag</a:t>
+          </a:r>
+        </a:p>
+        <a:p>
+          <a:pPr marL="0" lvl="0" indent="0" algn="ctr" defTabSz="800100">
+            <a:lnSpc>
+              <a:spcPct val="90000"/>
+            </a:lnSpc>
+            <a:spcBef>
+              <a:spcPct val="0"/>
+            </a:spcBef>
+            <a:spcAft>
+              <a:spcPct val="35000"/>
+            </a:spcAft>
+            <a:buNone/>
+          </a:pPr>
+          <a:endParaRPr lang="de-DE" sz="1800" kern="1200" dirty="0"/>
+        </a:p>
+        <a:p>
+          <a:pPr marL="0" lvl="0" indent="0" algn="ctr" defTabSz="800100">
+            <a:lnSpc>
+              <a:spcPct val="90000"/>
+            </a:lnSpc>
+            <a:spcBef>
+              <a:spcPct val="0"/>
+            </a:spcBef>
+            <a:spcAft>
+              <a:spcPct val="35000"/>
+            </a:spcAft>
+            <a:buNone/>
+          </a:pPr>
+          <a:r>
+            <a:rPr lang="de-DE" sz="1800" kern="1200" dirty="0"/>
+            <a:t>Direkte Betreuung des schwächsten Gruppenmitgliedes </a:t>
+          </a:r>
+        </a:p>
+      </dsp:txBody>
+      <dsp:txXfrm>
+        <a:off x="6048205" y="1350636"/>
+        <a:ext cx="2010113" cy="2717394"/>
       </dsp:txXfrm>
     </dsp:sp>
   </dsp:spTree>
@@ -4068,11 +4453,11 @@
 </file>
 
 <file path=ppt/diagrams/quickStyle1.xml><?xml version="1.0" encoding="utf-8"?>
-<dgm:styleDef xmlns:dgm="http://schemas.openxmlformats.org/drawingml/2006/diagram" xmlns:a="http://schemas.openxmlformats.org/drawingml/2006/main" uniqueId="urn:microsoft.com/office/officeart/2005/8/quickstyle/simple1">
+<dgm:styleDef xmlns:dgm="http://schemas.openxmlformats.org/drawingml/2006/diagram" xmlns:a="http://schemas.openxmlformats.org/drawingml/2006/main" uniqueId="urn:microsoft.com/office/officeart/2005/8/quickstyle/simple3">
   <dgm:title val=""/>
   <dgm:desc val=""/>
   <dgm:catLst>
-    <dgm:cat type="simple" pri="10100"/>
+    <dgm:cat type="simple" pri="10300"/>
   </dgm:catLst>
   <dgm:scene3d>
     <a:camera prst="orthographicFront"/>
@@ -4081,59 +4466,65 @@
   <dgm:styleLbl name="node0">
     <dgm:scene3d>
       <a:camera prst="orthographicFront"/>
-      <a:lightRig rig="threePt" dir="t"/>
+      <a:lightRig rig="flat" dir="t"/>
     </dgm:scene3d>
-    <dgm:sp3d/>
+    <dgm:sp3d prstMaterial="dkEdge">
+      <a:bevelT w="8200" h="38100"/>
+    </dgm:sp3d>
     <dgm:txPr/>
     <dgm:style>
-      <a:lnRef idx="2">
+      <a:lnRef idx="0">
         <a:scrgbClr r="0" g="0" b="0"/>
       </a:lnRef>
-      <a:fillRef idx="1">
+      <a:fillRef idx="2">
         <a:scrgbClr r="0" g="0" b="0"/>
       </a:fillRef>
-      <a:effectRef idx="0">
+      <a:effectRef idx="1">
         <a:scrgbClr r="0" g="0" b="0"/>
       </a:effectRef>
       <a:fontRef idx="minor">
-        <a:schemeClr val="lt1"/>
+        <a:schemeClr val="dk1"/>
       </a:fontRef>
     </dgm:style>
   </dgm:styleLbl>
   <dgm:styleLbl name="lnNode1">
     <dgm:scene3d>
       <a:camera prst="orthographicFront"/>
-      <a:lightRig rig="threePt" dir="t"/>
+      <a:lightRig rig="flat" dir="t"/>
     </dgm:scene3d>
-    <dgm:sp3d/>
+    <dgm:sp3d prstMaterial="dkEdge">
+      <a:bevelT w="8200" h="38100"/>
+    </dgm:sp3d>
     <dgm:txPr/>
     <dgm:style>
-      <a:lnRef idx="2">
+      <a:lnRef idx="1">
         <a:scrgbClr r="0" g="0" b="0"/>
       </a:lnRef>
-      <a:fillRef idx="1">
+      <a:fillRef idx="2">
         <a:scrgbClr r="0" g="0" b="0"/>
       </a:fillRef>
       <a:effectRef idx="0">
         <a:scrgbClr r="0" g="0" b="0"/>
       </a:effectRef>
       <a:fontRef idx="minor">
-        <a:schemeClr val="lt1"/>
+        <a:schemeClr val="dk1"/>
       </a:fontRef>
     </dgm:style>
   </dgm:styleLbl>
   <dgm:styleLbl name="vennNode1">
     <dgm:scene3d>
       <a:camera prst="orthographicFront"/>
-      <a:lightRig rig="threePt" dir="t"/>
+      <a:lightRig rig="flat" dir="t"/>
     </dgm:scene3d>
-    <dgm:sp3d/>
+    <dgm:sp3d prstMaterial="dkEdge">
+      <a:bevelT w="8200" h="38100"/>
+    </dgm:sp3d>
     <dgm:txPr/>
     <dgm:style>
-      <a:lnRef idx="2">
+      <a:lnRef idx="0">
         <a:scrgbClr r="0" g="0" b="0"/>
       </a:lnRef>
-      <a:fillRef idx="1">
+      <a:fillRef idx="2">
         <a:scrgbClr r="0" g="0" b="0"/>
       </a:fillRef>
       <a:effectRef idx="0">
@@ -4152,105 +4543,113 @@
     <dgm:sp3d/>
     <dgm:txPr/>
     <dgm:style>
-      <a:lnRef idx="2">
+      <a:lnRef idx="1">
         <a:scrgbClr r="0" g="0" b="0"/>
       </a:lnRef>
-      <a:fillRef idx="1">
+      <a:fillRef idx="2">
         <a:scrgbClr r="0" g="0" b="0"/>
       </a:fillRef>
-      <a:effectRef idx="0">
+      <a:effectRef idx="1">
         <a:scrgbClr r="0" g="0" b="0"/>
       </a:effectRef>
       <a:fontRef idx="minor">
-        <a:schemeClr val="lt1"/>
+        <a:schemeClr val="dk1"/>
       </a:fontRef>
     </dgm:style>
   </dgm:styleLbl>
   <dgm:styleLbl name="node1">
     <dgm:scene3d>
       <a:camera prst="orthographicFront"/>
-      <a:lightRig rig="threePt" dir="t"/>
+      <a:lightRig rig="flat" dir="t"/>
     </dgm:scene3d>
-    <dgm:sp3d/>
+    <dgm:sp3d prstMaterial="dkEdge">
+      <a:bevelT w="8200" h="38100"/>
+    </dgm:sp3d>
     <dgm:txPr/>
     <dgm:style>
-      <a:lnRef idx="2">
+      <a:lnRef idx="0">
         <a:scrgbClr r="0" g="0" b="0"/>
       </a:lnRef>
-      <a:fillRef idx="1">
+      <a:fillRef idx="2">
         <a:scrgbClr r="0" g="0" b="0"/>
       </a:fillRef>
-      <a:effectRef idx="0">
+      <a:effectRef idx="1">
         <a:scrgbClr r="0" g="0" b="0"/>
       </a:effectRef>
       <a:fontRef idx="minor">
-        <a:schemeClr val="lt1"/>
+        <a:schemeClr val="dk1"/>
       </a:fontRef>
     </dgm:style>
   </dgm:styleLbl>
   <dgm:styleLbl name="node2">
     <dgm:scene3d>
       <a:camera prst="orthographicFront"/>
-      <a:lightRig rig="threePt" dir="t"/>
+      <a:lightRig rig="flat" dir="t"/>
     </dgm:scene3d>
-    <dgm:sp3d/>
+    <dgm:sp3d prstMaterial="dkEdge">
+      <a:bevelT w="8200" h="38100"/>
+    </dgm:sp3d>
     <dgm:txPr/>
     <dgm:style>
-      <a:lnRef idx="2">
+      <a:lnRef idx="0">
         <a:scrgbClr r="0" g="0" b="0"/>
       </a:lnRef>
-      <a:fillRef idx="1">
+      <a:fillRef idx="2">
         <a:scrgbClr r="0" g="0" b="0"/>
       </a:fillRef>
-      <a:effectRef idx="0">
+      <a:effectRef idx="1">
         <a:scrgbClr r="0" g="0" b="0"/>
       </a:effectRef>
       <a:fontRef idx="minor">
-        <a:schemeClr val="lt1"/>
+        <a:schemeClr val="dk1"/>
       </a:fontRef>
     </dgm:style>
   </dgm:styleLbl>
   <dgm:styleLbl name="node3">
     <dgm:scene3d>
       <a:camera prst="orthographicFront"/>
-      <a:lightRig rig="threePt" dir="t"/>
+      <a:lightRig rig="flat" dir="t"/>
     </dgm:scene3d>
-    <dgm:sp3d/>
+    <dgm:sp3d prstMaterial="dkEdge">
+      <a:bevelT w="8200" h="38100"/>
+    </dgm:sp3d>
     <dgm:txPr/>
     <dgm:style>
-      <a:lnRef idx="2">
+      <a:lnRef idx="0">
         <a:scrgbClr r="0" g="0" b="0"/>
       </a:lnRef>
-      <a:fillRef idx="1">
+      <a:fillRef idx="2">
         <a:scrgbClr r="0" g="0" b="0"/>
       </a:fillRef>
-      <a:effectRef idx="0">
+      <a:effectRef idx="1">
         <a:scrgbClr r="0" g="0" b="0"/>
       </a:effectRef>
       <a:fontRef idx="minor">
-        <a:schemeClr val="lt1"/>
+        <a:schemeClr val="dk1"/>
       </a:fontRef>
     </dgm:style>
   </dgm:styleLbl>
   <dgm:styleLbl name="node4">
     <dgm:scene3d>
       <a:camera prst="orthographicFront"/>
-      <a:lightRig rig="threePt" dir="t"/>
+      <a:lightRig rig="flat" dir="t"/>
     </dgm:scene3d>
-    <dgm:sp3d/>
+    <dgm:sp3d prstMaterial="dkEdge">
+      <a:bevelT w="8200" h="38100"/>
+    </dgm:sp3d>
     <dgm:txPr/>
     <dgm:style>
-      <a:lnRef idx="2">
+      <a:lnRef idx="0">
         <a:scrgbClr r="0" g="0" b="0"/>
       </a:lnRef>
-      <a:fillRef idx="1">
+      <a:fillRef idx="2">
         <a:scrgbClr r="0" g="0" b="0"/>
       </a:fillRef>
-      <a:effectRef idx="0">
+      <a:effectRef idx="1">
         <a:scrgbClr r="0" g="0" b="0"/>
       </a:effectRef>
       <a:fontRef idx="minor">
-        <a:schemeClr val="lt1"/>
+        <a:schemeClr val="dk1"/>
       </a:fontRef>
     </dgm:style>
   </dgm:styleLbl>
@@ -4262,13 +4661,13 @@
     <dgm:sp3d/>
     <dgm:txPr/>
     <dgm:style>
-      <a:lnRef idx="2">
+      <a:lnRef idx="1">
         <a:scrgbClr r="0" g="0" b="0"/>
       </a:lnRef>
       <a:fillRef idx="1">
         <a:scrgbClr r="0" g="0" b="0"/>
       </a:fillRef>
-      <a:effectRef idx="0">
+      <a:effectRef idx="1">
         <a:scrgbClr r="0" g="0" b="0"/>
       </a:effectRef>
       <a:fontRef idx="minor"/>
@@ -4282,13 +4681,13 @@
     <dgm:sp3d/>
     <dgm:txPr/>
     <dgm:style>
-      <a:lnRef idx="2">
+      <a:lnRef idx="1">
         <a:scrgbClr r="0" g="0" b="0"/>
       </a:lnRef>
       <a:fillRef idx="1">
         <a:scrgbClr r="0" g="0" b="0"/>
       </a:fillRef>
-      <a:effectRef idx="0">
+      <a:effectRef idx="1">
         <a:scrgbClr r="0" g="0" b="0"/>
       </a:effectRef>
       <a:fontRef idx="minor"/>
@@ -4302,13 +4701,13 @@
     <dgm:sp3d/>
     <dgm:txPr/>
     <dgm:style>
-      <a:lnRef idx="2">
+      <a:lnRef idx="1">
         <a:scrgbClr r="0" g="0" b="0"/>
       </a:lnRef>
       <a:fillRef idx="1">
         <a:scrgbClr r="0" g="0" b="0"/>
       </a:fillRef>
-      <a:effectRef idx="0">
+      <a:effectRef idx="1">
         <a:scrgbClr r="0" g="0" b="0"/>
       </a:effectRef>
       <a:fontRef idx="minor"/>
@@ -4325,14 +4724,14 @@
       <a:lnRef idx="0">
         <a:scrgbClr r="0" g="0" b="0"/>
       </a:lnRef>
-      <a:fillRef idx="1">
+      <a:fillRef idx="2">
         <a:scrgbClr r="0" g="0" b="0"/>
       </a:fillRef>
-      <a:effectRef idx="0">
+      <a:effectRef idx="1">
         <a:scrgbClr r="0" g="0" b="0"/>
       </a:effectRef>
       <a:fontRef idx="minor">
-        <a:schemeClr val="lt1"/>
+        <a:schemeClr val="dk1"/>
       </a:fontRef>
     </dgm:style>
   </dgm:styleLbl>
@@ -4347,14 +4746,14 @@
       <a:lnRef idx="0">
         <a:scrgbClr r="0" g="0" b="0"/>
       </a:lnRef>
-      <a:fillRef idx="1">
+      <a:fillRef idx="2">
         <a:scrgbClr r="0" g="0" b="0"/>
       </a:fillRef>
-      <a:effectRef idx="0">
+      <a:effectRef idx="1">
         <a:scrgbClr r="0" g="0" b="0"/>
       </a:effectRef>
       <a:fontRef idx="minor">
-        <a:schemeClr val="lt1"/>
+        <a:schemeClr val="dk1"/>
       </a:fontRef>
     </dgm:style>
   </dgm:styleLbl>
@@ -4369,14 +4768,14 @@
       <a:lnRef idx="0">
         <a:scrgbClr r="0" g="0" b="0"/>
       </a:lnRef>
-      <a:fillRef idx="1">
+      <a:fillRef idx="2">
         <a:scrgbClr r="0" g="0" b="0"/>
       </a:fillRef>
-      <a:effectRef idx="0">
+      <a:effectRef idx="1">
         <a:scrgbClr r="0" g="0" b="0"/>
       </a:effectRef>
       <a:fontRef idx="minor">
-        <a:schemeClr val="lt1"/>
+        <a:schemeClr val="dk1"/>
       </a:fontRef>
     </dgm:style>
   </dgm:styleLbl>
@@ -4408,13 +4807,13 @@
     <dgm:sp3d/>
     <dgm:txPr/>
     <dgm:style>
-      <a:lnRef idx="2">
+      <a:lnRef idx="1">
         <a:scrgbClr r="0" g="0" b="0"/>
       </a:lnRef>
-      <a:fillRef idx="1">
+      <a:fillRef idx="2">
         <a:scrgbClr r="0" g="0" b="0"/>
       </a:fillRef>
-      <a:effectRef idx="0">
+      <a:effectRef idx="1">
         <a:scrgbClr r="0" g="0" b="0"/>
       </a:effectRef>
       <a:fontRef idx="minor"/>
@@ -4423,110 +4822,120 @@
   <dgm:styleLbl name="asst0">
     <dgm:scene3d>
       <a:camera prst="orthographicFront"/>
-      <a:lightRig rig="threePt" dir="t"/>
+      <a:lightRig rig="flat" dir="t"/>
     </dgm:scene3d>
-    <dgm:sp3d/>
+    <dgm:sp3d prstMaterial="dkEdge">
+      <a:bevelT w="8200" h="38100"/>
+    </dgm:sp3d>
     <dgm:txPr/>
     <dgm:style>
-      <a:lnRef idx="2">
+      <a:lnRef idx="0">
         <a:scrgbClr r="0" g="0" b="0"/>
       </a:lnRef>
-      <a:fillRef idx="1">
+      <a:fillRef idx="2">
         <a:scrgbClr r="0" g="0" b="0"/>
       </a:fillRef>
-      <a:effectRef idx="0">
+      <a:effectRef idx="1">
         <a:scrgbClr r="0" g="0" b="0"/>
       </a:effectRef>
       <a:fontRef idx="minor">
-        <a:schemeClr val="lt1"/>
+        <a:schemeClr val="dk1"/>
       </a:fontRef>
     </dgm:style>
   </dgm:styleLbl>
   <dgm:styleLbl name="asst1">
     <dgm:scene3d>
       <a:camera prst="orthographicFront"/>
-      <a:lightRig rig="threePt" dir="t"/>
+      <a:lightRig rig="flat" dir="t"/>
     </dgm:scene3d>
-    <dgm:sp3d/>
+    <dgm:sp3d prstMaterial="dkEdge">
+      <a:bevelT w="8200" h="38100"/>
+    </dgm:sp3d>
     <dgm:txPr/>
     <dgm:style>
-      <a:lnRef idx="2">
+      <a:lnRef idx="0">
         <a:scrgbClr r="0" g="0" b="0"/>
       </a:lnRef>
-      <a:fillRef idx="1">
+      <a:fillRef idx="2">
         <a:scrgbClr r="0" g="0" b="0"/>
       </a:fillRef>
-      <a:effectRef idx="0">
+      <a:effectRef idx="1">
         <a:scrgbClr r="0" g="0" b="0"/>
       </a:effectRef>
       <a:fontRef idx="minor">
-        <a:schemeClr val="lt1"/>
+        <a:schemeClr val="dk1"/>
       </a:fontRef>
     </dgm:style>
   </dgm:styleLbl>
   <dgm:styleLbl name="asst2">
     <dgm:scene3d>
       <a:camera prst="orthographicFront"/>
-      <a:lightRig rig="threePt" dir="t"/>
+      <a:lightRig rig="flat" dir="t"/>
     </dgm:scene3d>
-    <dgm:sp3d/>
+    <dgm:sp3d prstMaterial="dkEdge">
+      <a:bevelT w="8200" h="38100"/>
+    </dgm:sp3d>
     <dgm:txPr/>
     <dgm:style>
-      <a:lnRef idx="2">
+      <a:lnRef idx="0">
         <a:scrgbClr r="0" g="0" b="0"/>
       </a:lnRef>
-      <a:fillRef idx="1">
+      <a:fillRef idx="2">
         <a:scrgbClr r="0" g="0" b="0"/>
       </a:fillRef>
-      <a:effectRef idx="0">
+      <a:effectRef idx="1">
         <a:scrgbClr r="0" g="0" b="0"/>
       </a:effectRef>
       <a:fontRef idx="minor">
-        <a:schemeClr val="lt1"/>
+        <a:schemeClr val="dk1"/>
       </a:fontRef>
     </dgm:style>
   </dgm:styleLbl>
   <dgm:styleLbl name="asst3">
     <dgm:scene3d>
       <a:camera prst="orthographicFront"/>
-      <a:lightRig rig="threePt" dir="t"/>
+      <a:lightRig rig="flat" dir="t"/>
     </dgm:scene3d>
-    <dgm:sp3d/>
+    <dgm:sp3d prstMaterial="dkEdge">
+      <a:bevelT w="8200" h="38100"/>
+    </dgm:sp3d>
     <dgm:txPr/>
     <dgm:style>
-      <a:lnRef idx="2">
+      <a:lnRef idx="0">
         <a:scrgbClr r="0" g="0" b="0"/>
       </a:lnRef>
-      <a:fillRef idx="1">
+      <a:fillRef idx="2">
         <a:scrgbClr r="0" g="0" b="0"/>
       </a:fillRef>
-      <a:effectRef idx="0">
+      <a:effectRef idx="1">
         <a:scrgbClr r="0" g="0" b="0"/>
       </a:effectRef>
       <a:fontRef idx="minor">
-        <a:schemeClr val="lt1"/>
+        <a:schemeClr val="dk1"/>
       </a:fontRef>
     </dgm:style>
   </dgm:styleLbl>
   <dgm:styleLbl name="asst4">
     <dgm:scene3d>
       <a:camera prst="orthographicFront"/>
-      <a:lightRig rig="threePt" dir="t"/>
+      <a:lightRig rig="flat" dir="t"/>
     </dgm:scene3d>
-    <dgm:sp3d/>
+    <dgm:sp3d prstMaterial="dkEdge">
+      <a:bevelT w="8200" h="38100"/>
+    </dgm:sp3d>
     <dgm:txPr/>
     <dgm:style>
-      <a:lnRef idx="2">
+      <a:lnRef idx="0">
         <a:scrgbClr r="0" g="0" b="0"/>
       </a:lnRef>
-      <a:fillRef idx="1">
+      <a:fillRef idx="2">
         <a:scrgbClr r="0" g="0" b="0"/>
       </a:fillRef>
-      <a:effectRef idx="0">
+      <a:effectRef idx="1">
         <a:scrgbClr r="0" g="0" b="0"/>
       </a:effectRef>
       <a:fontRef idx="minor">
-        <a:schemeClr val="lt1"/>
+        <a:schemeClr val="dk1"/>
       </a:fontRef>
     </dgm:style>
   </dgm:styleLbl>
@@ -4538,17 +4947,17 @@
     <dgm:sp3d/>
     <dgm:txPr/>
     <dgm:style>
-      <a:lnRef idx="2">
+      <a:lnRef idx="1">
         <a:scrgbClr r="0" g="0" b="0"/>
       </a:lnRef>
-      <a:fillRef idx="1">
+      <a:fillRef idx="2">
         <a:scrgbClr r="0" g="0" b="0"/>
       </a:fillRef>
-      <a:effectRef idx="0">
+      <a:effectRef idx="1">
         <a:scrgbClr r="0" g="0" b="0"/>
       </a:effectRef>
       <a:fontRef idx="minor">
-        <a:schemeClr val="lt1"/>
+        <a:schemeClr val="dk1"/>
       </a:fontRef>
     </dgm:style>
   </dgm:styleLbl>
@@ -4560,17 +4969,17 @@
     <dgm:sp3d/>
     <dgm:txPr/>
     <dgm:style>
-      <a:lnRef idx="2">
+      <a:lnRef idx="1">
         <a:scrgbClr r="0" g="0" b="0"/>
       </a:lnRef>
-      <a:fillRef idx="1">
+      <a:fillRef idx="2">
         <a:scrgbClr r="0" g="0" b="0"/>
       </a:fillRef>
-      <a:effectRef idx="0">
+      <a:effectRef idx="1">
         <a:scrgbClr r="0" g="0" b="0"/>
       </a:effectRef>
       <a:fontRef idx="minor">
-        <a:schemeClr val="lt1"/>
+        <a:schemeClr val="dk1"/>
       </a:fontRef>
     </dgm:style>
   </dgm:styleLbl>
@@ -4582,17 +4991,17 @@
     <dgm:sp3d/>
     <dgm:txPr/>
     <dgm:style>
-      <a:lnRef idx="2">
+      <a:lnRef idx="1">
         <a:scrgbClr r="0" g="0" b="0"/>
       </a:lnRef>
-      <a:fillRef idx="1">
+      <a:fillRef idx="2">
         <a:scrgbClr r="0" g="0" b="0"/>
       </a:fillRef>
-      <a:effectRef idx="0">
+      <a:effectRef idx="1">
         <a:scrgbClr r="0" g="0" b="0"/>
       </a:effectRef>
       <a:fontRef idx="minor">
-        <a:schemeClr val="lt1"/>
+        <a:schemeClr val="dk1"/>
       </a:fontRef>
     </dgm:style>
   </dgm:styleLbl>
@@ -4604,17 +5013,17 @@
     <dgm:sp3d/>
     <dgm:txPr/>
     <dgm:style>
-      <a:lnRef idx="2">
+      <a:lnRef idx="1">
         <a:scrgbClr r="0" g="0" b="0"/>
       </a:lnRef>
-      <a:fillRef idx="1">
+      <a:fillRef idx="2">
         <a:scrgbClr r="0" g="0" b="0"/>
       </a:fillRef>
-      <a:effectRef idx="0">
+      <a:effectRef idx="1">
         <a:scrgbClr r="0" g="0" b="0"/>
       </a:effectRef>
       <a:fontRef idx="minor">
-        <a:schemeClr val="lt1"/>
+        <a:schemeClr val="dk1"/>
       </a:fontRef>
     </dgm:style>
   </dgm:styleLbl>
@@ -4706,7 +5115,7 @@
     <dgm:sp3d/>
     <dgm:txPr/>
     <dgm:style>
-      <a:lnRef idx="2">
+      <a:lnRef idx="1">
         <a:scrgbClr r="0" g="0" b="0"/>
       </a:lnRef>
       <a:fillRef idx="1">
@@ -4726,7 +5135,7 @@
     <dgm:sp3d/>
     <dgm:txPr/>
     <dgm:style>
-      <a:lnRef idx="2">
+      <a:lnRef idx="1">
         <a:scrgbClr r="0" g="0" b="0"/>
       </a:lnRef>
       <a:fillRef idx="1">
@@ -4746,7 +5155,7 @@
     <dgm:sp3d/>
     <dgm:txPr/>
     <dgm:style>
-      <a:lnRef idx="2">
+      <a:lnRef idx="1">
         <a:scrgbClr r="0" g="0" b="0"/>
       </a:lnRef>
       <a:fillRef idx="1">
@@ -4786,7 +5195,7 @@
     <dgm:sp3d/>
     <dgm:txPr/>
     <dgm:style>
-      <a:lnRef idx="2">
+      <a:lnRef idx="1">
         <a:scrgbClr r="0" g="0" b="0"/>
       </a:lnRef>
       <a:fillRef idx="1">
@@ -4806,10 +5215,10 @@
     <dgm:sp3d/>
     <dgm:txPr/>
     <dgm:style>
-      <a:lnRef idx="2">
+      <a:lnRef idx="1">
         <a:scrgbClr r="0" g="0" b="0"/>
       </a:lnRef>
-      <a:fillRef idx="1">
+      <a:fillRef idx="2">
         <a:scrgbClr r="0" g="0" b="0"/>
       </a:fillRef>
       <a:effectRef idx="0">
@@ -4826,7 +5235,7 @@
     <dgm:sp3d/>
     <dgm:txPr/>
     <dgm:style>
-      <a:lnRef idx="2">
+      <a:lnRef idx="1">
         <a:scrgbClr r="0" g="0" b="0"/>
       </a:lnRef>
       <a:fillRef idx="1">
@@ -4846,7 +5255,7 @@
     <dgm:sp3d/>
     <dgm:txPr/>
     <dgm:style>
-      <a:lnRef idx="2">
+      <a:lnRef idx="1">
         <a:scrgbClr r="0" g="0" b="0"/>
       </a:lnRef>
       <a:fillRef idx="1">
@@ -4866,7 +5275,7 @@
     <dgm:sp3d/>
     <dgm:txPr/>
     <dgm:style>
-      <a:lnRef idx="2">
+      <a:lnRef idx="1">
         <a:scrgbClr r="0" g="0" b="0"/>
       </a:lnRef>
       <a:fillRef idx="1">
@@ -4886,7 +5295,7 @@
     <dgm:sp3d/>
     <dgm:txPr/>
     <dgm:style>
-      <a:lnRef idx="2">
+      <a:lnRef idx="1">
         <a:scrgbClr r="0" g="0" b="0"/>
       </a:lnRef>
       <a:fillRef idx="1">
@@ -4906,7 +5315,7 @@
     <dgm:sp3d/>
     <dgm:txPr/>
     <dgm:style>
-      <a:lnRef idx="2">
+      <a:lnRef idx="1">
         <a:scrgbClr r="0" g="0" b="0"/>
       </a:lnRef>
       <a:fillRef idx="1">
@@ -4926,7 +5335,7 @@
     <dgm:sp3d/>
     <dgm:txPr/>
     <dgm:style>
-      <a:lnRef idx="2">
+      <a:lnRef idx="1">
         <a:scrgbClr r="0" g="0" b="0"/>
       </a:lnRef>
       <a:fillRef idx="1">
@@ -4946,7 +5355,7 @@
     <dgm:sp3d/>
     <dgm:txPr/>
     <dgm:style>
-      <a:lnRef idx="2">
+      <a:lnRef idx="1">
         <a:scrgbClr r="0" g="0" b="0"/>
       </a:lnRef>
       <a:fillRef idx="1">
@@ -4966,7 +5375,7 @@
     <dgm:sp3d/>
     <dgm:txPr/>
     <dgm:style>
-      <a:lnRef idx="2">
+      <a:lnRef idx="1">
         <a:scrgbClr r="0" g="0" b="0"/>
       </a:lnRef>
       <a:fillRef idx="1">
@@ -4986,7 +5395,7 @@
     <dgm:sp3d/>
     <dgm:txPr/>
     <dgm:style>
-      <a:lnRef idx="2">
+      <a:lnRef idx="1">
         <a:scrgbClr r="0" g="0" b="0"/>
       </a:lnRef>
       <a:fillRef idx="1">
@@ -5012,7 +5421,7 @@
       <a:fillRef idx="1">
         <a:scrgbClr r="0" g="0" b="0"/>
       </a:fillRef>
-      <a:effectRef idx="0">
+      <a:effectRef idx="1">
         <a:scrgbClr r="0" g="0" b="0"/>
       </a:effectRef>
       <a:fontRef idx="minor"/>
@@ -5032,7 +5441,7 @@
       <a:fillRef idx="1">
         <a:scrgbClr r="0" g="0" b="0"/>
       </a:fillRef>
-      <a:effectRef idx="0">
+      <a:effectRef idx="1">
         <a:scrgbClr r="0" g="0" b="0"/>
       </a:effectRef>
       <a:fontRef idx="minor"/>
@@ -5061,18 +5470,20 @@
   <dgm:styleLbl name="fgShp">
     <dgm:scene3d>
       <a:camera prst="orthographicFront"/>
-      <a:lightRig rig="threePt" dir="t"/>
+      <a:lightRig rig="flat" dir="t"/>
     </dgm:scene3d>
-    <dgm:sp3d/>
+    <dgm:sp3d prstMaterial="dkEdge">
+      <a:bevelT w="8200" h="38100"/>
+    </dgm:sp3d>
     <dgm:txPr/>
     <dgm:style>
-      <a:lnRef idx="2">
+      <a:lnRef idx="1">
         <a:scrgbClr r="0" g="0" b="0"/>
       </a:lnRef>
-      <a:fillRef idx="1">
+      <a:fillRef idx="2">
         <a:scrgbClr r="0" g="0" b="0"/>
       </a:fillRef>
-      <a:effectRef idx="0">
+      <a:effectRef idx="1">
         <a:scrgbClr r="0" g="0" b="0"/>
       </a:effectRef>
       <a:fontRef idx="minor"/>
@@ -6282,7 +6693,7 @@
           <a:p>
             <a:fld id="{E57CF35D-6C38-4E36-AB4E-D3CA44BD42E6}" type="datetimeFigureOut">
               <a:rPr lang="de-DE" smtClean="0"/>
-              <a:t>26.11.2020</a:t>
+              <a:t>17.12.2020</a:t>
             </a:fld>
             <a:endParaRPr lang="de-DE"/>
           </a:p>
@@ -6480,7 +6891,7 @@
           <a:p>
             <a:fld id="{E57CF35D-6C38-4E36-AB4E-D3CA44BD42E6}" type="datetimeFigureOut">
               <a:rPr lang="de-DE" smtClean="0"/>
-              <a:t>26.11.2020</a:t>
+              <a:t>17.12.2020</a:t>
             </a:fld>
             <a:endParaRPr lang="de-DE"/>
           </a:p>
@@ -6688,7 +7099,7 @@
           <a:p>
             <a:fld id="{E57CF35D-6C38-4E36-AB4E-D3CA44BD42E6}" type="datetimeFigureOut">
               <a:rPr lang="de-DE" smtClean="0"/>
-              <a:t>26.11.2020</a:t>
+              <a:t>17.12.2020</a:t>
             </a:fld>
             <a:endParaRPr lang="de-DE"/>
           </a:p>
@@ -6886,7 +7297,7 @@
           <a:p>
             <a:fld id="{E57CF35D-6C38-4E36-AB4E-D3CA44BD42E6}" type="datetimeFigureOut">
               <a:rPr lang="de-DE" smtClean="0"/>
-              <a:t>26.11.2020</a:t>
+              <a:t>17.12.2020</a:t>
             </a:fld>
             <a:endParaRPr lang="de-DE"/>
           </a:p>
@@ -7161,7 +7572,7 @@
           <a:p>
             <a:fld id="{E57CF35D-6C38-4E36-AB4E-D3CA44BD42E6}" type="datetimeFigureOut">
               <a:rPr lang="de-DE" smtClean="0"/>
-              <a:t>26.11.2020</a:t>
+              <a:t>17.12.2020</a:t>
             </a:fld>
             <a:endParaRPr lang="de-DE"/>
           </a:p>
@@ -7426,7 +7837,7 @@
           <a:p>
             <a:fld id="{E57CF35D-6C38-4E36-AB4E-D3CA44BD42E6}" type="datetimeFigureOut">
               <a:rPr lang="de-DE" smtClean="0"/>
-              <a:t>26.11.2020</a:t>
+              <a:t>17.12.2020</a:t>
             </a:fld>
             <a:endParaRPr lang="de-DE"/>
           </a:p>
@@ -7838,7 +8249,7 @@
           <a:p>
             <a:fld id="{E57CF35D-6C38-4E36-AB4E-D3CA44BD42E6}" type="datetimeFigureOut">
               <a:rPr lang="de-DE" smtClean="0"/>
-              <a:t>26.11.2020</a:t>
+              <a:t>17.12.2020</a:t>
             </a:fld>
             <a:endParaRPr lang="de-DE"/>
           </a:p>
@@ -7979,7 +8390,7 @@
           <a:p>
             <a:fld id="{E57CF35D-6C38-4E36-AB4E-D3CA44BD42E6}" type="datetimeFigureOut">
               <a:rPr lang="de-DE" smtClean="0"/>
-              <a:t>26.11.2020</a:t>
+              <a:t>17.12.2020</a:t>
             </a:fld>
             <a:endParaRPr lang="de-DE"/>
           </a:p>
@@ -8092,7 +8503,7 @@
           <a:p>
             <a:fld id="{E57CF35D-6C38-4E36-AB4E-D3CA44BD42E6}" type="datetimeFigureOut">
               <a:rPr lang="de-DE" smtClean="0"/>
-              <a:t>26.11.2020</a:t>
+              <a:t>17.12.2020</a:t>
             </a:fld>
             <a:endParaRPr lang="de-DE"/>
           </a:p>
@@ -8403,7 +8814,7 @@
           <a:p>
             <a:fld id="{E57CF35D-6C38-4E36-AB4E-D3CA44BD42E6}" type="datetimeFigureOut">
               <a:rPr lang="de-DE" smtClean="0"/>
-              <a:t>26.11.2020</a:t>
+              <a:t>17.12.2020</a:t>
             </a:fld>
             <a:endParaRPr lang="de-DE"/>
           </a:p>
@@ -8691,7 +9102,7 @@
           <a:p>
             <a:fld id="{E57CF35D-6C38-4E36-AB4E-D3CA44BD42E6}" type="datetimeFigureOut">
               <a:rPr lang="de-DE" smtClean="0"/>
-              <a:t>26.11.2020</a:t>
+              <a:t>17.12.2020</a:t>
             </a:fld>
             <a:endParaRPr lang="de-DE"/>
           </a:p>
@@ -8960,7 +9371,7 @@
           <a:p>
             <a:fld id="{E57CF35D-6C38-4E36-AB4E-D3CA44BD42E6}" type="datetimeFigureOut">
               <a:rPr lang="de-DE" smtClean="0"/>
-              <a:t>26.11.2020</a:t>
+              <a:t>17.12.2020</a:t>
             </a:fld>
             <a:endParaRPr lang="de-DE"/>
           </a:p>
@@ -9874,7 +10285,7 @@
             </a:br>
             <a:r>
               <a:rPr lang="de-DE" sz="5400" dirty="0"/>
-              <a:t>Sprint 2</a:t>
+              <a:t>Sprint 3</a:t>
             </a:r>
           </a:p>
         </p:txBody>
@@ -9951,846 +10362,6 @@
 </file>
 
 <file path=ppt/slides/slide10.xml><?xml version="1.0" encoding="utf-8"?>
-<p:sld xmlns:a="http://schemas.openxmlformats.org/drawingml/2006/main" xmlns:r="http://schemas.openxmlformats.org/officeDocument/2006/relationships" xmlns:p="http://schemas.openxmlformats.org/presentationml/2006/main">
-  <p:cSld>
-    <p:bg>
-      <p:bgPr>
-        <a:solidFill>
-          <a:schemeClr val="bg1"/>
-        </a:solidFill>
-        <a:effectLst/>
-      </p:bgPr>
-    </p:bg>
-    <p:spTree>
-      <p:nvGrpSpPr>
-        <p:cNvPr id="1" name=""/>
-        <p:cNvGrpSpPr/>
-        <p:nvPr/>
-      </p:nvGrpSpPr>
-      <p:grpSpPr>
-        <a:xfrm>
-          <a:off x="0" y="0"/>
-          <a:ext cx="0" cy="0"/>
-          <a:chOff x="0" y="0"/>
-          <a:chExt cx="0" cy="0"/>
-        </a:xfrm>
-      </p:grpSpPr>
-      <p:sp>
-        <p:nvSpPr>
-          <p:cNvPr id="10" name="Rectangle 9">
-            <a:extLst>
-              <a:ext uri="{FF2B5EF4-FFF2-40B4-BE49-F238E27FC236}">
-                <a16:creationId xmlns:a16="http://schemas.microsoft.com/office/drawing/2014/main" id="{86295E7F-EA66-480B-B001-C8BE7CD61903}"/>
-              </a:ext>
-              <a:ext uri="{C183D7F6-B498-43B3-948B-1728B52AA6E4}">
-                <adec:decorative xmlns:adec="http://schemas.microsoft.com/office/drawing/2017/decorative" val="1"/>
-              </a:ext>
-            </a:extLst>
-          </p:cNvPr>
-          <p:cNvSpPr>
-            <a:spLocks noGrp="1" noRot="1" noChangeAspect="1" noMove="1" noResize="1" noEditPoints="1" noAdjustHandles="1" noChangeArrowheads="1" noChangeShapeType="1" noTextEdit="1"/>
-          </p:cNvSpPr>
-          <p:nvPr>
-            <p:extLst>
-              <p:ext uri="{386F3935-93C4-4BCD-93E2-E3B085C9AB24}">
-                <p16:designElem xmlns:p16="http://schemas.microsoft.com/office/powerpoint/2015/main" val="1"/>
-              </p:ext>
-            </p:extLst>
-          </p:nvPr>
-        </p:nvSpPr>
-        <p:spPr bwMode="ltGray">
-          <a:xfrm>
-            <a:off x="320040" y="4892040"/>
-            <a:ext cx="11548872" cy="1645920"/>
-          </a:xfrm>
-          <a:prstGeom prst="rect">
-            <a:avLst/>
-          </a:prstGeom>
-          <a:solidFill>
-            <a:srgbClr val="262626"/>
-          </a:solidFill>
-          <a:ln w="127000" cap="sq" cmpd="thinThick">
-            <a:noFill/>
-          </a:ln>
-        </p:spPr>
-        <p:style>
-          <a:lnRef idx="2">
-            <a:schemeClr val="accent1">
-              <a:shade val="50000"/>
-            </a:schemeClr>
-          </a:lnRef>
-          <a:fillRef idx="1">
-            <a:schemeClr val="accent1"/>
-          </a:fillRef>
-          <a:effectRef idx="0">
-            <a:schemeClr val="accent1"/>
-          </a:effectRef>
-          <a:fontRef idx="minor">
-            <a:schemeClr val="lt1"/>
-          </a:fontRef>
-        </p:style>
-        <p:txBody>
-          <a:bodyPr rtlCol="0" anchor="ctr"/>
-          <a:lstStyle/>
-          <a:p>
-            <a:pPr marL="0" marR="0" lvl="0" indent="0" algn="ctr" defTabSz="914400" rtl="0" eaLnBrk="1" fontAlgn="auto" latinLnBrk="0" hangingPunct="1">
-              <a:lnSpc>
-                <a:spcPct val="100000"/>
-              </a:lnSpc>
-              <a:spcBef>
-                <a:spcPts val="0"/>
-              </a:spcBef>
-              <a:spcAft>
-                <a:spcPts val="0"/>
-              </a:spcAft>
-              <a:buClrTx/>
-              <a:buSzTx/>
-              <a:buFontTx/>
-              <a:buNone/>
-              <a:tabLst/>
-              <a:defRPr/>
-            </a:pPr>
-            <a:endParaRPr kumimoji="0" lang="en-US" sz="1800" b="0" i="0" u="none" strike="noStrike" kern="1200" cap="none" spc="0" normalizeH="0" baseline="0" noProof="0">
-              <a:ln>
-                <a:noFill/>
-              </a:ln>
-              <a:solidFill>
-                <a:prstClr val="white"/>
-              </a:solidFill>
-              <a:effectLst/>
-              <a:uLnTx/>
-              <a:uFillTx/>
-              <a:latin typeface="Calibri" panose="020F0502020204030204"/>
-              <a:ea typeface="+mn-ea"/>
-              <a:cs typeface="+mn-cs"/>
-            </a:endParaRPr>
-          </a:p>
-        </p:txBody>
-      </p:sp>
-      <p:sp>
-        <p:nvSpPr>
-          <p:cNvPr id="2" name="Titel 1">
-            <a:extLst>
-              <a:ext uri="{FF2B5EF4-FFF2-40B4-BE49-F238E27FC236}">
-                <a16:creationId xmlns:a16="http://schemas.microsoft.com/office/drawing/2014/main" id="{67FFA16C-E4EE-4CE3-9B85-40EA0A1DD2D6}"/>
-              </a:ext>
-            </a:extLst>
-          </p:cNvPr>
-          <p:cNvSpPr>
-            <a:spLocks noGrp="1"/>
-          </p:cNvSpPr>
-          <p:nvPr>
-            <p:ph type="title"/>
-          </p:nvPr>
-        </p:nvSpPr>
-        <p:spPr>
-          <a:xfrm>
-            <a:off x="718686" y="5091762"/>
-            <a:ext cx="7484787" cy="1264588"/>
-          </a:xfrm>
-        </p:spPr>
-        <p:txBody>
-          <a:bodyPr vert="horz" lIns="91440" tIns="45720" rIns="91440" bIns="45720" rtlCol="0" anchor="ctr">
-            <a:normAutofit/>
-          </a:bodyPr>
-          <a:lstStyle/>
-          <a:p>
-            <a:pPr algn="r"/>
-            <a:r>
-              <a:rPr lang="en-US" sz="4800" dirty="0">
-                <a:solidFill>
-                  <a:srgbClr val="FFFFFF"/>
-                </a:solidFill>
-              </a:rPr>
-              <a:t>Die </a:t>
-            </a:r>
-            <a:r>
-              <a:rPr lang="en-US" sz="4800" dirty="0" err="1">
-                <a:solidFill>
-                  <a:srgbClr val="FFFFFF"/>
-                </a:solidFill>
-              </a:rPr>
-              <a:t>Klasse</a:t>
-            </a:r>
-            <a:r>
-              <a:rPr lang="en-US" sz="4800" dirty="0">
-                <a:solidFill>
-                  <a:srgbClr val="FFFFFF"/>
-                </a:solidFill>
-              </a:rPr>
-              <a:t> </a:t>
-            </a:r>
-            <a:r>
-              <a:rPr lang="en-US" sz="4800" dirty="0" err="1">
-                <a:solidFill>
-                  <a:srgbClr val="FFFFFF"/>
-                </a:solidFill>
-              </a:rPr>
-              <a:t>Zahnrad</a:t>
-            </a:r>
-            <a:endParaRPr lang="en-US" sz="4800" dirty="0">
-              <a:solidFill>
-                <a:srgbClr val="FFFFFF"/>
-              </a:solidFill>
-            </a:endParaRPr>
-          </a:p>
-        </p:txBody>
-      </p:sp>
-      <p:pic>
-        <p:nvPicPr>
-          <p:cNvPr id="5" name="Inhaltsplatzhalter 4">
-            <a:extLst>
-              <a:ext uri="{FF2B5EF4-FFF2-40B4-BE49-F238E27FC236}">
-                <a16:creationId xmlns:a16="http://schemas.microsoft.com/office/drawing/2014/main" id="{6CCD75D6-13F9-425B-BDD3-656FAE83AA89}"/>
-              </a:ext>
-            </a:extLst>
-          </p:cNvPr>
-          <p:cNvPicPr>
-            <a:picLocks noGrp="1" noChangeAspect="1"/>
-          </p:cNvPicPr>
-          <p:nvPr>
-            <p:ph idx="1"/>
-          </p:nvPr>
-        </p:nvPicPr>
-        <p:blipFill>
-          <a:blip r:embed="rId2">
-            <a:extLst>
-              <a:ext uri="{28A0092B-C50C-407E-A947-70E740481C1C}">
-                <a14:useLocalDpi xmlns:a14="http://schemas.microsoft.com/office/drawing/2010/main" val="0"/>
-              </a:ext>
-            </a:extLst>
-          </a:blip>
-          <a:srcRect/>
-          <a:stretch/>
-        </p:blipFill>
-        <p:spPr>
-          <a:xfrm>
-            <a:off x="320040" y="753569"/>
-            <a:ext cx="11548872" cy="3595214"/>
-          </a:xfrm>
-          <a:prstGeom prst="rect">
-            <a:avLst/>
-          </a:prstGeom>
-        </p:spPr>
-      </p:pic>
-      <p:cxnSp>
-        <p:nvCxnSpPr>
-          <p:cNvPr id="12" name="Straight Connector 11">
-            <a:extLst>
-              <a:ext uri="{FF2B5EF4-FFF2-40B4-BE49-F238E27FC236}">
-                <a16:creationId xmlns:a16="http://schemas.microsoft.com/office/drawing/2014/main" id="{E126E481-B945-4179-BD79-05E96E9B29E1}"/>
-              </a:ext>
-              <a:ext uri="{C183D7F6-B498-43B3-948B-1728B52AA6E4}">
-                <adec:decorative xmlns:adec="http://schemas.microsoft.com/office/drawing/2017/decorative" val="1"/>
-              </a:ext>
-            </a:extLst>
-          </p:cNvPr>
-          <p:cNvCxnSpPr>
-            <a:cxnSpLocks noGrp="1" noRot="1" noChangeAspect="1" noMove="1" noResize="1" noEditPoints="1" noAdjustHandles="1" noChangeArrowheads="1" noChangeShapeType="1"/>
-          </p:cNvCxnSpPr>
-          <p:nvPr>
-            <p:extLst>
-              <p:ext uri="{386F3935-93C4-4BCD-93E2-E3B085C9AB24}">
-                <p16:designElem xmlns:p16="http://schemas.microsoft.com/office/powerpoint/2015/main" val="1"/>
-              </p:ext>
-            </p:extLst>
-          </p:nvPr>
-        </p:nvCxnSpPr>
-        <p:spPr>
-          <a:xfrm flipV="1">
-            <a:off x="8386843" y="5264106"/>
-            <a:ext cx="0" cy="914400"/>
-          </a:xfrm>
-          <a:prstGeom prst="line">
-            <a:avLst/>
-          </a:prstGeom>
-          <a:ln w="19050">
-            <a:solidFill>
-              <a:srgbClr val="FFFFFF">
-                <a:alpha val="80000"/>
-              </a:srgbClr>
-            </a:solidFill>
-          </a:ln>
-        </p:spPr>
-        <p:style>
-          <a:lnRef idx="1">
-            <a:schemeClr val="accent1"/>
-          </a:lnRef>
-          <a:fillRef idx="0">
-            <a:schemeClr val="accent1"/>
-          </a:fillRef>
-          <a:effectRef idx="0">
-            <a:schemeClr val="accent1"/>
-          </a:effectRef>
-          <a:fontRef idx="minor">
-            <a:schemeClr val="tx1"/>
-          </a:fontRef>
-        </p:style>
-      </p:cxnSp>
-      <p:sp>
-        <p:nvSpPr>
-          <p:cNvPr id="13" name="Pfeil: nach links 12">
-            <a:extLst>
-              <a:ext uri="{FF2B5EF4-FFF2-40B4-BE49-F238E27FC236}">
-                <a16:creationId xmlns:a16="http://schemas.microsoft.com/office/drawing/2014/main" id="{1A46E44A-BB6F-4ED3-9976-8F1BE9A0F5EA}"/>
-              </a:ext>
-            </a:extLst>
-          </p:cNvPr>
-          <p:cNvSpPr/>
-          <p:nvPr/>
-        </p:nvSpPr>
-        <p:spPr>
-          <a:xfrm rot="448854">
-            <a:off x="4134282" y="916852"/>
-            <a:ext cx="978408" cy="233451"/>
-          </a:xfrm>
-          <a:prstGeom prst="leftArrow">
-            <a:avLst/>
-          </a:prstGeom>
-        </p:spPr>
-        <p:style>
-          <a:lnRef idx="2">
-            <a:schemeClr val="accent6"/>
-          </a:lnRef>
-          <a:fillRef idx="1">
-            <a:schemeClr val="lt1"/>
-          </a:fillRef>
-          <a:effectRef idx="0">
-            <a:schemeClr val="accent6"/>
-          </a:effectRef>
-          <a:fontRef idx="minor">
-            <a:schemeClr val="dk1"/>
-          </a:fontRef>
-        </p:style>
-        <p:txBody>
-          <a:bodyPr rtlCol="0" anchor="ctr"/>
-          <a:lstStyle/>
-          <a:p>
-            <a:pPr algn="ctr"/>
-            <a:endParaRPr lang="de-DE"/>
-          </a:p>
-        </p:txBody>
-      </p:sp>
-      <p:sp>
-        <p:nvSpPr>
-          <p:cNvPr id="4" name="Textfeld 3">
-            <a:extLst>
-              <a:ext uri="{FF2B5EF4-FFF2-40B4-BE49-F238E27FC236}">
-                <a16:creationId xmlns:a16="http://schemas.microsoft.com/office/drawing/2014/main" id="{2F6EB7C6-0A41-436E-AEE5-2178899BC60A}"/>
-              </a:ext>
-            </a:extLst>
-          </p:cNvPr>
-          <p:cNvSpPr txBox="1"/>
-          <p:nvPr/>
-        </p:nvSpPr>
-        <p:spPr>
-          <a:xfrm>
-            <a:off x="5123724" y="976772"/>
-            <a:ext cx="1616340" cy="369332"/>
-          </a:xfrm>
-          <a:prstGeom prst="rect">
-            <a:avLst/>
-          </a:prstGeom>
-          <a:noFill/>
-        </p:spPr>
-        <p:txBody>
-          <a:bodyPr wrap="none" rtlCol="0">
-            <a:spAutoFit/>
-          </a:bodyPr>
-          <a:lstStyle/>
-          <a:p>
-            <a:r>
-              <a:rPr lang="de-DE" b="1" dirty="0">
-                <a:solidFill>
-                  <a:schemeClr val="bg1"/>
-                </a:solidFill>
-              </a:rPr>
-              <a:t>Klasse Zahnrad</a:t>
-            </a:r>
-          </a:p>
-        </p:txBody>
-      </p:sp>
-      <p:sp>
-        <p:nvSpPr>
-          <p:cNvPr id="14" name="Pfeil: nach links 13">
-            <a:extLst>
-              <a:ext uri="{FF2B5EF4-FFF2-40B4-BE49-F238E27FC236}">
-                <a16:creationId xmlns:a16="http://schemas.microsoft.com/office/drawing/2014/main" id="{6DFE3AFE-770D-437A-81DF-1FAF9B4A4529}"/>
-              </a:ext>
-            </a:extLst>
-          </p:cNvPr>
-          <p:cNvSpPr/>
-          <p:nvPr/>
-        </p:nvSpPr>
-        <p:spPr>
-          <a:xfrm rot="448854">
-            <a:off x="4634520" y="3772696"/>
-            <a:ext cx="978408" cy="233451"/>
-          </a:xfrm>
-          <a:prstGeom prst="leftArrow">
-            <a:avLst/>
-          </a:prstGeom>
-        </p:spPr>
-        <p:style>
-          <a:lnRef idx="2">
-            <a:schemeClr val="accent6"/>
-          </a:lnRef>
-          <a:fillRef idx="1">
-            <a:schemeClr val="lt1"/>
-          </a:fillRef>
-          <a:effectRef idx="0">
-            <a:schemeClr val="accent6"/>
-          </a:effectRef>
-          <a:fontRef idx="minor">
-            <a:schemeClr val="dk1"/>
-          </a:fontRef>
-        </p:style>
-        <p:txBody>
-          <a:bodyPr rtlCol="0" anchor="ctr"/>
-          <a:lstStyle/>
-          <a:p>
-            <a:pPr algn="ctr"/>
-            <a:endParaRPr lang="de-DE"/>
-          </a:p>
-        </p:txBody>
-      </p:sp>
-      <p:sp>
-        <p:nvSpPr>
-          <p:cNvPr id="15" name="Textfeld 14">
-            <a:extLst>
-              <a:ext uri="{FF2B5EF4-FFF2-40B4-BE49-F238E27FC236}">
-                <a16:creationId xmlns:a16="http://schemas.microsoft.com/office/drawing/2014/main" id="{5354E027-216A-48DD-B6E4-F6E614372959}"/>
-              </a:ext>
-            </a:extLst>
-          </p:cNvPr>
-          <p:cNvSpPr txBox="1"/>
-          <p:nvPr/>
-        </p:nvSpPr>
-        <p:spPr>
-          <a:xfrm>
-            <a:off x="5618669" y="3843099"/>
-            <a:ext cx="3374770" cy="369332"/>
-          </a:xfrm>
-          <a:prstGeom prst="rect">
-            <a:avLst/>
-          </a:prstGeom>
-          <a:noFill/>
-        </p:spPr>
-        <p:txBody>
-          <a:bodyPr wrap="none" rtlCol="0">
-            <a:spAutoFit/>
-          </a:bodyPr>
-          <a:lstStyle/>
-          <a:p>
-            <a:r>
-              <a:rPr lang="de-DE" b="1" dirty="0">
-                <a:solidFill>
-                  <a:schemeClr val="bg1"/>
-                </a:solidFill>
-              </a:rPr>
-              <a:t>Implementierung Objekt Zahnrad</a:t>
-            </a:r>
-          </a:p>
-        </p:txBody>
-      </p:sp>
-      <p:sp>
-        <p:nvSpPr>
-          <p:cNvPr id="3" name="Rechteck 2">
-            <a:extLst>
-              <a:ext uri="{FF2B5EF4-FFF2-40B4-BE49-F238E27FC236}">
-                <a16:creationId xmlns:a16="http://schemas.microsoft.com/office/drawing/2014/main" id="{684E7DCD-E5AA-4A59-ACC3-1A5B122F1278}"/>
-              </a:ext>
-            </a:extLst>
-          </p:cNvPr>
-          <p:cNvSpPr/>
-          <p:nvPr/>
-        </p:nvSpPr>
-        <p:spPr>
-          <a:xfrm>
-            <a:off x="11530496" y="792106"/>
-            <a:ext cx="301686" cy="369332"/>
-          </a:xfrm>
-          <a:prstGeom prst="rect">
-            <a:avLst/>
-          </a:prstGeom>
-        </p:spPr>
-        <p:txBody>
-          <a:bodyPr wrap="none">
-            <a:spAutoFit/>
-          </a:bodyPr>
-          <a:lstStyle/>
-          <a:p>
-            <a:r>
-              <a:rPr lang="de-DE" dirty="0">
-                <a:solidFill>
-                  <a:schemeClr val="bg1"/>
-                </a:solidFill>
-              </a:rPr>
-              <a:t>1</a:t>
-            </a:r>
-          </a:p>
-        </p:txBody>
-      </p:sp>
-    </p:spTree>
-    <p:extLst>
-      <p:ext uri="{BB962C8B-B14F-4D97-AF65-F5344CB8AC3E}">
-        <p14:creationId xmlns:p14="http://schemas.microsoft.com/office/powerpoint/2010/main" val="970391834"/>
-      </p:ext>
-    </p:extLst>
-  </p:cSld>
-  <p:clrMapOvr>
-    <a:overrideClrMapping bg1="lt1" tx1="dk1" bg2="lt2" tx2="dk2" accent1="accent1" accent2="accent2" accent3="accent3" accent4="accent4" accent5="accent5" accent6="accent6" hlink="hlink" folHlink="folHlink"/>
-  </p:clrMapOvr>
-  <p:timing>
-    <p:tnLst>
-      <p:par>
-        <p:cTn id="1" dur="indefinite" restart="never" nodeType="tmRoot">
-          <p:childTnLst>
-            <p:seq concurrent="1" nextAc="seek">
-              <p:cTn id="2" dur="indefinite" nodeType="mainSeq">
-                <p:childTnLst>
-                  <p:par>
-                    <p:cTn id="3" fill="hold">
-                      <p:stCondLst>
-                        <p:cond delay="indefinite"/>
-                      </p:stCondLst>
-                      <p:childTnLst>
-                        <p:par>
-                          <p:cTn id="4" fill="hold">
-                            <p:stCondLst>
-                              <p:cond delay="0"/>
-                            </p:stCondLst>
-                            <p:childTnLst>
-                              <p:par>
-                                <p:cTn id="5" presetID="2" presetClass="entr" presetSubtype="2" fill="hold" grpId="0" nodeType="clickEffect">
-                                  <p:stCondLst>
-                                    <p:cond delay="0"/>
-                                  </p:stCondLst>
-                                  <p:childTnLst>
-                                    <p:set>
-                                      <p:cBhvr>
-                                        <p:cTn id="6" dur="1" fill="hold">
-                                          <p:stCondLst>
-                                            <p:cond delay="0"/>
-                                          </p:stCondLst>
-                                        </p:cTn>
-                                        <p:tgtEl>
-                                          <p:spTgt spid="13"/>
-                                        </p:tgtEl>
-                                        <p:attrNameLst>
-                                          <p:attrName>style.visibility</p:attrName>
-                                        </p:attrNameLst>
-                                      </p:cBhvr>
-                                      <p:to>
-                                        <p:strVal val="visible"/>
-                                      </p:to>
-                                    </p:set>
-                                    <p:anim calcmode="lin" valueType="num">
-                                      <p:cBhvr additive="base">
-                                        <p:cTn id="7" dur="500" fill="hold"/>
-                                        <p:tgtEl>
-                                          <p:spTgt spid="13"/>
-                                        </p:tgtEl>
-                                        <p:attrNameLst>
-                                          <p:attrName>ppt_x</p:attrName>
-                                        </p:attrNameLst>
-                                      </p:cBhvr>
-                                      <p:tavLst>
-                                        <p:tav tm="0">
-                                          <p:val>
-                                            <p:strVal val="1+#ppt_w/2"/>
-                                          </p:val>
-                                        </p:tav>
-                                        <p:tav tm="100000">
-                                          <p:val>
-                                            <p:strVal val="#ppt_x"/>
-                                          </p:val>
-                                        </p:tav>
-                                      </p:tavLst>
-                                    </p:anim>
-                                    <p:anim calcmode="lin" valueType="num">
-                                      <p:cBhvr additive="base">
-                                        <p:cTn id="8" dur="500" fill="hold"/>
-                                        <p:tgtEl>
-                                          <p:spTgt spid="13"/>
-                                        </p:tgtEl>
-                                        <p:attrNameLst>
-                                          <p:attrName>ppt_y</p:attrName>
-                                        </p:attrNameLst>
-                                      </p:cBhvr>
-                                      <p:tavLst>
-                                        <p:tav tm="0">
-                                          <p:val>
-                                            <p:strVal val="#ppt_y"/>
-                                          </p:val>
-                                        </p:tav>
-                                        <p:tav tm="100000">
-                                          <p:val>
-                                            <p:strVal val="#ppt_y"/>
-                                          </p:val>
-                                        </p:tav>
-                                      </p:tavLst>
-                                    </p:anim>
-                                  </p:childTnLst>
-                                </p:cTn>
-                              </p:par>
-                              <p:par>
-                                <p:cTn id="9" presetID="2" presetClass="entr" presetSubtype="2" fill="hold" grpId="0" nodeType="withEffect">
-                                  <p:stCondLst>
-                                    <p:cond delay="0"/>
-                                  </p:stCondLst>
-                                  <p:childTnLst>
-                                    <p:set>
-                                      <p:cBhvr>
-                                        <p:cTn id="10" dur="1" fill="hold">
-                                          <p:stCondLst>
-                                            <p:cond delay="0"/>
-                                          </p:stCondLst>
-                                        </p:cTn>
-                                        <p:tgtEl>
-                                          <p:spTgt spid="4"/>
-                                        </p:tgtEl>
-                                        <p:attrNameLst>
-                                          <p:attrName>style.visibility</p:attrName>
-                                        </p:attrNameLst>
-                                      </p:cBhvr>
-                                      <p:to>
-                                        <p:strVal val="visible"/>
-                                      </p:to>
-                                    </p:set>
-                                    <p:anim calcmode="lin" valueType="num">
-                                      <p:cBhvr additive="base">
-                                        <p:cTn id="11" dur="500" fill="hold"/>
-                                        <p:tgtEl>
-                                          <p:spTgt spid="4"/>
-                                        </p:tgtEl>
-                                        <p:attrNameLst>
-                                          <p:attrName>ppt_x</p:attrName>
-                                        </p:attrNameLst>
-                                      </p:cBhvr>
-                                      <p:tavLst>
-                                        <p:tav tm="0">
-                                          <p:val>
-                                            <p:strVal val="1+#ppt_w/2"/>
-                                          </p:val>
-                                        </p:tav>
-                                        <p:tav tm="100000">
-                                          <p:val>
-                                            <p:strVal val="#ppt_x"/>
-                                          </p:val>
-                                        </p:tav>
-                                      </p:tavLst>
-                                    </p:anim>
-                                    <p:anim calcmode="lin" valueType="num">
-                                      <p:cBhvr additive="base">
-                                        <p:cTn id="12" dur="500" fill="hold"/>
-                                        <p:tgtEl>
-                                          <p:spTgt spid="4"/>
-                                        </p:tgtEl>
-                                        <p:attrNameLst>
-                                          <p:attrName>ppt_y</p:attrName>
-                                        </p:attrNameLst>
-                                      </p:cBhvr>
-                                      <p:tavLst>
-                                        <p:tav tm="0">
-                                          <p:val>
-                                            <p:strVal val="#ppt_y"/>
-                                          </p:val>
-                                        </p:tav>
-                                        <p:tav tm="100000">
-                                          <p:val>
-                                            <p:strVal val="#ppt_y"/>
-                                          </p:val>
-                                        </p:tav>
-                                      </p:tavLst>
-                                    </p:anim>
-                                  </p:childTnLst>
-                                </p:cTn>
-                              </p:par>
-                              <p:par>
-                                <p:cTn id="13" presetID="2" presetClass="entr" presetSubtype="2" fill="hold" grpId="0" nodeType="withEffect">
-                                  <p:stCondLst>
-                                    <p:cond delay="0"/>
-                                  </p:stCondLst>
-                                  <p:childTnLst>
-                                    <p:set>
-                                      <p:cBhvr>
-                                        <p:cTn id="14" dur="1" fill="hold">
-                                          <p:stCondLst>
-                                            <p:cond delay="0"/>
-                                          </p:stCondLst>
-                                        </p:cTn>
-                                        <p:tgtEl>
-                                          <p:spTgt spid="14"/>
-                                        </p:tgtEl>
-                                        <p:attrNameLst>
-                                          <p:attrName>style.visibility</p:attrName>
-                                        </p:attrNameLst>
-                                      </p:cBhvr>
-                                      <p:to>
-                                        <p:strVal val="visible"/>
-                                      </p:to>
-                                    </p:set>
-                                    <p:anim calcmode="lin" valueType="num">
-                                      <p:cBhvr additive="base">
-                                        <p:cTn id="15" dur="500" fill="hold"/>
-                                        <p:tgtEl>
-                                          <p:spTgt spid="14"/>
-                                        </p:tgtEl>
-                                        <p:attrNameLst>
-                                          <p:attrName>ppt_x</p:attrName>
-                                        </p:attrNameLst>
-                                      </p:cBhvr>
-                                      <p:tavLst>
-                                        <p:tav tm="0">
-                                          <p:val>
-                                            <p:strVal val="1+#ppt_w/2"/>
-                                          </p:val>
-                                        </p:tav>
-                                        <p:tav tm="100000">
-                                          <p:val>
-                                            <p:strVal val="#ppt_x"/>
-                                          </p:val>
-                                        </p:tav>
-                                      </p:tavLst>
-                                    </p:anim>
-                                    <p:anim calcmode="lin" valueType="num">
-                                      <p:cBhvr additive="base">
-                                        <p:cTn id="16" dur="500" fill="hold"/>
-                                        <p:tgtEl>
-                                          <p:spTgt spid="14"/>
-                                        </p:tgtEl>
-                                        <p:attrNameLst>
-                                          <p:attrName>ppt_y</p:attrName>
-                                        </p:attrNameLst>
-                                      </p:cBhvr>
-                                      <p:tavLst>
-                                        <p:tav tm="0">
-                                          <p:val>
-                                            <p:strVal val="#ppt_y"/>
-                                          </p:val>
-                                        </p:tav>
-                                        <p:tav tm="100000">
-                                          <p:val>
-                                            <p:strVal val="#ppt_y"/>
-                                          </p:val>
-                                        </p:tav>
-                                      </p:tavLst>
-                                    </p:anim>
-                                  </p:childTnLst>
-                                </p:cTn>
-                              </p:par>
-                              <p:par>
-                                <p:cTn id="17" presetID="2" presetClass="entr" presetSubtype="2" fill="hold" grpId="0" nodeType="withEffect">
-                                  <p:stCondLst>
-                                    <p:cond delay="0"/>
-                                  </p:stCondLst>
-                                  <p:childTnLst>
-                                    <p:set>
-                                      <p:cBhvr>
-                                        <p:cTn id="18" dur="1" fill="hold">
-                                          <p:stCondLst>
-                                            <p:cond delay="0"/>
-                                          </p:stCondLst>
-                                        </p:cTn>
-                                        <p:tgtEl>
-                                          <p:spTgt spid="15"/>
-                                        </p:tgtEl>
-                                        <p:attrNameLst>
-                                          <p:attrName>style.visibility</p:attrName>
-                                        </p:attrNameLst>
-                                      </p:cBhvr>
-                                      <p:to>
-                                        <p:strVal val="visible"/>
-                                      </p:to>
-                                    </p:set>
-                                    <p:anim calcmode="lin" valueType="num">
-                                      <p:cBhvr additive="base">
-                                        <p:cTn id="19" dur="500" fill="hold"/>
-                                        <p:tgtEl>
-                                          <p:spTgt spid="15"/>
-                                        </p:tgtEl>
-                                        <p:attrNameLst>
-                                          <p:attrName>ppt_x</p:attrName>
-                                        </p:attrNameLst>
-                                      </p:cBhvr>
-                                      <p:tavLst>
-                                        <p:tav tm="0">
-                                          <p:val>
-                                            <p:strVal val="1+#ppt_w/2"/>
-                                          </p:val>
-                                        </p:tav>
-                                        <p:tav tm="100000">
-                                          <p:val>
-                                            <p:strVal val="#ppt_x"/>
-                                          </p:val>
-                                        </p:tav>
-                                      </p:tavLst>
-                                    </p:anim>
-                                    <p:anim calcmode="lin" valueType="num">
-                                      <p:cBhvr additive="base">
-                                        <p:cTn id="20" dur="500" fill="hold"/>
-                                        <p:tgtEl>
-                                          <p:spTgt spid="15"/>
-                                        </p:tgtEl>
-                                        <p:attrNameLst>
-                                          <p:attrName>ppt_y</p:attrName>
-                                        </p:attrNameLst>
-                                      </p:cBhvr>
-                                      <p:tavLst>
-                                        <p:tav tm="0">
-                                          <p:val>
-                                            <p:strVal val="#ppt_y"/>
-                                          </p:val>
-                                        </p:tav>
-                                        <p:tav tm="100000">
-                                          <p:val>
-                                            <p:strVal val="#ppt_y"/>
-                                          </p:val>
-                                        </p:tav>
-                                      </p:tavLst>
-                                    </p:anim>
-                                  </p:childTnLst>
-                                </p:cTn>
-                              </p:par>
-                            </p:childTnLst>
-                          </p:cTn>
-                        </p:par>
-                      </p:childTnLst>
-                    </p:cTn>
-                  </p:par>
-                </p:childTnLst>
-              </p:cTn>
-              <p:prevCondLst>
-                <p:cond evt="onPrev" delay="0">
-                  <p:tgtEl>
-                    <p:sldTgt/>
-                  </p:tgtEl>
-                </p:cond>
-              </p:prevCondLst>
-              <p:nextCondLst>
-                <p:cond evt="onNext" delay="0">
-                  <p:tgtEl>
-                    <p:sldTgt/>
-                  </p:tgtEl>
-                </p:cond>
-              </p:nextCondLst>
-            </p:seq>
-          </p:childTnLst>
-        </p:cTn>
-      </p:par>
-    </p:tnLst>
-    <p:bldLst>
-      <p:bldP spid="13" grpId="0" animBg="1"/>
-      <p:bldP spid="4" grpId="0"/>
-      <p:bldP spid="14" grpId="0" animBg="1"/>
-      <p:bldP spid="15" grpId="0"/>
-    </p:bldLst>
-  </p:timing>
-</p:sld>
-</file>
-
-<file path=ppt/slides/slide11.xml><?xml version="1.0" encoding="utf-8"?>
 <p:sld xmlns:a="http://schemas.openxmlformats.org/drawingml/2006/main" xmlns:r="http://schemas.openxmlformats.org/officeDocument/2006/relationships" xmlns:p="http://schemas.openxmlformats.org/presentationml/2006/main">
   <p:cSld>
     <p:bg>
@@ -10881,51 +10452,35 @@
           </a:p>
         </p:txBody>
       </p:sp>
-      <p:sp>
-        <p:nvSpPr>
-          <p:cNvPr id="3" name="Interaktive Schaltfläche: Leer 2">
-            <a:hlinkClick r:id="rId2" action="ppaction://program" highlightClick="1"/>
+      <p:pic>
+        <p:nvPicPr>
+          <p:cNvPr id="10" name="Picture 3" descr="Ein Bild, das Text enthält.&#10;&#10;Automatisch generierte Beschreibung">
             <a:extLst>
               <a:ext uri="{FF2B5EF4-FFF2-40B4-BE49-F238E27FC236}">
-                <a16:creationId xmlns:a16="http://schemas.microsoft.com/office/drawing/2014/main" id="{66619C44-7943-48F7-BC9B-5AA2A668540A}"/>
+                <a16:creationId xmlns:a16="http://schemas.microsoft.com/office/drawing/2014/main" id="{59D8A8F8-F034-4611-A03C-AC17870EA9D3}"/>
               </a:ext>
             </a:extLst>
           </p:cNvPr>
-          <p:cNvSpPr/>
+          <p:cNvPicPr>
+            <a:picLocks noChangeAspect="1"/>
+          </p:cNvPicPr>
           <p:nvPr/>
-        </p:nvSpPr>
+        </p:nvPicPr>
+        <p:blipFill rotWithShape="1">
+          <a:blip r:embed="rId2"/>
+          <a:srcRect r="26633" b="-1"/>
+          <a:stretch/>
+        </p:blipFill>
         <p:spPr>
           <a:xfrm>
-            <a:off x="651308" y="723971"/>
-            <a:ext cx="3114090" cy="1482334"/>
+            <a:off x="4654297" y="10"/>
+            <a:ext cx="7537704" cy="6857990"/>
           </a:xfrm>
-          <a:prstGeom prst="actionButtonBlank">
+          <a:prstGeom prst="rect">
             <a:avLst/>
           </a:prstGeom>
         </p:spPr>
-        <p:style>
-          <a:lnRef idx="1">
-            <a:schemeClr val="dk1"/>
-          </a:lnRef>
-          <a:fillRef idx="2">
-            <a:schemeClr val="dk1"/>
-          </a:fillRef>
-          <a:effectRef idx="1">
-            <a:schemeClr val="dk1"/>
-          </a:effectRef>
-          <a:fontRef idx="minor">
-            <a:schemeClr val="dk1"/>
-          </a:fontRef>
-        </p:style>
-        <p:txBody>
-          <a:bodyPr rtlCol="0" anchor="ctr"/>
-          <a:lstStyle/>
-          <a:p>
-            <a:pPr algn="ctr"/>
-            <a:endParaRPr lang="de-DE"/>
-          </a:p>
-        </p:txBody>
-      </p:sp>
+      </p:pic>
       <p:sp>
         <p:nvSpPr>
           <p:cNvPr id="2" name="Titel 1">
@@ -10944,7 +10499,7 @@
         </p:nvSpPr>
         <p:spPr>
           <a:xfrm>
-            <a:off x="914400" y="640081"/>
+            <a:off x="929252" y="2575143"/>
             <a:ext cx="3114090" cy="1482334"/>
           </a:xfrm>
           <a:noFill/>
@@ -10979,112 +10534,37 @@
           </a:p>
         </p:txBody>
       </p:sp>
-      <p:pic>
-        <p:nvPicPr>
-          <p:cNvPr id="10" name="Picture 3" descr="Ein Bild, das Text enthält.&#10;&#10;Automatisch generierte Beschreibung">
+      <p:sp>
+        <p:nvSpPr>
+          <p:cNvPr id="6" name="Interaktive Schaltfläche: Nächste(r) oder Weiter 5">
+            <a:hlinkClick r:id="rId3" action="ppaction://program" highlightClick="1"/>
             <a:extLst>
               <a:ext uri="{FF2B5EF4-FFF2-40B4-BE49-F238E27FC236}">
-                <a16:creationId xmlns:a16="http://schemas.microsoft.com/office/drawing/2014/main" id="{59D8A8F8-F034-4611-A03C-AC17870EA9D3}"/>
+                <a16:creationId xmlns:a16="http://schemas.microsoft.com/office/drawing/2014/main" id="{31498DD7-EC07-4C85-A20D-AEEEFACD8DF3}"/>
               </a:ext>
             </a:extLst>
           </p:cNvPr>
-          <p:cNvPicPr>
-            <a:picLocks noChangeAspect="1"/>
-          </p:cNvPicPr>
+          <p:cNvSpPr/>
           <p:nvPr/>
-        </p:nvPicPr>
-        <p:blipFill rotWithShape="1">
-          <a:blip r:embed="rId3"/>
-          <a:srcRect r="26633" b="-1"/>
-          <a:stretch/>
-        </p:blipFill>
+        </p:nvSpPr>
         <p:spPr>
           <a:xfrm>
-            <a:off x="4654297" y="10"/>
-            <a:ext cx="7537704" cy="6857990"/>
+            <a:off x="1444487" y="4664765"/>
+            <a:ext cx="1537252" cy="1252237"/>
           </a:xfrm>
-          <a:prstGeom prst="rect">
-            <a:avLst/>
-          </a:prstGeom>
-        </p:spPr>
-      </p:pic>
-    </p:spTree>
-    <p:extLst>
-      <p:ext uri="{BB962C8B-B14F-4D97-AF65-F5344CB8AC3E}">
-        <p14:creationId xmlns:p14="http://schemas.microsoft.com/office/powerpoint/2010/main" val="3480582470"/>
-      </p:ext>
-    </p:extLst>
-  </p:cSld>
-  <p:clrMapOvr>
-    <a:masterClrMapping/>
-  </p:clrMapOvr>
-</p:sld>
-</file>
-
-<file path=ppt/slides/slide12.xml><?xml version="1.0" encoding="utf-8"?>
-<p:sld xmlns:a="http://schemas.openxmlformats.org/drawingml/2006/main" xmlns:r="http://schemas.openxmlformats.org/officeDocument/2006/relationships" xmlns:p="http://schemas.openxmlformats.org/presentationml/2006/main">
-  <p:cSld>
-    <p:bg>
-      <p:bgPr>
-        <a:solidFill>
-          <a:schemeClr val="bg1"/>
-        </a:solidFill>
-        <a:effectLst/>
-      </p:bgPr>
-    </p:bg>
-    <p:spTree>
-      <p:nvGrpSpPr>
-        <p:cNvPr id="1" name=""/>
-        <p:cNvGrpSpPr/>
-        <p:nvPr/>
-      </p:nvGrpSpPr>
-      <p:grpSpPr>
-        <a:xfrm>
-          <a:off x="0" y="0"/>
-          <a:ext cx="0" cy="0"/>
-          <a:chOff x="0" y="0"/>
-          <a:chExt cx="0" cy="0"/>
-        </a:xfrm>
-      </p:grpSpPr>
-      <p:sp>
-        <p:nvSpPr>
-          <p:cNvPr id="16" name="Rectangle 15">
-            <a:extLst>
-              <a:ext uri="{FF2B5EF4-FFF2-40B4-BE49-F238E27FC236}">
-                <a16:creationId xmlns:a16="http://schemas.microsoft.com/office/drawing/2014/main" id="{7CA0DAA6-33B8-4A25-810D-2F4D816FB40E}"/>
-              </a:ext>
-              <a:ext uri="{C183D7F6-B498-43B3-948B-1728B52AA6E4}">
-                <adec:decorative xmlns:adec="http://schemas.microsoft.com/office/drawing/2017/decorative" val="1"/>
-              </a:ext>
-            </a:extLst>
-          </p:cNvPr>
-          <p:cNvSpPr>
-            <a:spLocks noGrp="1" noRot="1" noChangeAspect="1" noMove="1" noResize="1" noEditPoints="1" noAdjustHandles="1" noChangeArrowheads="1" noChangeShapeType="1" noTextEdit="1"/>
-          </p:cNvSpPr>
-          <p:nvPr>
-            <p:extLst>
-              <p:ext uri="{386F3935-93C4-4BCD-93E2-E3B085C9AB24}">
-                <p16:designElem xmlns:p16="http://schemas.microsoft.com/office/powerpoint/2015/main" val="1"/>
-              </p:ext>
-            </p:extLst>
-          </p:nvPr>
-        </p:nvSpPr>
-        <p:spPr bwMode="white">
-          <a:xfrm>
-            <a:off x="0" y="0"/>
-            <a:ext cx="4972594" cy="6858000"/>
-          </a:xfrm>
-          <a:prstGeom prst="rect">
+          <a:prstGeom prst="actionButtonForwardNext">
             <a:avLst/>
           </a:prstGeom>
           <a:solidFill>
             <a:schemeClr val="tx1">
-              <a:lumMod val="85000"/>
-              <a:lumOff val="15000"/>
+              <a:lumMod val="65000"/>
+              <a:lumOff val="35000"/>
             </a:schemeClr>
           </a:solidFill>
           <a:ln>
-            <a:noFill/>
+            <a:solidFill>
+              <a:schemeClr val="tx1"/>
+            </a:solidFill>
           </a:ln>
         </p:spPr>
         <p:style>
@@ -11108,172 +10588,7 @@
           <a:lstStyle/>
           <a:p>
             <a:pPr algn="ctr"/>
-            <a:endParaRPr lang="en-US"/>
-          </a:p>
-        </p:txBody>
-      </p:sp>
-      <p:sp>
-        <p:nvSpPr>
-          <p:cNvPr id="3" name="Interaktive Schaltfläche: Leer 2">
-            <a:hlinkClick r:id="rId2" action="ppaction://program" highlightClick="1"/>
-            <a:extLst>
-              <a:ext uri="{FF2B5EF4-FFF2-40B4-BE49-F238E27FC236}">
-                <a16:creationId xmlns:a16="http://schemas.microsoft.com/office/drawing/2014/main" id="{66619C44-7943-48F7-BC9B-5AA2A668540A}"/>
-              </a:ext>
-            </a:extLst>
-          </p:cNvPr>
-          <p:cNvSpPr/>
-          <p:nvPr/>
-        </p:nvSpPr>
-        <p:spPr>
-          <a:xfrm>
-            <a:off x="651308" y="723971"/>
-            <a:ext cx="3114090" cy="1482334"/>
-          </a:xfrm>
-          <a:prstGeom prst="actionButtonBlank">
-            <a:avLst/>
-          </a:prstGeom>
-        </p:spPr>
-        <p:style>
-          <a:lnRef idx="1">
-            <a:schemeClr val="dk1"/>
-          </a:lnRef>
-          <a:fillRef idx="2">
-            <a:schemeClr val="dk1"/>
-          </a:fillRef>
-          <a:effectRef idx="1">
-            <a:schemeClr val="dk1"/>
-          </a:effectRef>
-          <a:fontRef idx="minor">
-            <a:schemeClr val="dk1"/>
-          </a:fontRef>
-        </p:style>
-        <p:txBody>
-          <a:bodyPr rtlCol="0" anchor="ctr"/>
-          <a:lstStyle/>
-          <a:p>
-            <a:pPr algn="ctr"/>
             <a:endParaRPr lang="de-DE"/>
-          </a:p>
-        </p:txBody>
-      </p:sp>
-      <p:sp>
-        <p:nvSpPr>
-          <p:cNvPr id="2" name="Titel 1">
-            <a:extLst>
-              <a:ext uri="{FF2B5EF4-FFF2-40B4-BE49-F238E27FC236}">
-                <a16:creationId xmlns:a16="http://schemas.microsoft.com/office/drawing/2014/main" id="{40462A1B-E28B-49F6-8D93-3A24054299BB}"/>
-              </a:ext>
-            </a:extLst>
-          </p:cNvPr>
-          <p:cNvSpPr>
-            <a:spLocks noGrp="1"/>
-          </p:cNvSpPr>
-          <p:nvPr>
-            <p:ph type="title"/>
-          </p:nvPr>
-        </p:nvSpPr>
-        <p:spPr>
-          <a:xfrm>
-            <a:off x="914400" y="640081"/>
-            <a:ext cx="3114090" cy="1482334"/>
-          </a:xfrm>
-          <a:noFill/>
-        </p:spPr>
-        <p:txBody>
-          <a:bodyPr vert="horz" lIns="91440" tIns="45720" rIns="91440" bIns="45720" rtlCol="0" anchor="b">
-            <a:normAutofit/>
-          </a:bodyPr>
-          <a:lstStyle/>
-          <a:p>
-            <a:r>
-              <a:rPr lang="en-US" dirty="0">
-                <a:solidFill>
-                  <a:schemeClr val="bg1"/>
-                </a:solidFill>
-              </a:rPr>
-              <a:t>Das </a:t>
-            </a:r>
-            <a:r>
-              <a:rPr lang="en-US" dirty="0" err="1">
-                <a:solidFill>
-                  <a:schemeClr val="bg1"/>
-                </a:solidFill>
-              </a:rPr>
-              <a:t>Programm</a:t>
-            </a:r>
-            <a:endParaRPr lang="en-US" dirty="0">
-              <a:solidFill>
-                <a:schemeClr val="bg1"/>
-              </a:solidFill>
-            </a:endParaRPr>
-          </a:p>
-        </p:txBody>
-      </p:sp>
-      <p:pic>
-        <p:nvPicPr>
-          <p:cNvPr id="10" name="Picture 3" descr="Ein Bild, das Text enthält.&#10;&#10;Automatisch generierte Beschreibung">
-            <a:extLst>
-              <a:ext uri="{FF2B5EF4-FFF2-40B4-BE49-F238E27FC236}">
-                <a16:creationId xmlns:a16="http://schemas.microsoft.com/office/drawing/2014/main" id="{59D8A8F8-F034-4611-A03C-AC17870EA9D3}"/>
-              </a:ext>
-            </a:extLst>
-          </p:cNvPr>
-          <p:cNvPicPr>
-            <a:picLocks noChangeAspect="1"/>
-          </p:cNvPicPr>
-          <p:nvPr/>
-        </p:nvPicPr>
-        <p:blipFill rotWithShape="1">
-          <a:blip r:embed="rId3"/>
-          <a:srcRect r="26633" b="-1"/>
-          <a:stretch/>
-        </p:blipFill>
-        <p:spPr>
-          <a:xfrm>
-            <a:off x="4654297" y="10"/>
-            <a:ext cx="7537704" cy="6857990"/>
-          </a:xfrm>
-          <a:prstGeom prst="rect">
-            <a:avLst/>
-          </a:prstGeom>
-        </p:spPr>
-      </p:pic>
-      <p:sp>
-        <p:nvSpPr>
-          <p:cNvPr id="4" name="Textfeld 3">
-            <a:extLst>
-              <a:ext uri="{FF2B5EF4-FFF2-40B4-BE49-F238E27FC236}">
-                <a16:creationId xmlns:a16="http://schemas.microsoft.com/office/drawing/2014/main" id="{A582E5A1-D738-4754-9773-F1CB2A1BE96E}"/>
-              </a:ext>
-            </a:extLst>
-          </p:cNvPr>
-          <p:cNvSpPr txBox="1"/>
-          <p:nvPr/>
-        </p:nvSpPr>
-        <p:spPr>
-          <a:xfrm>
-            <a:off x="651309" y="2762496"/>
-            <a:ext cx="3114090" cy="3185298"/>
-          </a:xfrm>
-          <a:prstGeom prst="rect">
-            <a:avLst/>
-          </a:prstGeom>
-          <a:noFill/>
-        </p:spPr>
-        <p:txBody>
-          <a:bodyPr wrap="square" rtlCol="0">
-            <a:spAutoFit/>
-          </a:bodyPr>
-          <a:lstStyle/>
-          <a:p>
-            <a:r>
-              <a:rPr lang="de-DE">
-                <a:hlinkClick r:id="rId4"/>
-              </a:rPr>
-              <a:t>https://jadehochschule-my.sharepoint.com/personal/c48c749b4051323f0cc4_jadehochschule_onmicrosoft_com/Documents/HSP/HSP-Sprint-1/Zahnraddimensionierungsprogramm.GruppeJ/Zahnraddimensionierungsprogramm.GruppeJ/bin/Debug/Zahnraddimensionierungsprogramm.GruppeJ.exe</a:t>
-            </a:r>
-            <a:endParaRPr lang="de-DE" dirty="0"/>
           </a:p>
         </p:txBody>
       </p:sp>
@@ -12225,6 +11540,802 @@
     <p:bg>
       <p:bgPr>
         <a:solidFill>
+          <a:schemeClr val="bg1"/>
+        </a:solidFill>
+        <a:effectLst/>
+      </p:bgPr>
+    </p:bg>
+    <p:spTree>
+      <p:nvGrpSpPr>
+        <p:cNvPr id="1" name=""/>
+        <p:cNvGrpSpPr/>
+        <p:nvPr/>
+      </p:nvGrpSpPr>
+      <p:grpSpPr>
+        <a:xfrm>
+          <a:off x="0" y="0"/>
+          <a:ext cx="0" cy="0"/>
+          <a:chOff x="0" y="0"/>
+          <a:chExt cx="0" cy="0"/>
+        </a:xfrm>
+      </p:grpSpPr>
+      <p:sp>
+        <p:nvSpPr>
+          <p:cNvPr id="32" name="Rectangle 31">
+            <a:extLst>
+              <a:ext uri="{FF2B5EF4-FFF2-40B4-BE49-F238E27FC236}">
+                <a16:creationId xmlns:a16="http://schemas.microsoft.com/office/drawing/2014/main" id="{56C20283-73E0-40EC-8AD8-057F581F64C2}"/>
+              </a:ext>
+              <a:ext uri="{C183D7F6-B498-43B3-948B-1728B52AA6E4}">
+                <adec:decorative xmlns:adec="http://schemas.microsoft.com/office/drawing/2017/decorative" val="1"/>
+              </a:ext>
+            </a:extLst>
+          </p:cNvPr>
+          <p:cNvSpPr>
+            <a:spLocks noGrp="1" noRot="1" noChangeAspect="1" noMove="1" noResize="1" noEditPoints="1" noAdjustHandles="1" noChangeArrowheads="1" noChangeShapeType="1" noTextEdit="1"/>
+          </p:cNvSpPr>
+          <p:nvPr>
+            <p:extLst>
+              <p:ext uri="{386F3935-93C4-4BCD-93E2-E3B085C9AB24}">
+                <p16:designElem xmlns:p16="http://schemas.microsoft.com/office/powerpoint/2015/main" val="1"/>
+              </p:ext>
+            </p:extLst>
+          </p:nvPr>
+        </p:nvSpPr>
+        <p:spPr>
+          <a:xfrm>
+            <a:off x="1524" y="0"/>
+            <a:ext cx="12188952" cy="6858000"/>
+          </a:xfrm>
+          <a:prstGeom prst="rect">
+            <a:avLst/>
+          </a:prstGeom>
+          <a:solidFill>
+            <a:schemeClr val="tx1"/>
+          </a:solidFill>
+          <a:ln>
+            <a:noFill/>
+          </a:ln>
+        </p:spPr>
+        <p:style>
+          <a:lnRef idx="2">
+            <a:schemeClr val="accent1">
+              <a:shade val="50000"/>
+            </a:schemeClr>
+          </a:lnRef>
+          <a:fillRef idx="1">
+            <a:schemeClr val="accent1"/>
+          </a:fillRef>
+          <a:effectRef idx="0">
+            <a:schemeClr val="accent1"/>
+          </a:effectRef>
+          <a:fontRef idx="minor">
+            <a:schemeClr val="lt1"/>
+          </a:fontRef>
+        </p:style>
+        <p:txBody>
+          <a:bodyPr rtlCol="0" anchor="ctr"/>
+          <a:lstStyle/>
+          <a:p>
+            <a:pPr algn="ctr"/>
+            <a:endParaRPr lang="en-US"/>
+          </a:p>
+        </p:txBody>
+      </p:sp>
+      <p:sp>
+        <p:nvSpPr>
+          <p:cNvPr id="34" name="Freeform 28">
+            <a:extLst>
+              <a:ext uri="{FF2B5EF4-FFF2-40B4-BE49-F238E27FC236}">
+                <a16:creationId xmlns:a16="http://schemas.microsoft.com/office/drawing/2014/main" id="{3FCC729B-E528-40C3-82D3-BA4375575E87}"/>
+              </a:ext>
+              <a:ext uri="{C183D7F6-B498-43B3-948B-1728B52AA6E4}">
+                <adec:decorative xmlns:adec="http://schemas.microsoft.com/office/drawing/2017/decorative" val="1"/>
+              </a:ext>
+            </a:extLst>
+          </p:cNvPr>
+          <p:cNvSpPr>
+            <a:spLocks noGrp="1" noRot="1" noChangeAspect="1" noMove="1" noResize="1" noEditPoints="1" noAdjustHandles="1" noChangeArrowheads="1" noChangeShapeType="1" noTextEdit="1"/>
+          </p:cNvSpPr>
+          <p:nvPr>
+            <p:extLst>
+              <p:ext uri="{386F3935-93C4-4BCD-93E2-E3B085C9AB24}">
+                <p16:designElem xmlns:p16="http://schemas.microsoft.com/office/powerpoint/2015/main" val="1"/>
+              </p:ext>
+            </p:extLst>
+          </p:nvPr>
+        </p:nvSpPr>
+        <p:spPr>
+          <a:xfrm flipH="1" flipV="1">
+            <a:off x="960120" y="0"/>
+            <a:ext cx="11218661" cy="6858000"/>
+          </a:xfrm>
+          <a:custGeom>
+            <a:avLst/>
+            <a:gdLst>
+              <a:gd name="connsiteX0" fmla="*/ 0 w 11218661"/>
+              <a:gd name="connsiteY0" fmla="*/ 0 h 6858000"/>
+              <a:gd name="connsiteX1" fmla="*/ 8042507 w 11218661"/>
+              <a:gd name="connsiteY1" fmla="*/ 0 h 6858000"/>
+              <a:gd name="connsiteX2" fmla="*/ 11218661 w 11218661"/>
+              <a:gd name="connsiteY2" fmla="*/ 6858000 h 6858000"/>
+              <a:gd name="connsiteX3" fmla="*/ 0 w 11218661"/>
+              <a:gd name="connsiteY3" fmla="*/ 6858000 h 6858000"/>
+            </a:gdLst>
+            <a:ahLst/>
+            <a:cxnLst>
+              <a:cxn ang="0">
+                <a:pos x="connsiteX0" y="connsiteY0"/>
+              </a:cxn>
+              <a:cxn ang="0">
+                <a:pos x="connsiteX1" y="connsiteY1"/>
+              </a:cxn>
+              <a:cxn ang="0">
+                <a:pos x="connsiteX2" y="connsiteY2"/>
+              </a:cxn>
+              <a:cxn ang="0">
+                <a:pos x="connsiteX3" y="connsiteY3"/>
+              </a:cxn>
+            </a:cxnLst>
+            <a:rect l="l" t="t" r="r" b="b"/>
+            <a:pathLst>
+              <a:path w="11218661" h="6858000">
+                <a:moveTo>
+                  <a:pt x="0" y="0"/>
+                </a:moveTo>
+                <a:lnTo>
+                  <a:pt x="8042507" y="0"/>
+                </a:lnTo>
+                <a:lnTo>
+                  <a:pt x="11218661" y="6858000"/>
+                </a:lnTo>
+                <a:lnTo>
+                  <a:pt x="0" y="6858000"/>
+                </a:lnTo>
+                <a:close/>
+              </a:path>
+            </a:pathLst>
+          </a:custGeom>
+          <a:solidFill>
+            <a:schemeClr val="bg1">
+              <a:lumMod val="85000"/>
+              <a:lumOff val="15000"/>
+              <a:alpha val="70000"/>
+            </a:schemeClr>
+          </a:solidFill>
+          <a:ln>
+            <a:noFill/>
+          </a:ln>
+        </p:spPr>
+        <p:style>
+          <a:lnRef idx="2">
+            <a:schemeClr val="accent1">
+              <a:shade val="50000"/>
+            </a:schemeClr>
+          </a:lnRef>
+          <a:fillRef idx="1">
+            <a:schemeClr val="accent1"/>
+          </a:fillRef>
+          <a:effectRef idx="0">
+            <a:schemeClr val="accent1"/>
+          </a:effectRef>
+          <a:fontRef idx="minor">
+            <a:schemeClr val="lt1"/>
+          </a:fontRef>
+        </p:style>
+        <p:txBody>
+          <a:bodyPr wrap="square" rtlCol="0" anchor="ctr">
+            <a:noAutofit/>
+          </a:bodyPr>
+          <a:lstStyle/>
+          <a:p>
+            <a:pPr algn="ctr"/>
+            <a:endParaRPr lang="en-US"/>
+          </a:p>
+        </p:txBody>
+      </p:sp>
+      <p:sp>
+        <p:nvSpPr>
+          <p:cNvPr id="36" name="Freeform 26">
+            <a:extLst>
+              <a:ext uri="{FF2B5EF4-FFF2-40B4-BE49-F238E27FC236}">
+                <a16:creationId xmlns:a16="http://schemas.microsoft.com/office/drawing/2014/main" id="{58F1FB8D-1842-4A04-998D-6CF047AB2790}"/>
+              </a:ext>
+              <a:ext uri="{C183D7F6-B498-43B3-948B-1728B52AA6E4}">
+                <adec:decorative xmlns:adec="http://schemas.microsoft.com/office/drawing/2017/decorative" val="1"/>
+              </a:ext>
+            </a:extLst>
+          </p:cNvPr>
+          <p:cNvSpPr>
+            <a:spLocks noGrp="1" noRot="1" noChangeAspect="1" noMove="1" noResize="1" noEditPoints="1" noAdjustHandles="1" noChangeArrowheads="1" noChangeShapeType="1" noTextEdit="1"/>
+          </p:cNvSpPr>
+          <p:nvPr>
+            <p:extLst>
+              <p:ext uri="{386F3935-93C4-4BCD-93E2-E3B085C9AB24}">
+                <p16:designElem xmlns:p16="http://schemas.microsoft.com/office/powerpoint/2015/main" val="1"/>
+              </p:ext>
+            </p:extLst>
+          </p:nvPr>
+        </p:nvSpPr>
+        <p:spPr>
+          <a:xfrm flipH="1" flipV="1">
+            <a:off x="1420248" y="0"/>
+            <a:ext cx="10771752" cy="6858000"/>
+          </a:xfrm>
+          <a:custGeom>
+            <a:avLst/>
+            <a:gdLst>
+              <a:gd name="connsiteX0" fmla="*/ 0 w 10771752"/>
+              <a:gd name="connsiteY0" fmla="*/ 0 h 6858000"/>
+              <a:gd name="connsiteX1" fmla="*/ 7595598 w 10771752"/>
+              <a:gd name="connsiteY1" fmla="*/ 0 h 6858000"/>
+              <a:gd name="connsiteX2" fmla="*/ 10771752 w 10771752"/>
+              <a:gd name="connsiteY2" fmla="*/ 6858000 h 6858000"/>
+              <a:gd name="connsiteX3" fmla="*/ 0 w 10771752"/>
+              <a:gd name="connsiteY3" fmla="*/ 6858000 h 6858000"/>
+            </a:gdLst>
+            <a:ahLst/>
+            <a:cxnLst>
+              <a:cxn ang="0">
+                <a:pos x="connsiteX0" y="connsiteY0"/>
+              </a:cxn>
+              <a:cxn ang="0">
+                <a:pos x="connsiteX1" y="connsiteY1"/>
+              </a:cxn>
+              <a:cxn ang="0">
+                <a:pos x="connsiteX2" y="connsiteY2"/>
+              </a:cxn>
+              <a:cxn ang="0">
+                <a:pos x="connsiteX3" y="connsiteY3"/>
+              </a:cxn>
+            </a:cxnLst>
+            <a:rect l="l" t="t" r="r" b="b"/>
+            <a:pathLst>
+              <a:path w="10771752" h="6858000">
+                <a:moveTo>
+                  <a:pt x="0" y="0"/>
+                </a:moveTo>
+                <a:lnTo>
+                  <a:pt x="7595598" y="0"/>
+                </a:lnTo>
+                <a:lnTo>
+                  <a:pt x="10771752" y="6858000"/>
+                </a:lnTo>
+                <a:lnTo>
+                  <a:pt x="0" y="6858000"/>
+                </a:lnTo>
+                <a:close/>
+              </a:path>
+            </a:pathLst>
+          </a:custGeom>
+          <a:solidFill>
+            <a:schemeClr val="bg1">
+              <a:lumMod val="85000"/>
+              <a:lumOff val="15000"/>
+            </a:schemeClr>
+          </a:solidFill>
+          <a:ln>
+            <a:noFill/>
+          </a:ln>
+        </p:spPr>
+        <p:style>
+          <a:lnRef idx="2">
+            <a:schemeClr val="accent1">
+              <a:shade val="50000"/>
+            </a:schemeClr>
+          </a:lnRef>
+          <a:fillRef idx="1">
+            <a:schemeClr val="accent1"/>
+          </a:fillRef>
+          <a:effectRef idx="0">
+            <a:schemeClr val="accent1"/>
+          </a:effectRef>
+          <a:fontRef idx="minor">
+            <a:schemeClr val="lt1"/>
+          </a:fontRef>
+        </p:style>
+        <p:txBody>
+          <a:bodyPr wrap="square" rtlCol="0" anchor="ctr">
+            <a:noAutofit/>
+          </a:bodyPr>
+          <a:lstStyle/>
+          <a:p>
+            <a:pPr algn="ctr"/>
+            <a:endParaRPr lang="en-US"/>
+          </a:p>
+        </p:txBody>
+      </p:sp>
+      <p:sp>
+        <p:nvSpPr>
+          <p:cNvPr id="2" name="Titel 1">
+            <a:extLst>
+              <a:ext uri="{FF2B5EF4-FFF2-40B4-BE49-F238E27FC236}">
+                <a16:creationId xmlns:a16="http://schemas.microsoft.com/office/drawing/2014/main" id="{8CA68806-2226-4995-9705-64EA6BF51C22}"/>
+              </a:ext>
+            </a:extLst>
+          </p:cNvPr>
+          <p:cNvSpPr>
+            <a:spLocks noGrp="1"/>
+          </p:cNvSpPr>
+          <p:nvPr>
+            <p:ph type="title"/>
+          </p:nvPr>
+        </p:nvSpPr>
+        <p:spPr>
+          <a:xfrm>
+            <a:off x="4384039" y="365125"/>
+            <a:ext cx="7164493" cy="1325563"/>
+          </a:xfrm>
+        </p:spPr>
+        <p:txBody>
+          <a:bodyPr vert="horz" lIns="91440" tIns="45720" rIns="91440" bIns="45720" rtlCol="0">
+            <a:normAutofit/>
+          </a:bodyPr>
+          <a:lstStyle/>
+          <a:p>
+            <a:r>
+              <a:rPr lang="en-US" kern="1200" dirty="0" err="1">
+                <a:latin typeface="+mj-lt"/>
+                <a:ea typeface="+mj-ea"/>
+                <a:cs typeface="+mj-cs"/>
+              </a:rPr>
+              <a:t>Zielsetzung</a:t>
+            </a:r>
+            <a:r>
+              <a:rPr lang="en-US" kern="1200" dirty="0">
+                <a:latin typeface="+mj-lt"/>
+                <a:ea typeface="+mj-ea"/>
+                <a:cs typeface="+mj-cs"/>
+              </a:rPr>
+              <a:t> Sprint 2</a:t>
+            </a:r>
+          </a:p>
+        </p:txBody>
+      </p:sp>
+      <p:pic>
+        <p:nvPicPr>
+          <p:cNvPr id="22" name="Graphic 21" descr="Programmierer">
+            <a:extLst>
+              <a:ext uri="{FF2B5EF4-FFF2-40B4-BE49-F238E27FC236}">
+                <a16:creationId xmlns:a16="http://schemas.microsoft.com/office/drawing/2014/main" id="{192A4C8F-71C0-44BF-8779-DD7BF202AEFE}"/>
+              </a:ext>
+            </a:extLst>
+          </p:cNvPr>
+          <p:cNvPicPr>
+            <a:picLocks noChangeAspect="1"/>
+          </p:cNvPicPr>
+          <p:nvPr/>
+        </p:nvPicPr>
+        <p:blipFill>
+          <a:blip r:embed="rId2">
+            <a:extLst>
+              <a:ext uri="{28A0092B-C50C-407E-A947-70E740481C1C}">
+                <a14:useLocalDpi xmlns:a14="http://schemas.microsoft.com/office/drawing/2010/main" val="0"/>
+              </a:ext>
+              <a:ext uri="{96DAC541-7B7A-43D3-8B79-37D633B846F1}">
+                <asvg:svgBlip xmlns:asvg="http://schemas.microsoft.com/office/drawing/2016/SVG/main" r:embed="rId3"/>
+              </a:ext>
+            </a:extLst>
+          </a:blip>
+          <a:stretch>
+            <a:fillRect/>
+          </a:stretch>
+        </p:blipFill>
+        <p:spPr>
+          <a:xfrm>
+            <a:off x="-152986" y="2751005"/>
+            <a:ext cx="3425957" cy="3425957"/>
+          </a:xfrm>
+          <a:prstGeom prst="rect">
+            <a:avLst/>
+          </a:prstGeom>
+        </p:spPr>
+      </p:pic>
+      <p:sp>
+        <p:nvSpPr>
+          <p:cNvPr id="3" name="Inhaltsplatzhalter 2">
+            <a:extLst>
+              <a:ext uri="{FF2B5EF4-FFF2-40B4-BE49-F238E27FC236}">
+                <a16:creationId xmlns:a16="http://schemas.microsoft.com/office/drawing/2014/main" id="{E4E6E634-FB67-4EF2-89D6-E9D4F37548EE}"/>
+              </a:ext>
+            </a:extLst>
+          </p:cNvPr>
+          <p:cNvSpPr>
+            <a:spLocks noGrp="1"/>
+          </p:cNvSpPr>
+          <p:nvPr>
+            <p:ph idx="1"/>
+          </p:nvPr>
+        </p:nvSpPr>
+        <p:spPr>
+          <a:xfrm>
+            <a:off x="4387515" y="2022601"/>
+            <a:ext cx="7161017" cy="4154361"/>
+          </a:xfrm>
+        </p:spPr>
+        <p:txBody>
+          <a:bodyPr vert="horz" lIns="91440" tIns="45720" rIns="91440" bIns="45720" rtlCol="0">
+            <a:normAutofit/>
+          </a:bodyPr>
+          <a:lstStyle/>
+          <a:p>
+            <a:pPr marL="0" indent="0">
+              <a:buNone/>
+            </a:pPr>
+            <a:r>
+              <a:rPr lang="en-US" sz="2000" kern="1200" dirty="0">
+                <a:latin typeface="+mn-lt"/>
+                <a:ea typeface="+mn-ea"/>
+                <a:cs typeface="+mn-cs"/>
+              </a:rPr>
+              <a:t>Was </a:t>
+            </a:r>
+            <a:r>
+              <a:rPr lang="en-US" sz="2000" kern="1200" dirty="0" err="1">
+                <a:latin typeface="+mn-lt"/>
+                <a:ea typeface="+mn-ea"/>
+                <a:cs typeface="+mn-cs"/>
+              </a:rPr>
+              <a:t>ist</a:t>
+            </a:r>
+            <a:r>
+              <a:rPr lang="en-US" sz="2000" kern="1200" dirty="0">
+                <a:latin typeface="+mn-lt"/>
+                <a:ea typeface="+mn-ea"/>
+                <a:cs typeface="+mn-cs"/>
+              </a:rPr>
+              <a:t> </a:t>
+            </a:r>
+            <a:r>
+              <a:rPr lang="en-US" sz="2000" kern="1200" dirty="0" err="1">
+                <a:latin typeface="+mn-lt"/>
+                <a:ea typeface="+mn-ea"/>
+                <a:cs typeface="+mn-cs"/>
+              </a:rPr>
+              <a:t>unsere</a:t>
+            </a:r>
+            <a:r>
+              <a:rPr lang="en-US" sz="2000" kern="1200" dirty="0">
+                <a:latin typeface="+mn-lt"/>
+                <a:ea typeface="+mn-ea"/>
+                <a:cs typeface="+mn-cs"/>
+              </a:rPr>
+              <a:t> Aufgabe?</a:t>
+            </a:r>
+            <a:br>
+              <a:rPr lang="en-US" sz="2000" kern="1200" dirty="0">
+                <a:latin typeface="+mn-lt"/>
+                <a:ea typeface="+mn-ea"/>
+                <a:cs typeface="+mn-cs"/>
+              </a:rPr>
+            </a:br>
+            <a:r>
+              <a:rPr lang="en-US" sz="2000" kern="1200" dirty="0">
+                <a:latin typeface="+mn-lt"/>
+                <a:ea typeface="+mn-ea"/>
+                <a:cs typeface="+mn-cs"/>
+              </a:rPr>
+              <a:t>	</a:t>
+            </a:r>
+            <a:br>
+              <a:rPr lang="en-US" sz="2000" kern="1200" dirty="0">
+                <a:latin typeface="+mn-lt"/>
+                <a:ea typeface="+mn-ea"/>
+                <a:cs typeface="+mn-cs"/>
+              </a:rPr>
+            </a:br>
+            <a:r>
+              <a:rPr lang="en-US" sz="2000" kern="1200" dirty="0">
+                <a:latin typeface="+mn-lt"/>
+                <a:ea typeface="+mn-ea"/>
+                <a:cs typeface="+mn-cs"/>
+              </a:rPr>
+              <a:t>	- </a:t>
+            </a:r>
+            <a:r>
+              <a:rPr lang="en-US" sz="2000" kern="1200" dirty="0" err="1">
+                <a:latin typeface="+mn-lt"/>
+                <a:ea typeface="+mn-ea"/>
+                <a:cs typeface="+mn-cs"/>
+              </a:rPr>
+              <a:t>Benutzeroberfläche</a:t>
+            </a:r>
+            <a:r>
+              <a:rPr lang="en-US" sz="2000" kern="1200" dirty="0">
+                <a:latin typeface="+mn-lt"/>
+                <a:ea typeface="+mn-ea"/>
+                <a:cs typeface="+mn-cs"/>
+              </a:rPr>
+              <a:t> </a:t>
+            </a:r>
+            <a:r>
+              <a:rPr lang="en-US" sz="2000" kern="1200" dirty="0" err="1">
+                <a:latin typeface="+mn-lt"/>
+                <a:ea typeface="+mn-ea"/>
+                <a:cs typeface="+mn-cs"/>
+              </a:rPr>
+              <a:t>für</a:t>
+            </a:r>
+            <a:r>
+              <a:rPr lang="en-US" sz="2000" kern="1200" dirty="0">
+                <a:latin typeface="+mn-lt"/>
+                <a:ea typeface="+mn-ea"/>
+                <a:cs typeface="+mn-cs"/>
+              </a:rPr>
+              <a:t> </a:t>
+            </a:r>
+            <a:r>
+              <a:rPr lang="en-US" sz="2000" kern="1200" dirty="0" err="1">
+                <a:latin typeface="+mn-lt"/>
+                <a:ea typeface="+mn-ea"/>
+                <a:cs typeface="+mn-cs"/>
+              </a:rPr>
+              <a:t>Programm</a:t>
+            </a:r>
+            <a:r>
+              <a:rPr lang="en-US" sz="2000" kern="1200" dirty="0">
+                <a:latin typeface="+mn-lt"/>
+                <a:ea typeface="+mn-ea"/>
+                <a:cs typeface="+mn-cs"/>
+              </a:rPr>
+              <a:t> </a:t>
+            </a:r>
+            <a:r>
+              <a:rPr lang="en-US" sz="2000" kern="1200" dirty="0" err="1">
+                <a:latin typeface="+mn-lt"/>
+                <a:ea typeface="+mn-ea"/>
+                <a:cs typeface="+mn-cs"/>
+              </a:rPr>
+              <a:t>entwickeln</a:t>
+            </a:r>
+            <a:br>
+              <a:rPr lang="en-US" sz="2000" kern="1200" dirty="0">
+                <a:latin typeface="+mn-lt"/>
+                <a:ea typeface="+mn-ea"/>
+                <a:cs typeface="+mn-cs"/>
+              </a:rPr>
+            </a:br>
+            <a:br>
+              <a:rPr lang="en-US" sz="2000" kern="1200" dirty="0">
+                <a:latin typeface="+mn-lt"/>
+                <a:ea typeface="+mn-ea"/>
+                <a:cs typeface="+mn-cs"/>
+              </a:rPr>
+            </a:br>
+            <a:r>
+              <a:rPr lang="en-US" sz="2000" kern="1200" dirty="0">
+                <a:latin typeface="+mn-lt"/>
+                <a:ea typeface="+mn-ea"/>
+                <a:cs typeface="+mn-cs"/>
+              </a:rPr>
+              <a:t>Was </a:t>
+            </a:r>
+            <a:r>
+              <a:rPr lang="en-US" sz="2000" kern="1200" dirty="0" err="1">
+                <a:latin typeface="+mn-lt"/>
+                <a:ea typeface="+mn-ea"/>
+                <a:cs typeface="+mn-cs"/>
+              </a:rPr>
+              <a:t>sind</a:t>
+            </a:r>
+            <a:r>
+              <a:rPr lang="en-US" sz="2000" kern="1200" dirty="0">
+                <a:latin typeface="+mn-lt"/>
+                <a:ea typeface="+mn-ea"/>
+                <a:cs typeface="+mn-cs"/>
+              </a:rPr>
+              <a:t> </a:t>
+            </a:r>
+            <a:r>
+              <a:rPr lang="en-US" sz="2000" kern="1200" dirty="0" err="1">
+                <a:latin typeface="+mn-lt"/>
+                <a:ea typeface="+mn-ea"/>
+                <a:cs typeface="+mn-cs"/>
+              </a:rPr>
+              <a:t>Bemessungsparameter</a:t>
+            </a:r>
+            <a:r>
+              <a:rPr lang="en-US" sz="2000" kern="1200" dirty="0">
+                <a:latin typeface="+mn-lt"/>
+                <a:ea typeface="+mn-ea"/>
+                <a:cs typeface="+mn-cs"/>
+              </a:rPr>
+              <a:t> </a:t>
+            </a:r>
+            <a:r>
+              <a:rPr lang="en-US" sz="2000" kern="1200" dirty="0" err="1">
+                <a:latin typeface="+mn-lt"/>
+                <a:ea typeface="+mn-ea"/>
+                <a:cs typeface="+mn-cs"/>
+              </a:rPr>
+              <a:t>für</a:t>
+            </a:r>
+            <a:r>
+              <a:rPr lang="en-US" sz="2000" kern="1200" dirty="0">
+                <a:latin typeface="+mn-lt"/>
+                <a:ea typeface="+mn-ea"/>
+                <a:cs typeface="+mn-cs"/>
+              </a:rPr>
+              <a:t> </a:t>
+            </a:r>
+            <a:r>
+              <a:rPr lang="en-US" sz="2000" kern="1200" dirty="0" err="1">
+                <a:latin typeface="+mn-lt"/>
+                <a:ea typeface="+mn-ea"/>
+                <a:cs typeface="+mn-cs"/>
+              </a:rPr>
+              <a:t>ein</a:t>
+            </a:r>
+            <a:r>
+              <a:rPr lang="en-US" sz="2000" dirty="0" err="1"/>
+              <a:t>e</a:t>
+            </a:r>
+            <a:r>
+              <a:rPr lang="en-US" sz="2000" dirty="0"/>
+              <a:t> </a:t>
+            </a:r>
+            <a:r>
+              <a:rPr lang="en-US" sz="2000" dirty="0" err="1"/>
+              <a:t>gute</a:t>
+            </a:r>
+            <a:r>
+              <a:rPr lang="en-US" sz="2000" dirty="0"/>
+              <a:t> </a:t>
+            </a:r>
+            <a:r>
+              <a:rPr lang="en-US" sz="2000" dirty="0" err="1"/>
+              <a:t>Benutzeroberfläche</a:t>
+            </a:r>
+            <a:r>
+              <a:rPr lang="en-US" sz="2000" kern="1200" dirty="0">
+                <a:latin typeface="+mn-lt"/>
+                <a:ea typeface="+mn-ea"/>
+                <a:cs typeface="+mn-cs"/>
+              </a:rPr>
+              <a:t>?</a:t>
+            </a:r>
+            <a:br>
+              <a:rPr lang="en-US" sz="2000" kern="1200" dirty="0">
+                <a:latin typeface="+mn-lt"/>
+                <a:ea typeface="+mn-ea"/>
+                <a:cs typeface="+mn-cs"/>
+              </a:rPr>
+            </a:br>
+            <a:br>
+              <a:rPr lang="en-US" sz="2000" kern="1200" dirty="0">
+                <a:latin typeface="+mn-lt"/>
+                <a:ea typeface="+mn-ea"/>
+                <a:cs typeface="+mn-cs"/>
+              </a:rPr>
+            </a:br>
+            <a:r>
+              <a:rPr lang="en-US" sz="2000" kern="1200" dirty="0">
+                <a:latin typeface="+mn-lt"/>
+                <a:ea typeface="+mn-ea"/>
+                <a:cs typeface="+mn-cs"/>
+              </a:rPr>
+              <a:t>	- </a:t>
+            </a:r>
+            <a:r>
+              <a:rPr lang="en-US" sz="2000" kern="1200" dirty="0" err="1">
+                <a:latin typeface="+mn-lt"/>
+                <a:ea typeface="+mn-ea"/>
+                <a:cs typeface="+mn-cs"/>
+              </a:rPr>
+              <a:t>Leicht</a:t>
+            </a:r>
+            <a:r>
+              <a:rPr lang="en-US" sz="2000" kern="1200" dirty="0">
+                <a:latin typeface="+mn-lt"/>
+                <a:ea typeface="+mn-ea"/>
+                <a:cs typeface="+mn-cs"/>
+              </a:rPr>
+              <a:t> </a:t>
+            </a:r>
+            <a:r>
+              <a:rPr lang="en-US" sz="2000" kern="1200" dirty="0" err="1">
+                <a:latin typeface="+mn-lt"/>
+                <a:ea typeface="+mn-ea"/>
+                <a:cs typeface="+mn-cs"/>
+              </a:rPr>
+              <a:t>zugänglich</a:t>
+            </a:r>
+            <a:br>
+              <a:rPr lang="en-US" sz="2000" kern="1200" dirty="0">
+                <a:latin typeface="+mn-lt"/>
+                <a:ea typeface="+mn-ea"/>
+                <a:cs typeface="+mn-cs"/>
+              </a:rPr>
+            </a:br>
+            <a:r>
+              <a:rPr lang="en-US" sz="2000" kern="1200" dirty="0">
+                <a:latin typeface="+mn-lt"/>
+                <a:ea typeface="+mn-ea"/>
+                <a:cs typeface="+mn-cs"/>
+              </a:rPr>
+              <a:t>	- </a:t>
+            </a:r>
+            <a:r>
+              <a:rPr lang="en-US" sz="2000" kern="1200" dirty="0" err="1">
+                <a:latin typeface="+mn-lt"/>
+                <a:ea typeface="+mn-ea"/>
+                <a:cs typeface="+mn-cs"/>
+              </a:rPr>
+              <a:t>Ansprechende</a:t>
+            </a:r>
+            <a:r>
+              <a:rPr lang="en-US" sz="2000" kern="1200" dirty="0">
+                <a:latin typeface="+mn-lt"/>
+                <a:ea typeface="+mn-ea"/>
+                <a:cs typeface="+mn-cs"/>
+              </a:rPr>
+              <a:t> </a:t>
+            </a:r>
+            <a:r>
+              <a:rPr lang="en-US" sz="2000" kern="1200" dirty="0" err="1">
+                <a:latin typeface="+mn-lt"/>
+                <a:ea typeface="+mn-ea"/>
+                <a:cs typeface="+mn-cs"/>
+              </a:rPr>
+              <a:t>Optik</a:t>
+            </a:r>
+            <a:br>
+              <a:rPr lang="en-US" sz="2000" dirty="0"/>
+            </a:br>
+            <a:r>
+              <a:rPr lang="en-US" sz="2000" dirty="0"/>
+              <a:t>	- </a:t>
+            </a:r>
+            <a:r>
+              <a:rPr lang="en-US" sz="2000" dirty="0" err="1"/>
+              <a:t>Führung</a:t>
+            </a:r>
+            <a:r>
+              <a:rPr lang="en-US" sz="2000" dirty="0"/>
+              <a:t> des </a:t>
+            </a:r>
+            <a:r>
+              <a:rPr lang="en-US" sz="2000" dirty="0" err="1"/>
+              <a:t>Benutzers</a:t>
+            </a:r>
+            <a:br>
+              <a:rPr lang="en-US" sz="2000" dirty="0"/>
+            </a:br>
+            <a:r>
+              <a:rPr lang="en-US" sz="2000" dirty="0"/>
+              <a:t>	- </a:t>
+            </a:r>
+            <a:r>
+              <a:rPr lang="en-US" sz="2000" dirty="0" err="1"/>
+              <a:t>Funktion</a:t>
+            </a:r>
+            <a:endParaRPr lang="en-US" sz="2000" kern="1200" dirty="0">
+              <a:latin typeface="+mn-lt"/>
+              <a:ea typeface="+mn-ea"/>
+              <a:cs typeface="+mn-cs"/>
+            </a:endParaRPr>
+          </a:p>
+        </p:txBody>
+      </p:sp>
+    </p:spTree>
+    <p:extLst>
+      <p:ext uri="{BB962C8B-B14F-4D97-AF65-F5344CB8AC3E}">
+        <p14:creationId xmlns:p14="http://schemas.microsoft.com/office/powerpoint/2010/main" val="409668185"/>
+      </p:ext>
+    </p:extLst>
+  </p:cSld>
+  <p:clrMapOvr>
+    <a:overrideClrMapping bg1="dk1" tx1="lt1" bg2="dk2" tx2="lt2" accent1="accent1" accent2="accent2" accent3="accent3" accent4="accent4" accent5="accent5" accent6="accent6" hlink="hlink" folHlink="folHlink"/>
+  </p:clrMapOvr>
+</p:sld>
+</file>
+
+<file path=ppt/slides/slide4.xml><?xml version="1.0" encoding="utf-8"?>
+<p:sld xmlns:a="http://schemas.openxmlformats.org/drawingml/2006/main" xmlns:r="http://schemas.openxmlformats.org/officeDocument/2006/relationships" xmlns:p="http://schemas.openxmlformats.org/presentationml/2006/main">
+  <p:cSld>
+    <p:bg>
+      <p:bgPr>
+        <a:solidFill>
           <a:schemeClr val="bg1">
             <a:tint val="95000"/>
             <a:satMod val="170000"/>
@@ -12277,28 +12388,25 @@
       </p:sp>
       <p:graphicFrame>
         <p:nvGraphicFramePr>
-          <p:cNvPr id="10" name="Inhaltsplatzhalter 9">
+          <p:cNvPr id="7" name="Diagramm 6">
             <a:extLst>
               <a:ext uri="{FF2B5EF4-FFF2-40B4-BE49-F238E27FC236}">
-                <a16:creationId xmlns:a16="http://schemas.microsoft.com/office/drawing/2014/main" id="{1D270987-C5AD-4E33-8A2D-E89A29D15AEB}"/>
+                <a16:creationId xmlns:a16="http://schemas.microsoft.com/office/drawing/2014/main" id="{36E5A276-994A-4BB4-9A13-287D83BDDBFC}"/>
               </a:ext>
             </a:extLst>
           </p:cNvPr>
-          <p:cNvGraphicFramePr>
-            <a:graphicFrameLocks noGrp="1"/>
-          </p:cNvGraphicFramePr>
+          <p:cNvGraphicFramePr/>
           <p:nvPr>
-            <p:ph idx="1"/>
             <p:extLst>
               <p:ext uri="{D42A27DB-BD31-4B8C-83A1-F6EECF244321}">
-                <p14:modId xmlns:p14="http://schemas.microsoft.com/office/powerpoint/2010/main" val="1519548297"/>
+                <p14:modId xmlns:p14="http://schemas.microsoft.com/office/powerpoint/2010/main" val="3102605590"/>
               </p:ext>
             </p:extLst>
           </p:nvPr>
         </p:nvGraphicFramePr>
         <p:xfrm>
-          <a:off x="838200" y="1891886"/>
-          <a:ext cx="10515600" cy="4351338"/>
+          <a:off x="2032000" y="719666"/>
+          <a:ext cx="8128000" cy="5418667"/>
         </p:xfrm>
         <a:graphic>
           <a:graphicData uri="http://schemas.openxmlformats.org/drawingml/2006/diagram">
@@ -12309,7 +12417,7 @@
     </p:spTree>
     <p:extLst>
       <p:ext uri="{BB962C8B-B14F-4D97-AF65-F5344CB8AC3E}">
-        <p14:creationId xmlns:p14="http://schemas.microsoft.com/office/powerpoint/2010/main" val="55185900"/>
+        <p14:creationId xmlns:p14="http://schemas.microsoft.com/office/powerpoint/2010/main" val="2599377853"/>
       </p:ext>
     </p:extLst>
   </p:cSld>
@@ -12319,7 +12427,7 @@
 </p:sld>
 </file>
 
-<file path=ppt/slides/slide4.xml><?xml version="1.0" encoding="utf-8"?>
+<file path=ppt/slides/slide5.xml><?xml version="1.0" encoding="utf-8"?>
 <p:sld xmlns:a="http://schemas.openxmlformats.org/drawingml/2006/main" xmlns:r="http://schemas.openxmlformats.org/officeDocument/2006/relationships" xmlns:p="http://schemas.openxmlformats.org/presentationml/2006/main">
   <p:cSld>
     <p:bg>
@@ -12687,8 +12795,8 @@
         </p:nvSpPr>
         <p:spPr>
           <a:xfrm>
-            <a:off x="804671" y="640263"/>
-            <a:ext cx="3284331" cy="5254510"/>
+            <a:off x="397565" y="640263"/>
+            <a:ext cx="3691437" cy="5254510"/>
           </a:xfrm>
         </p:spPr>
         <p:txBody>
@@ -12699,7 +12807,7 @@
           <a:p>
             <a:r>
               <a:rPr lang="de-DE" dirty="0"/>
-              <a:t>Zielsetzung Sprint 2</a:t>
+              <a:t>Zielsetzung Gesamtprojekt</a:t>
             </a:r>
           </a:p>
         </p:txBody>
@@ -12748,7 +12856,7 @@
 </p:sld>
 </file>
 
-<file path=ppt/slides/slide5.xml><?xml version="1.0" encoding="utf-8"?>
+<file path=ppt/slides/slide6.xml><?xml version="1.0" encoding="utf-8"?>
 <p:sld xmlns:a="http://schemas.openxmlformats.org/drawingml/2006/main" xmlns:r="http://schemas.openxmlformats.org/officeDocument/2006/relationships" xmlns:p="http://schemas.openxmlformats.org/presentationml/2006/main">
   <p:cSld>
     <p:bg>
@@ -13142,7 +13250,7 @@
 </p:sld>
 </file>
 
-<file path=ppt/slides/slide6.xml><?xml version="1.0" encoding="utf-8"?>
+<file path=ppt/slides/slide7.xml><?xml version="1.0" encoding="utf-8"?>
 <p:sld xmlns:a="http://schemas.openxmlformats.org/drawingml/2006/main" xmlns:r="http://schemas.openxmlformats.org/officeDocument/2006/relationships" xmlns:p="http://schemas.openxmlformats.org/presentationml/2006/main">
   <p:cSld>
     <p:bg>
@@ -13328,13 +13436,16 @@
 </p:sld>
 </file>
 
-<file path=ppt/slides/slide7.xml><?xml version="1.0" encoding="utf-8"?>
+<file path=ppt/slides/slide8.xml><?xml version="1.0" encoding="utf-8"?>
 <p:sld xmlns:a="http://schemas.openxmlformats.org/drawingml/2006/main" xmlns:r="http://schemas.openxmlformats.org/officeDocument/2006/relationships" xmlns:p="http://schemas.openxmlformats.org/presentationml/2006/main">
   <p:cSld>
     <p:bg>
       <p:bgPr>
         <a:solidFill>
-          <a:schemeClr val="bg1"/>
+          <a:schemeClr val="bg1">
+            <a:tint val="95000"/>
+            <a:satMod val="170000"/>
+          </a:schemeClr>
         </a:solidFill>
         <a:effectLst/>
       </p:bgPr>
@@ -13355,76 +13466,10 @@
       </p:grpSpPr>
       <p:sp>
         <p:nvSpPr>
-          <p:cNvPr id="16" name="Rectangle 15">
-            <a:extLst>
-              <a:ext uri="{FF2B5EF4-FFF2-40B4-BE49-F238E27FC236}">
-                <a16:creationId xmlns:a16="http://schemas.microsoft.com/office/drawing/2014/main" id="{7CA0DAA6-33B8-4A25-810D-2F4D816FB40E}"/>
-              </a:ext>
-              <a:ext uri="{C183D7F6-B498-43B3-948B-1728B52AA6E4}">
-                <adec:decorative xmlns:adec="http://schemas.microsoft.com/office/drawing/2017/decorative" val="1"/>
-              </a:ext>
-            </a:extLst>
-          </p:cNvPr>
-          <p:cNvSpPr>
-            <a:spLocks noGrp="1" noRot="1" noChangeAspect="1" noMove="1" noResize="1" noEditPoints="1" noAdjustHandles="1" noChangeArrowheads="1" noChangeShapeType="1" noTextEdit="1"/>
-          </p:cNvSpPr>
-          <p:nvPr>
-            <p:extLst>
-              <p:ext uri="{386F3935-93C4-4BCD-93E2-E3B085C9AB24}">
-                <p16:designElem xmlns:p16="http://schemas.microsoft.com/office/powerpoint/2015/main" val="1"/>
-              </p:ext>
-            </p:extLst>
-          </p:nvPr>
-        </p:nvSpPr>
-        <p:spPr bwMode="white">
-          <a:xfrm>
-            <a:off x="0" y="0"/>
-            <a:ext cx="4972594" cy="6858000"/>
-          </a:xfrm>
-          <a:prstGeom prst="rect">
-            <a:avLst/>
-          </a:prstGeom>
-          <a:solidFill>
-            <a:schemeClr val="tx1">
-              <a:lumMod val="85000"/>
-              <a:lumOff val="15000"/>
-            </a:schemeClr>
-          </a:solidFill>
-          <a:ln>
-            <a:noFill/>
-          </a:ln>
-        </p:spPr>
-        <p:style>
-          <a:lnRef idx="2">
-            <a:schemeClr val="accent1">
-              <a:shade val="50000"/>
-            </a:schemeClr>
-          </a:lnRef>
-          <a:fillRef idx="1">
-            <a:schemeClr val="accent1"/>
-          </a:fillRef>
-          <a:effectRef idx="0">
-            <a:schemeClr val="accent1"/>
-          </a:effectRef>
-          <a:fontRef idx="minor">
-            <a:schemeClr val="lt1"/>
-          </a:fontRef>
-        </p:style>
-        <p:txBody>
-          <a:bodyPr rtlCol="0" anchor="ctr"/>
-          <a:lstStyle/>
-          <a:p>
-            <a:pPr algn="ctr"/>
-            <a:endParaRPr lang="en-US"/>
-          </a:p>
-        </p:txBody>
-      </p:sp>
-      <p:sp>
-        <p:nvSpPr>
           <p:cNvPr id="2" name="Titel 1">
             <a:extLst>
               <a:ext uri="{FF2B5EF4-FFF2-40B4-BE49-F238E27FC236}">
-                <a16:creationId xmlns:a16="http://schemas.microsoft.com/office/drawing/2014/main" id="{40462A1B-E28B-49F6-8D93-3A24054299BB}"/>
+                <a16:creationId xmlns:a16="http://schemas.microsoft.com/office/drawing/2014/main" id="{916DEBBE-9E1D-424F-8151-DF641736FC4F}"/>
               </a:ext>
             </a:extLst>
           </p:cNvPr>
@@ -13437,10 +13482,9 @@
         </p:nvSpPr>
         <p:spPr>
           <a:xfrm>
-            <a:off x="651307" y="640081"/>
-            <a:ext cx="3377183" cy="3681976"/>
+            <a:off x="714756" y="4498848"/>
+            <a:ext cx="10762488" cy="1207008"/>
           </a:xfrm>
-          <a:noFill/>
         </p:spPr>
         <p:txBody>
           <a:bodyPr vert="horz" lIns="91440" tIns="45720" rIns="91440" bIns="45720" rtlCol="0" anchor="b">
@@ -13448,235 +13492,57 @@
           </a:bodyPr>
           <a:lstStyle/>
           <a:p>
-            <a:r>
-              <a:rPr lang="en-US">
+            <a:pPr algn="ctr"/>
+            <a:r>
+              <a:rPr lang="en-US" sz="6000" kern="1200" dirty="0" err="1">
                 <a:solidFill>
-                  <a:schemeClr val="bg1"/>
+                  <a:schemeClr val="tx1"/>
                 </a:solidFill>
+                <a:latin typeface="+mj-lt"/>
+                <a:ea typeface="+mj-ea"/>
+                <a:cs typeface="+mj-cs"/>
               </a:rPr>
-              <a:t>Der Code</a:t>
-            </a:r>
-          </a:p>
-        </p:txBody>
-      </p:sp>
-      <p:pic>
-        <p:nvPicPr>
-          <p:cNvPr id="10" name="Picture 3" descr="Ein Bild, das Text enthält.&#10;&#10;Automatisch generierte Beschreibung">
-            <a:extLst>
-              <a:ext uri="{FF2B5EF4-FFF2-40B4-BE49-F238E27FC236}">
-                <a16:creationId xmlns:a16="http://schemas.microsoft.com/office/drawing/2014/main" id="{59D8A8F8-F034-4611-A03C-AC17870EA9D3}"/>
-              </a:ext>
-            </a:extLst>
-          </p:cNvPr>
-          <p:cNvPicPr>
-            <a:picLocks noChangeAspect="1"/>
-          </p:cNvPicPr>
-          <p:nvPr/>
-        </p:nvPicPr>
-        <p:blipFill rotWithShape="1">
-          <a:blip r:embed="rId2"/>
-          <a:srcRect r="26633" b="-1"/>
-          <a:stretch/>
-        </p:blipFill>
-        <p:spPr>
-          <a:xfrm>
-            <a:off x="4654297" y="10"/>
-            <a:ext cx="7537704" cy="6857990"/>
-          </a:xfrm>
-          <a:prstGeom prst="rect">
-            <a:avLst/>
-          </a:prstGeom>
-        </p:spPr>
-      </p:pic>
-    </p:spTree>
-    <p:extLst>
-      <p:ext uri="{BB962C8B-B14F-4D97-AF65-F5344CB8AC3E}">
-        <p14:creationId xmlns:p14="http://schemas.microsoft.com/office/powerpoint/2010/main" val="2718340862"/>
-      </p:ext>
-    </p:extLst>
-  </p:cSld>
-  <p:clrMapOvr>
-    <a:masterClrMapping/>
-  </p:clrMapOvr>
-</p:sld>
-</file>
-
-<file path=ppt/slides/slide8.xml><?xml version="1.0" encoding="utf-8"?>
-<p:sld xmlns:a="http://schemas.openxmlformats.org/drawingml/2006/main" xmlns:r="http://schemas.openxmlformats.org/officeDocument/2006/relationships" xmlns:p="http://schemas.openxmlformats.org/presentationml/2006/main">
-  <p:cSld>
-    <p:bg>
-      <p:bgPr>
-        <a:solidFill>
-          <a:schemeClr val="bg1"/>
-        </a:solidFill>
-        <a:effectLst/>
-      </p:bgPr>
-    </p:bg>
-    <p:spTree>
-      <p:nvGrpSpPr>
-        <p:cNvPr id="1" name=""/>
-        <p:cNvGrpSpPr/>
-        <p:nvPr/>
-      </p:nvGrpSpPr>
-      <p:grpSpPr>
-        <a:xfrm>
-          <a:off x="0" y="0"/>
-          <a:ext cx="0" cy="0"/>
-          <a:chOff x="0" y="0"/>
-          <a:chExt cx="0" cy="0"/>
-        </a:xfrm>
-      </p:grpSpPr>
-      <p:sp>
-        <p:nvSpPr>
-          <p:cNvPr id="10" name="Rectangle 9">
-            <a:extLst>
-              <a:ext uri="{FF2B5EF4-FFF2-40B4-BE49-F238E27FC236}">
-                <a16:creationId xmlns:a16="http://schemas.microsoft.com/office/drawing/2014/main" id="{86295E7F-EA66-480B-B001-C8BE7CD61903}"/>
-              </a:ext>
-              <a:ext uri="{C183D7F6-B498-43B3-948B-1728B52AA6E4}">
-                <adec:decorative xmlns:adec="http://schemas.microsoft.com/office/drawing/2017/decorative" val="1"/>
-              </a:ext>
-            </a:extLst>
-          </p:cNvPr>
-          <p:cNvSpPr>
-            <a:spLocks noGrp="1" noRot="1" noChangeAspect="1" noMove="1" noResize="1" noEditPoints="1" noAdjustHandles="1" noChangeArrowheads="1" noChangeShapeType="1" noTextEdit="1"/>
-          </p:cNvSpPr>
-          <p:nvPr>
-            <p:extLst>
-              <p:ext uri="{386F3935-93C4-4BCD-93E2-E3B085C9AB24}">
-                <p16:designElem xmlns:p16="http://schemas.microsoft.com/office/powerpoint/2015/main" val="1"/>
-              </p:ext>
-            </p:extLst>
-          </p:nvPr>
-        </p:nvSpPr>
-        <p:spPr bwMode="ltGray">
-          <a:xfrm>
-            <a:off x="320040" y="4892040"/>
-            <a:ext cx="11548872" cy="1645920"/>
-          </a:xfrm>
-          <a:prstGeom prst="rect">
-            <a:avLst/>
-          </a:prstGeom>
-          <a:solidFill>
-            <a:srgbClr val="262626"/>
-          </a:solidFill>
-          <a:ln w="127000" cap="sq" cmpd="thinThick">
-            <a:noFill/>
-          </a:ln>
-        </p:spPr>
-        <p:style>
-          <a:lnRef idx="2">
-            <a:schemeClr val="accent1">
-              <a:shade val="50000"/>
-            </a:schemeClr>
-          </a:lnRef>
-          <a:fillRef idx="1">
-            <a:schemeClr val="accent1"/>
-          </a:fillRef>
-          <a:effectRef idx="0">
-            <a:schemeClr val="accent1"/>
-          </a:effectRef>
-          <a:fontRef idx="minor">
-            <a:schemeClr val="lt1"/>
-          </a:fontRef>
-        </p:style>
-        <p:txBody>
-          <a:bodyPr rtlCol="0" anchor="ctr"/>
-          <a:lstStyle/>
-          <a:p>
-            <a:pPr marL="0" marR="0" lvl="0" indent="0" algn="ctr" defTabSz="914400" rtl="0" eaLnBrk="1" fontAlgn="auto" latinLnBrk="0" hangingPunct="1">
-              <a:lnSpc>
-                <a:spcPct val="100000"/>
-              </a:lnSpc>
-              <a:spcBef>
-                <a:spcPts val="0"/>
-              </a:spcBef>
-              <a:spcAft>
-                <a:spcPts val="0"/>
-              </a:spcAft>
-              <a:buClrTx/>
-              <a:buSzTx/>
-              <a:buFontTx/>
-              <a:buNone/>
-              <a:tabLst/>
-              <a:defRPr/>
-            </a:pPr>
-            <a:endParaRPr kumimoji="0" lang="en-US" sz="1800" b="0" i="0" u="none" strike="noStrike" kern="1200" cap="none" spc="0" normalizeH="0" baseline="0" noProof="0">
-              <a:ln>
-                <a:noFill/>
-              </a:ln>
+              <a:t>Erzeugbare</a:t>
+            </a:r>
+            <a:r>
+              <a:rPr lang="en-US" sz="6000" kern="1200" dirty="0">
+                <a:solidFill>
+                  <a:schemeClr val="tx1"/>
+                </a:solidFill>
+                <a:latin typeface="+mj-lt"/>
+                <a:ea typeface="+mj-ea"/>
+                <a:cs typeface="+mj-cs"/>
+              </a:rPr>
+              <a:t> </a:t>
+            </a:r>
+            <a:r>
+              <a:rPr lang="en-US" sz="6000" kern="1200" dirty="0" err="1">
+                <a:solidFill>
+                  <a:schemeClr val="tx1"/>
+                </a:solidFill>
+                <a:latin typeface="+mj-lt"/>
+                <a:ea typeface="+mj-ea"/>
+                <a:cs typeface="+mj-cs"/>
+              </a:rPr>
+              <a:t>Strukturen</a:t>
+            </a:r>
+            <a:endParaRPr lang="en-US" sz="6000" kern="1200" dirty="0">
               <a:solidFill>
-                <a:prstClr val="white"/>
+                <a:schemeClr val="tx1"/>
               </a:solidFill>
-              <a:effectLst/>
-              <a:uLnTx/>
-              <a:uFillTx/>
-              <a:latin typeface="Calibri" panose="020F0502020204030204"/>
-              <a:ea typeface="+mn-ea"/>
-              <a:cs typeface="+mn-cs"/>
-            </a:endParaRPr>
-          </a:p>
-        </p:txBody>
-      </p:sp>
-      <p:sp>
-        <p:nvSpPr>
-          <p:cNvPr id="2" name="Titel 1">
-            <a:extLst>
-              <a:ext uri="{FF2B5EF4-FFF2-40B4-BE49-F238E27FC236}">
-                <a16:creationId xmlns:a16="http://schemas.microsoft.com/office/drawing/2014/main" id="{67FFA16C-E4EE-4CE3-9B85-40EA0A1DD2D6}"/>
-              </a:ext>
-            </a:extLst>
-          </p:cNvPr>
-          <p:cNvSpPr>
-            <a:spLocks noGrp="1"/>
-          </p:cNvSpPr>
-          <p:nvPr>
-            <p:ph type="title"/>
-          </p:nvPr>
-        </p:nvSpPr>
-        <p:spPr>
-          <a:xfrm>
-            <a:off x="718686" y="5091762"/>
-            <a:ext cx="7484787" cy="1264588"/>
-          </a:xfrm>
-        </p:spPr>
-        <p:txBody>
-          <a:bodyPr vert="horz" lIns="91440" tIns="45720" rIns="91440" bIns="45720" rtlCol="0" anchor="ctr">
-            <a:normAutofit/>
-          </a:bodyPr>
-          <a:lstStyle/>
-          <a:p>
-            <a:pPr algn="r"/>
-            <a:r>
-              <a:rPr lang="en-US" sz="4800" dirty="0">
-                <a:solidFill>
-                  <a:srgbClr val="FFFFFF"/>
-                </a:solidFill>
-              </a:rPr>
-              <a:t>Die </a:t>
-            </a:r>
-            <a:r>
-              <a:rPr lang="en-US" sz="4800" dirty="0" err="1">
-                <a:solidFill>
-                  <a:srgbClr val="FFFFFF"/>
-                </a:solidFill>
-              </a:rPr>
-              <a:t>Eingabe</a:t>
-            </a:r>
-            <a:endParaRPr lang="en-US" sz="4800" dirty="0">
-              <a:solidFill>
-                <a:srgbClr val="FFFFFF"/>
-              </a:solidFill>
+              <a:latin typeface="+mj-lt"/>
+              <a:ea typeface="+mj-ea"/>
+              <a:cs typeface="+mj-cs"/>
             </a:endParaRPr>
           </a:p>
         </p:txBody>
       </p:sp>
       <p:pic>
         <p:nvPicPr>
-          <p:cNvPr id="5" name="Inhaltsplatzhalter 4" descr="Ein Bild, das Text enthält.&#10;&#10;Automatisch generierte Beschreibung">
+          <p:cNvPr id="5" name="Inhaltsplatzhalter 4" descr="Ein Bild, das Rad, Zahnrad enthält.&#10;&#10;Automatisch generierte Beschreibung">
             <a:extLst>
               <a:ext uri="{FF2B5EF4-FFF2-40B4-BE49-F238E27FC236}">
-                <a16:creationId xmlns:a16="http://schemas.microsoft.com/office/drawing/2014/main" id="{6CCD75D6-13F9-425B-BDD3-656FAE83AA89}"/>
+                <a16:creationId xmlns:a16="http://schemas.microsoft.com/office/drawing/2014/main" id="{84C07571-6521-492A-B627-F2FCE8512403}"/>
               </a:ext>
             </a:extLst>
           </p:cNvPr>
@@ -13695,13 +13561,13 @@
               </a:ext>
             </a:extLst>
           </a:blip>
-          <a:srcRect r="25591" b="-1"/>
+          <a:srcRect t="8400" r="1" b="4922"/>
           <a:stretch/>
         </p:blipFill>
         <p:spPr>
           <a:xfrm>
-            <a:off x="320040" y="320040"/>
-            <a:ext cx="11548872" cy="4462272"/>
+            <a:off x="609600" y="320749"/>
+            <a:ext cx="5212080" cy="3856948"/>
           </a:xfrm>
           <a:prstGeom prst="rect">
             <a:avLst/>
@@ -13713,7 +13579,7 @@
           <p:cNvPr id="12" name="Straight Connector 11">
             <a:extLst>
               <a:ext uri="{FF2B5EF4-FFF2-40B4-BE49-F238E27FC236}">
-                <a16:creationId xmlns:a16="http://schemas.microsoft.com/office/drawing/2014/main" id="{E126E481-B945-4179-BD79-05E96E9B29E1}"/>
+                <a16:creationId xmlns:a16="http://schemas.microsoft.com/office/drawing/2014/main" id="{B6375111-306C-49EA-9DD1-79A2ED78FA30}"/>
               </a:ext>
               <a:ext uri="{C183D7F6-B498-43B3-948B-1728B52AA6E4}">
                 <adec:decorative xmlns:adec="http://schemas.microsoft.com/office/drawing/2017/decorative" val="1"/>
@@ -13732,18 +13598,19 @@
           </p:nvPr>
         </p:nvCxnSpPr>
         <p:spPr>
-          <a:xfrm flipV="1">
-            <a:off x="8386843" y="5264106"/>
-            <a:ext cx="0" cy="914400"/>
+          <a:xfrm>
+            <a:off x="6096000" y="1251845"/>
+            <a:ext cx="0" cy="2120900"/>
           </a:xfrm>
           <a:prstGeom prst="line">
             <a:avLst/>
           </a:prstGeom>
           <a:ln w="19050">
             <a:solidFill>
-              <a:srgbClr val="FFFFFF">
-                <a:alpha val="80000"/>
-              </a:srgbClr>
+              <a:schemeClr val="tx1">
+                <a:lumMod val="85000"/>
+                <a:lumOff val="15000"/>
+              </a:schemeClr>
             </a:solidFill>
           </a:ln>
         </p:spPr>
@@ -13762,703 +13629,51 @@
           </a:fontRef>
         </p:style>
       </p:cxnSp>
-      <p:sp>
-        <p:nvSpPr>
-          <p:cNvPr id="18" name="Pfeil: nach links 17">
+      <p:pic>
+        <p:nvPicPr>
+          <p:cNvPr id="7" name="Grafik 6">
             <a:extLst>
               <a:ext uri="{FF2B5EF4-FFF2-40B4-BE49-F238E27FC236}">
-                <a16:creationId xmlns:a16="http://schemas.microsoft.com/office/drawing/2014/main" id="{495C2F18-6EEB-4679-AA1A-518069D1CE90}"/>
+                <a16:creationId xmlns:a16="http://schemas.microsoft.com/office/drawing/2014/main" id="{134BA720-68A2-4CE8-9A89-235B340225C8}"/>
               </a:ext>
             </a:extLst>
           </p:cNvPr>
-          <p:cNvSpPr/>
+          <p:cNvPicPr>
+            <a:picLocks noChangeAspect="1"/>
+          </p:cNvPicPr>
           <p:nvPr/>
-        </p:nvSpPr>
-        <p:spPr>
-          <a:xfrm rot="20382366">
-            <a:off x="5577661" y="2359786"/>
-            <a:ext cx="978408" cy="233451"/>
-          </a:xfrm>
-          <a:prstGeom prst="leftArrow">
-            <a:avLst/>
-          </a:prstGeom>
-        </p:spPr>
-        <p:style>
-          <a:lnRef idx="2">
-            <a:schemeClr val="accent6"/>
-          </a:lnRef>
-          <a:fillRef idx="1">
-            <a:schemeClr val="lt1"/>
-          </a:fillRef>
-          <a:effectRef idx="0">
-            <a:schemeClr val="accent6"/>
-          </a:effectRef>
-          <a:fontRef idx="minor">
-            <a:schemeClr val="dk1"/>
-          </a:fontRef>
-        </p:style>
-        <p:txBody>
-          <a:bodyPr rtlCol="0" anchor="ctr"/>
-          <a:lstStyle/>
-          <a:p>
-            <a:pPr algn="ctr"/>
-            <a:endParaRPr lang="de-DE"/>
-          </a:p>
-        </p:txBody>
-      </p:sp>
-      <p:sp>
-        <p:nvSpPr>
-          <p:cNvPr id="20" name="Pfeil: nach links 19">
+        </p:nvPicPr>
+        <p:blipFill rotWithShape="1">
+          <a:blip r:embed="rId3">
             <a:extLst>
-              <a:ext uri="{FF2B5EF4-FFF2-40B4-BE49-F238E27FC236}">
-                <a16:creationId xmlns:a16="http://schemas.microsoft.com/office/drawing/2014/main" id="{A472CE52-3F10-4613-AE38-AACA32450222}"/>
+              <a:ext uri="{28A0092B-C50C-407E-A947-70E740481C1C}">
+                <a14:useLocalDpi xmlns:a14="http://schemas.microsoft.com/office/drawing/2010/main" val="0"/>
               </a:ext>
             </a:extLst>
-          </p:cNvPr>
-          <p:cNvSpPr/>
-          <p:nvPr/>
-        </p:nvSpPr>
+          </a:blip>
+          <a:srcRect r="1689" b="2"/>
+          <a:stretch/>
+        </p:blipFill>
         <p:spPr>
           <a:xfrm>
-            <a:off x="5474379" y="1970904"/>
-            <a:ext cx="978408" cy="233451"/>
-          </a:xfrm>
-          <a:prstGeom prst="leftArrow">
-            <a:avLst/>
-          </a:prstGeom>
-        </p:spPr>
-        <p:style>
-          <a:lnRef idx="2">
-            <a:schemeClr val="accent6"/>
-          </a:lnRef>
-          <a:fillRef idx="1">
-            <a:schemeClr val="lt1"/>
-          </a:fillRef>
-          <a:effectRef idx="0">
-            <a:schemeClr val="accent6"/>
-          </a:effectRef>
-          <a:fontRef idx="minor">
-            <a:schemeClr val="dk1"/>
-          </a:fontRef>
-        </p:style>
-        <p:txBody>
-          <a:bodyPr rtlCol="0" anchor="ctr"/>
-          <a:lstStyle/>
-          <a:p>
-            <a:pPr algn="ctr"/>
-            <a:endParaRPr lang="de-DE"/>
-          </a:p>
-        </p:txBody>
-      </p:sp>
-      <p:sp>
-        <p:nvSpPr>
-          <p:cNvPr id="21" name="Pfeil: nach links 20">
-            <a:extLst>
-              <a:ext uri="{FF2B5EF4-FFF2-40B4-BE49-F238E27FC236}">
-                <a16:creationId xmlns:a16="http://schemas.microsoft.com/office/drawing/2014/main" id="{148FAB89-1416-47B0-98DE-8EFC61FBCCA4}"/>
-              </a:ext>
-            </a:extLst>
-          </p:cNvPr>
-          <p:cNvSpPr/>
-          <p:nvPr/>
-        </p:nvSpPr>
-        <p:spPr>
-          <a:xfrm>
-            <a:off x="5605272" y="956609"/>
-            <a:ext cx="978408" cy="233451"/>
-          </a:xfrm>
-          <a:prstGeom prst="leftArrow">
-            <a:avLst/>
-          </a:prstGeom>
-        </p:spPr>
-        <p:style>
-          <a:lnRef idx="2">
-            <a:schemeClr val="accent6"/>
-          </a:lnRef>
-          <a:fillRef idx="1">
-            <a:schemeClr val="lt1"/>
-          </a:fillRef>
-          <a:effectRef idx="0">
-            <a:schemeClr val="accent6"/>
-          </a:effectRef>
-          <a:fontRef idx="minor">
-            <a:schemeClr val="dk1"/>
-          </a:fontRef>
-        </p:style>
-        <p:txBody>
-          <a:bodyPr rtlCol="0" anchor="ctr"/>
-          <a:lstStyle/>
-          <a:p>
-            <a:pPr algn="ctr"/>
-            <a:endParaRPr lang="de-DE"/>
-          </a:p>
-        </p:txBody>
-      </p:sp>
-      <p:sp>
-        <p:nvSpPr>
-          <p:cNvPr id="22" name="Textfeld 21">
-            <a:extLst>
-              <a:ext uri="{FF2B5EF4-FFF2-40B4-BE49-F238E27FC236}">
-                <a16:creationId xmlns:a16="http://schemas.microsoft.com/office/drawing/2014/main" id="{87D7A582-4CEB-42CA-BCA5-5A4F04134A53}"/>
-              </a:ext>
-            </a:extLst>
-          </p:cNvPr>
-          <p:cNvSpPr txBox="1"/>
-          <p:nvPr/>
-        </p:nvSpPr>
-        <p:spPr>
-          <a:xfrm>
-            <a:off x="6943929" y="888668"/>
-            <a:ext cx="2519088" cy="369332"/>
+            <a:off x="6370320" y="320109"/>
+            <a:ext cx="5212080" cy="3857568"/>
           </a:xfrm>
           <a:prstGeom prst="rect">
             <a:avLst/>
           </a:prstGeom>
-          <a:noFill/>
         </p:spPr>
-        <p:txBody>
-          <a:bodyPr wrap="none" rtlCol="0">
-            <a:spAutoFit/>
-          </a:bodyPr>
-          <a:lstStyle/>
-          <a:p>
-            <a:r>
-              <a:rPr lang="de-DE" b="1" dirty="0">
-                <a:solidFill>
-                  <a:schemeClr val="bg1"/>
-                </a:solidFill>
-              </a:rPr>
-              <a:t>Methode Zahlenprüfung</a:t>
-            </a:r>
-          </a:p>
-        </p:txBody>
-      </p:sp>
-      <p:sp>
-        <p:nvSpPr>
-          <p:cNvPr id="23" name="Textfeld 22">
-            <a:extLst>
-              <a:ext uri="{FF2B5EF4-FFF2-40B4-BE49-F238E27FC236}">
-                <a16:creationId xmlns:a16="http://schemas.microsoft.com/office/drawing/2014/main" id="{7E94F2F5-0905-49C3-B954-75E86145D520}"/>
-              </a:ext>
-            </a:extLst>
-          </p:cNvPr>
-          <p:cNvSpPr txBox="1"/>
-          <p:nvPr/>
-        </p:nvSpPr>
-        <p:spPr>
-          <a:xfrm>
-            <a:off x="6943929" y="1970904"/>
-            <a:ext cx="1952266" cy="369332"/>
-          </a:xfrm>
-          <a:prstGeom prst="rect">
-            <a:avLst/>
-          </a:prstGeom>
-          <a:noFill/>
-        </p:spPr>
-        <p:txBody>
-          <a:bodyPr wrap="none" rtlCol="0">
-            <a:spAutoFit/>
-          </a:bodyPr>
-          <a:lstStyle/>
-          <a:p>
-            <a:r>
-              <a:rPr lang="de-DE" b="1" dirty="0">
-                <a:solidFill>
-                  <a:schemeClr val="bg1"/>
-                </a:solidFill>
-              </a:rPr>
-              <a:t>Kontrollstrukturen</a:t>
-            </a:r>
-          </a:p>
-        </p:txBody>
-      </p:sp>
-      <p:sp>
-        <p:nvSpPr>
-          <p:cNvPr id="3" name="Textfeld 2">
-            <a:extLst>
-              <a:ext uri="{FF2B5EF4-FFF2-40B4-BE49-F238E27FC236}">
-                <a16:creationId xmlns:a16="http://schemas.microsoft.com/office/drawing/2014/main" id="{DDADB77C-8206-404F-A959-47F1E0B5B033}"/>
-              </a:ext>
-            </a:extLst>
-          </p:cNvPr>
-          <p:cNvSpPr txBox="1"/>
-          <p:nvPr/>
-        </p:nvSpPr>
-        <p:spPr>
-          <a:xfrm>
-            <a:off x="11567226" y="320040"/>
-            <a:ext cx="301686" cy="369332"/>
-          </a:xfrm>
-          <a:prstGeom prst="rect">
-            <a:avLst/>
-          </a:prstGeom>
-          <a:noFill/>
-        </p:spPr>
-        <p:txBody>
-          <a:bodyPr wrap="none" rtlCol="0">
-            <a:spAutoFit/>
-          </a:bodyPr>
-          <a:lstStyle/>
-          <a:p>
-            <a:r>
-              <a:rPr lang="de-DE" dirty="0">
-                <a:solidFill>
-                  <a:schemeClr val="bg1"/>
-                </a:solidFill>
-              </a:rPr>
-              <a:t>2</a:t>
-            </a:r>
-          </a:p>
-        </p:txBody>
-      </p:sp>
+      </p:pic>
     </p:spTree>
     <p:extLst>
       <p:ext uri="{BB962C8B-B14F-4D97-AF65-F5344CB8AC3E}">
-        <p14:creationId xmlns:p14="http://schemas.microsoft.com/office/powerpoint/2010/main" val="607460555"/>
+        <p14:creationId xmlns:p14="http://schemas.microsoft.com/office/powerpoint/2010/main" val="610818512"/>
       </p:ext>
     </p:extLst>
   </p:cSld>
   <p:clrMapOvr>
-    <a:overrideClrMapping bg1="lt1" tx1="dk1" bg2="lt2" tx2="dk2" accent1="accent1" accent2="accent2" accent3="accent3" accent4="accent4" accent5="accent5" accent6="accent6" hlink="hlink" folHlink="folHlink"/>
+    <a:overrideClrMapping bg1="dk1" tx1="lt1" bg2="dk2" tx2="lt2" accent1="accent1" accent2="accent2" accent3="accent3" accent4="accent4" accent5="accent5" accent6="accent6" hlink="hlink" folHlink="folHlink"/>
   </p:clrMapOvr>
-  <p:timing>
-    <p:tnLst>
-      <p:par>
-        <p:cTn id="1" dur="indefinite" restart="never" nodeType="tmRoot">
-          <p:childTnLst>
-            <p:seq concurrent="1" nextAc="seek">
-              <p:cTn id="2" dur="indefinite" nodeType="mainSeq">
-                <p:childTnLst>
-                  <p:par>
-                    <p:cTn id="3" fill="hold">
-                      <p:stCondLst>
-                        <p:cond delay="indefinite"/>
-                      </p:stCondLst>
-                      <p:childTnLst>
-                        <p:par>
-                          <p:cTn id="4" fill="hold">
-                            <p:stCondLst>
-                              <p:cond delay="0"/>
-                            </p:stCondLst>
-                            <p:childTnLst>
-                              <p:par>
-                                <p:cTn id="5" presetID="2" presetClass="entr" presetSubtype="2" fill="hold" grpId="0" nodeType="clickEffect">
-                                  <p:stCondLst>
-                                    <p:cond delay="0"/>
-                                  </p:stCondLst>
-                                  <p:childTnLst>
-                                    <p:set>
-                                      <p:cBhvr>
-                                        <p:cTn id="6" dur="1" fill="hold">
-                                          <p:stCondLst>
-                                            <p:cond delay="0"/>
-                                          </p:stCondLst>
-                                        </p:cTn>
-                                        <p:tgtEl>
-                                          <p:spTgt spid="21"/>
-                                        </p:tgtEl>
-                                        <p:attrNameLst>
-                                          <p:attrName>style.visibility</p:attrName>
-                                        </p:attrNameLst>
-                                      </p:cBhvr>
-                                      <p:to>
-                                        <p:strVal val="visible"/>
-                                      </p:to>
-                                    </p:set>
-                                    <p:anim calcmode="lin" valueType="num">
-                                      <p:cBhvr additive="base">
-                                        <p:cTn id="7" dur="500" fill="hold"/>
-                                        <p:tgtEl>
-                                          <p:spTgt spid="21"/>
-                                        </p:tgtEl>
-                                        <p:attrNameLst>
-                                          <p:attrName>ppt_x</p:attrName>
-                                        </p:attrNameLst>
-                                      </p:cBhvr>
-                                      <p:tavLst>
-                                        <p:tav tm="0">
-                                          <p:val>
-                                            <p:strVal val="1+#ppt_w/2"/>
-                                          </p:val>
-                                        </p:tav>
-                                        <p:tav tm="100000">
-                                          <p:val>
-                                            <p:strVal val="#ppt_x"/>
-                                          </p:val>
-                                        </p:tav>
-                                      </p:tavLst>
-                                    </p:anim>
-                                    <p:anim calcmode="lin" valueType="num">
-                                      <p:cBhvr additive="base">
-                                        <p:cTn id="8" dur="500" fill="hold"/>
-                                        <p:tgtEl>
-                                          <p:spTgt spid="21"/>
-                                        </p:tgtEl>
-                                        <p:attrNameLst>
-                                          <p:attrName>ppt_y</p:attrName>
-                                        </p:attrNameLst>
-                                      </p:cBhvr>
-                                      <p:tavLst>
-                                        <p:tav tm="0">
-                                          <p:val>
-                                            <p:strVal val="#ppt_y"/>
-                                          </p:val>
-                                        </p:tav>
-                                        <p:tav tm="100000">
-                                          <p:val>
-                                            <p:strVal val="#ppt_y"/>
-                                          </p:val>
-                                        </p:tav>
-                                      </p:tavLst>
-                                    </p:anim>
-                                  </p:childTnLst>
-                                </p:cTn>
-                              </p:par>
-                              <p:par>
-                                <p:cTn id="9" presetID="2" presetClass="entr" presetSubtype="2" fill="hold" grpId="0" nodeType="withEffect">
-                                  <p:stCondLst>
-                                    <p:cond delay="0"/>
-                                  </p:stCondLst>
-                                  <p:childTnLst>
-                                    <p:set>
-                                      <p:cBhvr>
-                                        <p:cTn id="10" dur="1" fill="hold">
-                                          <p:stCondLst>
-                                            <p:cond delay="0"/>
-                                          </p:stCondLst>
-                                        </p:cTn>
-                                        <p:tgtEl>
-                                          <p:spTgt spid="22"/>
-                                        </p:tgtEl>
-                                        <p:attrNameLst>
-                                          <p:attrName>style.visibility</p:attrName>
-                                        </p:attrNameLst>
-                                      </p:cBhvr>
-                                      <p:to>
-                                        <p:strVal val="visible"/>
-                                      </p:to>
-                                    </p:set>
-                                    <p:anim calcmode="lin" valueType="num">
-                                      <p:cBhvr additive="base">
-                                        <p:cTn id="11" dur="500" fill="hold"/>
-                                        <p:tgtEl>
-                                          <p:spTgt spid="22"/>
-                                        </p:tgtEl>
-                                        <p:attrNameLst>
-                                          <p:attrName>ppt_x</p:attrName>
-                                        </p:attrNameLst>
-                                      </p:cBhvr>
-                                      <p:tavLst>
-                                        <p:tav tm="0">
-                                          <p:val>
-                                            <p:strVal val="1+#ppt_w/2"/>
-                                          </p:val>
-                                        </p:tav>
-                                        <p:tav tm="100000">
-                                          <p:val>
-                                            <p:strVal val="#ppt_x"/>
-                                          </p:val>
-                                        </p:tav>
-                                      </p:tavLst>
-                                    </p:anim>
-                                    <p:anim calcmode="lin" valueType="num">
-                                      <p:cBhvr additive="base">
-                                        <p:cTn id="12" dur="500" fill="hold"/>
-                                        <p:tgtEl>
-                                          <p:spTgt spid="22"/>
-                                        </p:tgtEl>
-                                        <p:attrNameLst>
-                                          <p:attrName>ppt_y</p:attrName>
-                                        </p:attrNameLst>
-                                      </p:cBhvr>
-                                      <p:tavLst>
-                                        <p:tav tm="0">
-                                          <p:val>
-                                            <p:strVal val="#ppt_y"/>
-                                          </p:val>
-                                        </p:tav>
-                                        <p:tav tm="100000">
-                                          <p:val>
-                                            <p:strVal val="#ppt_y"/>
-                                          </p:val>
-                                        </p:tav>
-                                      </p:tavLst>
-                                    </p:anim>
-                                  </p:childTnLst>
-                                </p:cTn>
-                              </p:par>
-                            </p:childTnLst>
-                          </p:cTn>
-                        </p:par>
-                      </p:childTnLst>
-                    </p:cTn>
-                  </p:par>
-                  <p:par>
-                    <p:cTn id="13" fill="hold">
-                      <p:stCondLst>
-                        <p:cond delay="indefinite"/>
-                      </p:stCondLst>
-                      <p:childTnLst>
-                        <p:par>
-                          <p:cTn id="14" fill="hold">
-                            <p:stCondLst>
-                              <p:cond delay="0"/>
-                            </p:stCondLst>
-                            <p:childTnLst>
-                              <p:par>
-                                <p:cTn id="15" presetID="2" presetClass="entr" presetSubtype="2" fill="hold" grpId="0" nodeType="clickEffect">
-                                  <p:stCondLst>
-                                    <p:cond delay="0"/>
-                                  </p:stCondLst>
-                                  <p:childTnLst>
-                                    <p:set>
-                                      <p:cBhvr>
-                                        <p:cTn id="16" dur="1" fill="hold">
-                                          <p:stCondLst>
-                                            <p:cond delay="0"/>
-                                          </p:stCondLst>
-                                        </p:cTn>
-                                        <p:tgtEl>
-                                          <p:spTgt spid="20"/>
-                                        </p:tgtEl>
-                                        <p:attrNameLst>
-                                          <p:attrName>style.visibility</p:attrName>
-                                        </p:attrNameLst>
-                                      </p:cBhvr>
-                                      <p:to>
-                                        <p:strVal val="visible"/>
-                                      </p:to>
-                                    </p:set>
-                                    <p:anim calcmode="lin" valueType="num">
-                                      <p:cBhvr additive="base">
-                                        <p:cTn id="17" dur="500" fill="hold"/>
-                                        <p:tgtEl>
-                                          <p:spTgt spid="20"/>
-                                        </p:tgtEl>
-                                        <p:attrNameLst>
-                                          <p:attrName>ppt_x</p:attrName>
-                                        </p:attrNameLst>
-                                      </p:cBhvr>
-                                      <p:tavLst>
-                                        <p:tav tm="0">
-                                          <p:val>
-                                            <p:strVal val="1+#ppt_w/2"/>
-                                          </p:val>
-                                        </p:tav>
-                                        <p:tav tm="100000">
-                                          <p:val>
-                                            <p:strVal val="#ppt_x"/>
-                                          </p:val>
-                                        </p:tav>
-                                      </p:tavLst>
-                                    </p:anim>
-                                    <p:anim calcmode="lin" valueType="num">
-                                      <p:cBhvr additive="base">
-                                        <p:cTn id="18" dur="500" fill="hold"/>
-                                        <p:tgtEl>
-                                          <p:spTgt spid="20"/>
-                                        </p:tgtEl>
-                                        <p:attrNameLst>
-                                          <p:attrName>ppt_y</p:attrName>
-                                        </p:attrNameLst>
-                                      </p:cBhvr>
-                                      <p:tavLst>
-                                        <p:tav tm="0">
-                                          <p:val>
-                                            <p:strVal val="#ppt_y"/>
-                                          </p:val>
-                                        </p:tav>
-                                        <p:tav tm="100000">
-                                          <p:val>
-                                            <p:strVal val="#ppt_y"/>
-                                          </p:val>
-                                        </p:tav>
-                                      </p:tavLst>
-                                    </p:anim>
-                                  </p:childTnLst>
-                                </p:cTn>
-                              </p:par>
-                              <p:par>
-                                <p:cTn id="19" presetID="2" presetClass="entr" presetSubtype="2" fill="hold" grpId="0" nodeType="withEffect">
-                                  <p:stCondLst>
-                                    <p:cond delay="0"/>
-                                  </p:stCondLst>
-                                  <p:childTnLst>
-                                    <p:set>
-                                      <p:cBhvr>
-                                        <p:cTn id="20" dur="1" fill="hold">
-                                          <p:stCondLst>
-                                            <p:cond delay="0"/>
-                                          </p:stCondLst>
-                                        </p:cTn>
-                                        <p:tgtEl>
-                                          <p:spTgt spid="23"/>
-                                        </p:tgtEl>
-                                        <p:attrNameLst>
-                                          <p:attrName>style.visibility</p:attrName>
-                                        </p:attrNameLst>
-                                      </p:cBhvr>
-                                      <p:to>
-                                        <p:strVal val="visible"/>
-                                      </p:to>
-                                    </p:set>
-                                    <p:anim calcmode="lin" valueType="num">
-                                      <p:cBhvr additive="base">
-                                        <p:cTn id="21" dur="500" fill="hold"/>
-                                        <p:tgtEl>
-                                          <p:spTgt spid="23"/>
-                                        </p:tgtEl>
-                                        <p:attrNameLst>
-                                          <p:attrName>ppt_x</p:attrName>
-                                        </p:attrNameLst>
-                                      </p:cBhvr>
-                                      <p:tavLst>
-                                        <p:tav tm="0">
-                                          <p:val>
-                                            <p:strVal val="1+#ppt_w/2"/>
-                                          </p:val>
-                                        </p:tav>
-                                        <p:tav tm="100000">
-                                          <p:val>
-                                            <p:strVal val="#ppt_x"/>
-                                          </p:val>
-                                        </p:tav>
-                                      </p:tavLst>
-                                    </p:anim>
-                                    <p:anim calcmode="lin" valueType="num">
-                                      <p:cBhvr additive="base">
-                                        <p:cTn id="22" dur="500" fill="hold"/>
-                                        <p:tgtEl>
-                                          <p:spTgt spid="23"/>
-                                        </p:tgtEl>
-                                        <p:attrNameLst>
-                                          <p:attrName>ppt_y</p:attrName>
-                                        </p:attrNameLst>
-                                      </p:cBhvr>
-                                      <p:tavLst>
-                                        <p:tav tm="0">
-                                          <p:val>
-                                            <p:strVal val="#ppt_y"/>
-                                          </p:val>
-                                        </p:tav>
-                                        <p:tav tm="100000">
-                                          <p:val>
-                                            <p:strVal val="#ppt_y"/>
-                                          </p:val>
-                                        </p:tav>
-                                      </p:tavLst>
-                                    </p:anim>
-                                  </p:childTnLst>
-                                </p:cTn>
-                              </p:par>
-                              <p:par>
-                                <p:cTn id="23" presetID="2" presetClass="entr" presetSubtype="3" fill="hold" grpId="0" nodeType="withEffect">
-                                  <p:stCondLst>
-                                    <p:cond delay="0"/>
-                                  </p:stCondLst>
-                                  <p:childTnLst>
-                                    <p:set>
-                                      <p:cBhvr>
-                                        <p:cTn id="24" dur="1" fill="hold">
-                                          <p:stCondLst>
-                                            <p:cond delay="0"/>
-                                          </p:stCondLst>
-                                        </p:cTn>
-                                        <p:tgtEl>
-                                          <p:spTgt spid="18"/>
-                                        </p:tgtEl>
-                                        <p:attrNameLst>
-                                          <p:attrName>style.visibility</p:attrName>
-                                        </p:attrNameLst>
-                                      </p:cBhvr>
-                                      <p:to>
-                                        <p:strVal val="visible"/>
-                                      </p:to>
-                                    </p:set>
-                                    <p:anim calcmode="lin" valueType="num">
-                                      <p:cBhvr additive="base">
-                                        <p:cTn id="25" dur="500" fill="hold"/>
-                                        <p:tgtEl>
-                                          <p:spTgt spid="18"/>
-                                        </p:tgtEl>
-                                        <p:attrNameLst>
-                                          <p:attrName>ppt_x</p:attrName>
-                                        </p:attrNameLst>
-                                      </p:cBhvr>
-                                      <p:tavLst>
-                                        <p:tav tm="0">
-                                          <p:val>
-                                            <p:strVal val="1+#ppt_w/2"/>
-                                          </p:val>
-                                        </p:tav>
-                                        <p:tav tm="100000">
-                                          <p:val>
-                                            <p:strVal val="#ppt_x"/>
-                                          </p:val>
-                                        </p:tav>
-                                      </p:tavLst>
-                                    </p:anim>
-                                    <p:anim calcmode="lin" valueType="num">
-                                      <p:cBhvr additive="base">
-                                        <p:cTn id="26" dur="500" fill="hold"/>
-                                        <p:tgtEl>
-                                          <p:spTgt spid="18"/>
-                                        </p:tgtEl>
-                                        <p:attrNameLst>
-                                          <p:attrName>ppt_y</p:attrName>
-                                        </p:attrNameLst>
-                                      </p:cBhvr>
-                                      <p:tavLst>
-                                        <p:tav tm="0">
-                                          <p:val>
-                                            <p:strVal val="0-#ppt_h/2"/>
-                                          </p:val>
-                                        </p:tav>
-                                        <p:tav tm="100000">
-                                          <p:val>
-                                            <p:strVal val="#ppt_y"/>
-                                          </p:val>
-                                        </p:tav>
-                                      </p:tavLst>
-                                    </p:anim>
-                                  </p:childTnLst>
-                                </p:cTn>
-                              </p:par>
-                            </p:childTnLst>
-                          </p:cTn>
-                        </p:par>
-                      </p:childTnLst>
-                    </p:cTn>
-                  </p:par>
-                </p:childTnLst>
-              </p:cTn>
-              <p:prevCondLst>
-                <p:cond evt="onPrev" delay="0">
-                  <p:tgtEl>
-                    <p:sldTgt/>
-                  </p:tgtEl>
-                </p:cond>
-              </p:prevCondLst>
-              <p:nextCondLst>
-                <p:cond evt="onNext" delay="0">
-                  <p:tgtEl>
-                    <p:sldTgt/>
-                  </p:tgtEl>
-                </p:cond>
-              </p:nextCondLst>
-            </p:seq>
-          </p:childTnLst>
-        </p:cTn>
-      </p:par>
-    </p:tnLst>
-    <p:bldLst>
-      <p:bldP spid="18" grpId="0" animBg="1"/>
-      <p:bldP spid="20" grpId="0" animBg="1"/>
-      <p:bldP spid="21" grpId="0" animBg="1"/>
-      <p:bldP spid="22" grpId="0"/>
-      <p:bldP spid="23" grpId="0"/>
-    </p:bldLst>
-  </p:timing>
 </p:sld>
 </file>
 
@@ -14487,12 +13702,82 @@
           <a:chExt cx="0" cy="0"/>
         </a:xfrm>
       </p:grpSpPr>
+      <p:pic>
+        <p:nvPicPr>
+          <p:cNvPr id="5" name="Inhaltsplatzhalter 4">
+            <a:extLst>
+              <a:ext uri="{FF2B5EF4-FFF2-40B4-BE49-F238E27FC236}">
+                <a16:creationId xmlns:a16="http://schemas.microsoft.com/office/drawing/2014/main" id="{8438D9C5-1E09-405F-93D4-392B52B72F60}"/>
+              </a:ext>
+            </a:extLst>
+          </p:cNvPr>
+          <p:cNvPicPr>
+            <a:picLocks noChangeAspect="1"/>
+          </p:cNvPicPr>
+          <p:nvPr/>
+        </p:nvPicPr>
+        <p:blipFill rotWithShape="1">
+          <a:blip r:embed="rId2">
+            <a:extLst>
+              <a:ext uri="{28A0092B-C50C-407E-A947-70E740481C1C}">
+                <a14:useLocalDpi xmlns:a14="http://schemas.microsoft.com/office/drawing/2010/main" val="0"/>
+              </a:ext>
+            </a:extLst>
+          </a:blip>
+          <a:srcRect r="5912" b="1"/>
+          <a:stretch/>
+        </p:blipFill>
+        <p:spPr>
+          <a:xfrm>
+            <a:off x="6015107" y="-1"/>
+            <a:ext cx="6176895" cy="2937954"/>
+          </a:xfrm>
+          <a:prstGeom prst="rect">
+            <a:avLst/>
+          </a:prstGeom>
+        </p:spPr>
+      </p:pic>
+      <p:pic>
+        <p:nvPicPr>
+          <p:cNvPr id="7" name="Grafik 6">
+            <a:extLst>
+              <a:ext uri="{FF2B5EF4-FFF2-40B4-BE49-F238E27FC236}">
+                <a16:creationId xmlns:a16="http://schemas.microsoft.com/office/drawing/2014/main" id="{4F2A518E-9378-4D59-8C70-9CA7B622EDCE}"/>
+              </a:ext>
+            </a:extLst>
+          </p:cNvPr>
+          <p:cNvPicPr>
+            <a:picLocks noChangeAspect="1"/>
+          </p:cNvPicPr>
+          <p:nvPr/>
+        </p:nvPicPr>
+        <p:blipFill rotWithShape="1">
+          <a:blip r:embed="rId3">
+            <a:extLst>
+              <a:ext uri="{28A0092B-C50C-407E-A947-70E740481C1C}">
+                <a14:useLocalDpi xmlns:a14="http://schemas.microsoft.com/office/drawing/2010/main" val="0"/>
+              </a:ext>
+            </a:extLst>
+          </a:blip>
+          <a:srcRect l="363" r="8955" b="1"/>
+          <a:stretch/>
+        </p:blipFill>
+        <p:spPr>
+          <a:xfrm>
+            <a:off x="4203638" y="2937953"/>
+            <a:ext cx="7988360" cy="3920047"/>
+          </a:xfrm>
+          <a:prstGeom prst="rect">
+            <a:avLst/>
+          </a:prstGeom>
+        </p:spPr>
+      </p:pic>
       <p:sp>
         <p:nvSpPr>
-          <p:cNvPr id="10" name="Rectangle 9">
+          <p:cNvPr id="37" name="Freeform: Shape 13">
             <a:extLst>
               <a:ext uri="{FF2B5EF4-FFF2-40B4-BE49-F238E27FC236}">
-                <a16:creationId xmlns:a16="http://schemas.microsoft.com/office/drawing/2014/main" id="{86295E7F-EA66-480B-B001-C8BE7CD61903}"/>
+                <a16:creationId xmlns:a16="http://schemas.microsoft.com/office/drawing/2014/main" id="{8F23F8A3-8FD7-4779-8323-FDC26BE99889}"/>
               </a:ext>
               <a:ext uri="{C183D7F6-B498-43B3-948B-1728B52AA6E4}">
                 <adec:decorative xmlns:adec="http://schemas.microsoft.com/office/drawing/2017/decorative" val="1"/>
@@ -14510,18 +13795,97 @@
             </p:extLst>
           </p:nvPr>
         </p:nvSpPr>
-        <p:spPr bwMode="ltGray">
-          <a:xfrm>
-            <a:off x="320040" y="4892040"/>
-            <a:ext cx="11548872" cy="1645920"/>
+        <p:spPr>
+          <a:xfrm flipV="1">
+            <a:off x="0" y="-478"/>
+            <a:ext cx="7859800" cy="6858478"/>
           </a:xfrm>
-          <a:prstGeom prst="rect">
+          <a:custGeom>
             <a:avLst/>
-          </a:prstGeom>
+            <a:gdLst>
+              <a:gd name="connsiteX0" fmla="*/ 7859800 w 7859800"/>
+              <a:gd name="connsiteY0" fmla="*/ 6858478 h 6858478"/>
+              <a:gd name="connsiteX1" fmla="*/ 435245 w 7859800"/>
+              <a:gd name="connsiteY1" fmla="*/ 6858478 h 6858478"/>
+              <a:gd name="connsiteX2" fmla="*/ 435505 w 7859800"/>
+              <a:gd name="connsiteY2" fmla="*/ 6857916 h 6858478"/>
+              <a:gd name="connsiteX3" fmla="*/ 0 w 7859800"/>
+              <a:gd name="connsiteY3" fmla="*/ 6857916 h 6858478"/>
+              <a:gd name="connsiteX4" fmla="*/ 0 w 7859800"/>
+              <a:gd name="connsiteY4" fmla="*/ 0 h 6858478"/>
+              <a:gd name="connsiteX5" fmla="*/ 3611620 w 7859800"/>
+              <a:gd name="connsiteY5" fmla="*/ 0 h 6858478"/>
+              <a:gd name="connsiteX6" fmla="*/ 4677848 w 7859800"/>
+              <a:gd name="connsiteY6" fmla="*/ 0 h 6858478"/>
+              <a:gd name="connsiteX7" fmla="*/ 4683425 w 7859800"/>
+              <a:gd name="connsiteY7" fmla="*/ 0 h 6858478"/>
+            </a:gdLst>
+            <a:ahLst/>
+            <a:cxnLst>
+              <a:cxn ang="0">
+                <a:pos x="connsiteX0" y="connsiteY0"/>
+              </a:cxn>
+              <a:cxn ang="0">
+                <a:pos x="connsiteX1" y="connsiteY1"/>
+              </a:cxn>
+              <a:cxn ang="0">
+                <a:pos x="connsiteX2" y="connsiteY2"/>
+              </a:cxn>
+              <a:cxn ang="0">
+                <a:pos x="connsiteX3" y="connsiteY3"/>
+              </a:cxn>
+              <a:cxn ang="0">
+                <a:pos x="connsiteX4" y="connsiteY4"/>
+              </a:cxn>
+              <a:cxn ang="0">
+                <a:pos x="connsiteX5" y="connsiteY5"/>
+              </a:cxn>
+              <a:cxn ang="0">
+                <a:pos x="connsiteX6" y="connsiteY6"/>
+              </a:cxn>
+              <a:cxn ang="0">
+                <a:pos x="connsiteX7" y="connsiteY7"/>
+              </a:cxn>
+            </a:cxnLst>
+            <a:rect l="l" t="t" r="r" b="b"/>
+            <a:pathLst>
+              <a:path w="7859800" h="6858478">
+                <a:moveTo>
+                  <a:pt x="7859800" y="6858478"/>
+                </a:moveTo>
+                <a:lnTo>
+                  <a:pt x="435245" y="6858478"/>
+                </a:lnTo>
+                <a:lnTo>
+                  <a:pt x="435505" y="6857916"/>
+                </a:lnTo>
+                <a:lnTo>
+                  <a:pt x="0" y="6857916"/>
+                </a:lnTo>
+                <a:lnTo>
+                  <a:pt x="0" y="0"/>
+                </a:lnTo>
+                <a:lnTo>
+                  <a:pt x="3611620" y="0"/>
+                </a:lnTo>
+                <a:lnTo>
+                  <a:pt x="4677848" y="0"/>
+                </a:lnTo>
+                <a:lnTo>
+                  <a:pt x="4683425" y="0"/>
+                </a:lnTo>
+                <a:close/>
+              </a:path>
+            </a:pathLst>
+          </a:custGeom>
           <a:solidFill>
-            <a:srgbClr val="262626"/>
+            <a:schemeClr val="bg1">
+              <a:lumMod val="85000"/>
+              <a:lumOff val="15000"/>
+              <a:alpha val="70000"/>
+            </a:schemeClr>
           </a:solidFill>
-          <a:ln w="127000" cap="sq" cmpd="thinThick">
+          <a:ln>
             <a:noFill/>
           </a:ln>
         </p:spPr>
@@ -14542,156 +13906,31 @@
           </a:fontRef>
         </p:style>
         <p:txBody>
-          <a:bodyPr rtlCol="0" anchor="ctr"/>
+          <a:bodyPr wrap="square" rtlCol="0" anchor="ctr">
+            <a:noAutofit/>
+          </a:bodyPr>
           <a:lstStyle/>
           <a:p>
-            <a:pPr marL="0" marR="0" lvl="0" indent="0" algn="ctr" defTabSz="914400" rtl="0" eaLnBrk="1" fontAlgn="auto" latinLnBrk="0" hangingPunct="1">
-              <a:lnSpc>
-                <a:spcPct val="100000"/>
-              </a:lnSpc>
-              <a:spcBef>
-                <a:spcPts val="0"/>
-              </a:spcBef>
-              <a:spcAft>
-                <a:spcPts val="0"/>
-              </a:spcAft>
-              <a:buClrTx/>
-              <a:buSzTx/>
-              <a:buFontTx/>
-              <a:buNone/>
-              <a:tabLst/>
-              <a:defRPr/>
-            </a:pPr>
-            <a:endParaRPr kumimoji="0" lang="en-US" sz="1800" b="0" i="0" u="none" strike="noStrike" kern="1200" cap="none" spc="0" normalizeH="0" baseline="0" noProof="0">
-              <a:ln>
-                <a:noFill/>
-              </a:ln>
-              <a:solidFill>
-                <a:prstClr val="white"/>
-              </a:solidFill>
-              <a:effectLst/>
-              <a:uLnTx/>
-              <a:uFillTx/>
-              <a:latin typeface="Calibri" panose="020F0502020204030204"/>
-              <a:ea typeface="+mn-ea"/>
-              <a:cs typeface="+mn-cs"/>
-            </a:endParaRPr>
+            <a:pPr algn="ctr"/>
+            <a:endParaRPr lang="en-US"/>
           </a:p>
         </p:txBody>
       </p:sp>
       <p:sp>
         <p:nvSpPr>
-          <p:cNvPr id="2" name="Titel 1">
+          <p:cNvPr id="38" name="Freeform: Shape 15">
             <a:extLst>
               <a:ext uri="{FF2B5EF4-FFF2-40B4-BE49-F238E27FC236}">
-                <a16:creationId xmlns:a16="http://schemas.microsoft.com/office/drawing/2014/main" id="{67FFA16C-E4EE-4CE3-9B85-40EA0A1DD2D6}"/>
-              </a:ext>
-            </a:extLst>
-          </p:cNvPr>
-          <p:cNvSpPr>
-            <a:spLocks noGrp="1"/>
-          </p:cNvSpPr>
-          <p:nvPr>
-            <p:ph type="title"/>
-          </p:nvPr>
-        </p:nvSpPr>
-        <p:spPr>
-          <a:xfrm>
-            <a:off x="718686" y="5091762"/>
-            <a:ext cx="7484787" cy="1264588"/>
-          </a:xfrm>
-        </p:spPr>
-        <p:txBody>
-          <a:bodyPr vert="horz" lIns="91440" tIns="45720" rIns="91440" bIns="45720" rtlCol="0" anchor="ctr">
-            <a:normAutofit/>
-          </a:bodyPr>
-          <a:lstStyle/>
-          <a:p>
-            <a:pPr algn="r"/>
-            <a:r>
-              <a:rPr lang="en-US" sz="4800" dirty="0" err="1">
-                <a:solidFill>
-                  <a:srgbClr val="FFFFFF"/>
-                </a:solidFill>
-              </a:rPr>
-              <a:t>Methode</a:t>
-            </a:r>
-            <a:r>
-              <a:rPr lang="en-US" sz="4800" dirty="0">
-                <a:solidFill>
-                  <a:srgbClr val="FFFFFF"/>
-                </a:solidFill>
-              </a:rPr>
-              <a:t> </a:t>
-            </a:r>
-            <a:r>
-              <a:rPr lang="en-US" sz="4800" dirty="0" err="1">
-                <a:solidFill>
-                  <a:srgbClr val="FFFFFF"/>
-                </a:solidFill>
-              </a:rPr>
-              <a:t>Zahlenprüfung</a:t>
-            </a:r>
-            <a:endParaRPr lang="en-US" sz="4800" dirty="0">
-              <a:solidFill>
-                <a:srgbClr val="FFFFFF"/>
-              </a:solidFill>
-            </a:endParaRPr>
-          </a:p>
-        </p:txBody>
-      </p:sp>
-      <p:pic>
-        <p:nvPicPr>
-          <p:cNvPr id="5" name="Inhaltsplatzhalter 4">
-            <a:extLst>
-              <a:ext uri="{FF2B5EF4-FFF2-40B4-BE49-F238E27FC236}">
-                <a16:creationId xmlns:a16="http://schemas.microsoft.com/office/drawing/2014/main" id="{6CCD75D6-13F9-425B-BDD3-656FAE83AA89}"/>
-              </a:ext>
-            </a:extLst>
-          </p:cNvPr>
-          <p:cNvPicPr>
-            <a:picLocks noGrp="1" noChangeAspect="1"/>
-          </p:cNvPicPr>
-          <p:nvPr>
-            <p:ph idx="1"/>
-          </p:nvPr>
-        </p:nvPicPr>
-        <p:blipFill>
-          <a:blip r:embed="rId2">
-            <a:extLst>
-              <a:ext uri="{28A0092B-C50C-407E-A947-70E740481C1C}">
-                <a14:useLocalDpi xmlns:a14="http://schemas.microsoft.com/office/drawing/2010/main" val="0"/>
-              </a:ext>
-            </a:extLst>
-          </a:blip>
-          <a:srcRect/>
-          <a:stretch/>
-        </p:blipFill>
-        <p:spPr>
-          <a:xfrm>
-            <a:off x="1072481" y="8246"/>
-            <a:ext cx="10043990" cy="4783933"/>
-          </a:xfrm>
-          <a:prstGeom prst="rect">
-            <a:avLst/>
-          </a:prstGeom>
-        </p:spPr>
-      </p:pic>
-      <p:cxnSp>
-        <p:nvCxnSpPr>
-          <p:cNvPr id="12" name="Straight Connector 11">
-            <a:extLst>
-              <a:ext uri="{FF2B5EF4-FFF2-40B4-BE49-F238E27FC236}">
-                <a16:creationId xmlns:a16="http://schemas.microsoft.com/office/drawing/2014/main" id="{E126E481-B945-4179-BD79-05E96E9B29E1}"/>
+                <a16:creationId xmlns:a16="http://schemas.microsoft.com/office/drawing/2014/main" id="{F605C4CC-A25C-416F-8333-7CB7DC97D870}"/>
               </a:ext>
               <a:ext uri="{C183D7F6-B498-43B3-948B-1728B52AA6E4}">
                 <adec:decorative xmlns:adec="http://schemas.microsoft.com/office/drawing/2017/decorative" val="1"/>
               </a:ext>
             </a:extLst>
           </p:cNvPr>
-          <p:cNvCxnSpPr>
-            <a:cxnSpLocks noGrp="1" noRot="1" noChangeAspect="1" noMove="1" noResize="1" noEditPoints="1" noAdjustHandles="1" noChangeArrowheads="1" noChangeShapeType="1"/>
-          </p:cNvCxnSpPr>
+          <p:cNvSpPr>
+            <a:spLocks noGrp="1" noRot="1" noChangeAspect="1" noMove="1" noResize="1" noEditPoints="1" noAdjustHandles="1" noChangeArrowheads="1" noChangeShapeType="1" noTextEdit="1"/>
+          </p:cNvSpPr>
           <p:nvPr>
             <p:extLst>
               <p:ext uri="{386F3935-93C4-4BCD-93E2-E3B085C9AB24}">
@@ -14699,61 +13938,99 @@
               </p:ext>
             </p:extLst>
           </p:nvPr>
-        </p:nvCxnSpPr>
+        </p:nvSpPr>
         <p:spPr>
           <a:xfrm flipV="1">
-            <a:off x="8386843" y="5264106"/>
-            <a:ext cx="0" cy="914400"/>
+            <a:off x="0" y="-478"/>
+            <a:ext cx="7431174" cy="6858478"/>
           </a:xfrm>
-          <a:prstGeom prst="line">
+          <a:custGeom>
             <a:avLst/>
-          </a:prstGeom>
-          <a:ln w="19050">
-            <a:solidFill>
-              <a:srgbClr val="FFFFFF">
-                <a:alpha val="80000"/>
-              </a:srgbClr>
-            </a:solidFill>
+            <a:gdLst>
+              <a:gd name="connsiteX0" fmla="*/ 7431174 w 7431174"/>
+              <a:gd name="connsiteY0" fmla="*/ 6858478 h 6858478"/>
+              <a:gd name="connsiteX1" fmla="*/ 6619 w 7431174"/>
+              <a:gd name="connsiteY1" fmla="*/ 6858478 h 6858478"/>
+              <a:gd name="connsiteX2" fmla="*/ 6879 w 7431174"/>
+              <a:gd name="connsiteY2" fmla="*/ 6857916 h 6858478"/>
+              <a:gd name="connsiteX3" fmla="*/ 0 w 7431174"/>
+              <a:gd name="connsiteY3" fmla="*/ 6857916 h 6858478"/>
+              <a:gd name="connsiteX4" fmla="*/ 0 w 7431174"/>
+              <a:gd name="connsiteY4" fmla="*/ 0 h 6858478"/>
+              <a:gd name="connsiteX5" fmla="*/ 3182994 w 7431174"/>
+              <a:gd name="connsiteY5" fmla="*/ 0 h 6858478"/>
+              <a:gd name="connsiteX6" fmla="*/ 4249222 w 7431174"/>
+              <a:gd name="connsiteY6" fmla="*/ 0 h 6858478"/>
+              <a:gd name="connsiteX7" fmla="*/ 4254799 w 7431174"/>
+              <a:gd name="connsiteY7" fmla="*/ 0 h 6858478"/>
+            </a:gdLst>
+            <a:ahLst/>
+            <a:cxnLst>
+              <a:cxn ang="0">
+                <a:pos x="connsiteX0" y="connsiteY0"/>
+              </a:cxn>
+              <a:cxn ang="0">
+                <a:pos x="connsiteX1" y="connsiteY1"/>
+              </a:cxn>
+              <a:cxn ang="0">
+                <a:pos x="connsiteX2" y="connsiteY2"/>
+              </a:cxn>
+              <a:cxn ang="0">
+                <a:pos x="connsiteX3" y="connsiteY3"/>
+              </a:cxn>
+              <a:cxn ang="0">
+                <a:pos x="connsiteX4" y="connsiteY4"/>
+              </a:cxn>
+              <a:cxn ang="0">
+                <a:pos x="connsiteX5" y="connsiteY5"/>
+              </a:cxn>
+              <a:cxn ang="0">
+                <a:pos x="connsiteX6" y="connsiteY6"/>
+              </a:cxn>
+              <a:cxn ang="0">
+                <a:pos x="connsiteX7" y="connsiteY7"/>
+              </a:cxn>
+            </a:cxnLst>
+            <a:rect l="l" t="t" r="r" b="b"/>
+            <a:pathLst>
+              <a:path w="7431174" h="6858478">
+                <a:moveTo>
+                  <a:pt x="7431174" y="6858478"/>
+                </a:moveTo>
+                <a:lnTo>
+                  <a:pt x="6619" y="6858478"/>
+                </a:lnTo>
+                <a:lnTo>
+                  <a:pt x="6879" y="6857916"/>
+                </a:lnTo>
+                <a:lnTo>
+                  <a:pt x="0" y="6857916"/>
+                </a:lnTo>
+                <a:lnTo>
+                  <a:pt x="0" y="0"/>
+                </a:lnTo>
+                <a:lnTo>
+                  <a:pt x="3182994" y="0"/>
+                </a:lnTo>
+                <a:lnTo>
+                  <a:pt x="4249222" y="0"/>
+                </a:lnTo>
+                <a:lnTo>
+                  <a:pt x="4254799" y="0"/>
+                </a:lnTo>
+                <a:close/>
+              </a:path>
+            </a:pathLst>
+          </a:custGeom>
+          <a:solidFill>
+            <a:schemeClr val="bg1">
+              <a:lumMod val="85000"/>
+              <a:lumOff val="15000"/>
+            </a:schemeClr>
+          </a:solidFill>
+          <a:ln>
+            <a:noFill/>
           </a:ln>
-        </p:spPr>
-        <p:style>
-          <a:lnRef idx="1">
-            <a:schemeClr val="accent1"/>
-          </a:lnRef>
-          <a:fillRef idx="0">
-            <a:schemeClr val="accent1"/>
-          </a:fillRef>
-          <a:effectRef idx="0">
-            <a:schemeClr val="accent1"/>
-          </a:effectRef>
-          <a:fontRef idx="minor">
-            <a:schemeClr val="tx1"/>
-          </a:fontRef>
-        </p:style>
-      </p:cxnSp>
-      <p:sp>
-        <p:nvSpPr>
-          <p:cNvPr id="7" name="Rechteck 6">
-            <a:extLst>
-              <a:ext uri="{FF2B5EF4-FFF2-40B4-BE49-F238E27FC236}">
-                <a16:creationId xmlns:a16="http://schemas.microsoft.com/office/drawing/2014/main" id="{65D0A68D-45CD-44A5-827E-94F6E901860F}"/>
-              </a:ext>
-            </a:extLst>
-          </p:cNvPr>
-          <p:cNvSpPr/>
-          <p:nvPr/>
-        </p:nvSpPr>
-        <p:spPr>
-          <a:xfrm>
-            <a:off x="6586708" y="3181044"/>
-            <a:ext cx="3697356" cy="914400"/>
-          </a:xfrm>
-          <a:prstGeom prst="rect">
-            <a:avLst/>
-          </a:prstGeom>
-          <a:solidFill>
-            <a:schemeClr val="bg1"/>
-          </a:solidFill>
         </p:spPr>
         <p:style>
           <a:lnRef idx="2">
@@ -14772,83 +14049,47 @@
           </a:fontRef>
         </p:style>
         <p:txBody>
-          <a:bodyPr rtlCol="0" anchor="ctr"/>
+          <a:bodyPr wrap="square" rtlCol="0" anchor="ctr">
+            <a:noAutofit/>
+          </a:bodyPr>
           <a:lstStyle/>
           <a:p>
             <a:pPr algn="ctr"/>
-            <a:endParaRPr lang="de-DE"/>
+            <a:endParaRPr lang="en-US"/>
           </a:p>
         </p:txBody>
       </p:sp>
       <p:sp>
         <p:nvSpPr>
-          <p:cNvPr id="6" name="Textfeld 5">
+          <p:cNvPr id="2" name="Titel 1">
             <a:extLst>
               <a:ext uri="{FF2B5EF4-FFF2-40B4-BE49-F238E27FC236}">
-                <a16:creationId xmlns:a16="http://schemas.microsoft.com/office/drawing/2014/main" id="{9ED77913-0DAF-461E-98DD-907C577914EE}"/>
+                <a16:creationId xmlns:a16="http://schemas.microsoft.com/office/drawing/2014/main" id="{6E452BB7-A293-46B9-BE03-70D3C42B1ADF}"/>
               </a:ext>
             </a:extLst>
           </p:cNvPr>
-          <p:cNvSpPr txBox="1"/>
-          <p:nvPr/>
+          <p:cNvSpPr>
+            <a:spLocks noGrp="1"/>
+          </p:cNvSpPr>
+          <p:nvPr>
+            <p:ph type="title"/>
+          </p:nvPr>
         </p:nvSpPr>
         <p:spPr>
           <a:xfrm>
-            <a:off x="6586708" y="3305675"/>
-            <a:ext cx="3697356" cy="646331"/>
+            <a:off x="352239" y="2275171"/>
+            <a:ext cx="5662864" cy="1325563"/>
           </a:xfrm>
-          <a:prstGeom prst="rect">
-            <a:avLst/>
-          </a:prstGeom>
-          <a:noFill/>
         </p:spPr>
         <p:txBody>
-          <a:bodyPr wrap="square" rtlCol="0">
-            <a:spAutoFit/>
+          <a:bodyPr>
+            <a:normAutofit/>
           </a:bodyPr>
           <a:lstStyle/>
           <a:p>
             <a:r>
-              <a:rPr lang="de-DE" b="1" dirty="0"/>
-              <a:t>Prüfen ob die Eingabe dem richtigen Format entspricht</a:t>
-            </a:r>
-          </a:p>
-        </p:txBody>
-      </p:sp>
-      <p:sp>
-        <p:nvSpPr>
-          <p:cNvPr id="3" name="Rechteck 2">
-            <a:extLst>
-              <a:ext uri="{FF2B5EF4-FFF2-40B4-BE49-F238E27FC236}">
-                <a16:creationId xmlns:a16="http://schemas.microsoft.com/office/drawing/2014/main" id="{8C693118-CC83-49FC-862D-8CE262E66FFA}"/>
-              </a:ext>
-            </a:extLst>
-          </p:cNvPr>
-          <p:cNvSpPr/>
-          <p:nvPr/>
-        </p:nvSpPr>
-        <p:spPr>
-          <a:xfrm>
-            <a:off x="10814785" y="135374"/>
-            <a:ext cx="301686" cy="369332"/>
-          </a:xfrm>
-          <a:prstGeom prst="rect">
-            <a:avLst/>
-          </a:prstGeom>
-        </p:spPr>
-        <p:txBody>
-          <a:bodyPr wrap="none">
-            <a:spAutoFit/>
-          </a:bodyPr>
-          <a:lstStyle/>
-          <a:p>
-            <a:r>
-              <a:rPr lang="de-DE" dirty="0">
-                <a:solidFill>
-                  <a:schemeClr val="bg1"/>
-                </a:solidFill>
-              </a:rPr>
-              <a:t>0</a:t>
+              <a:rPr lang="de-DE" dirty="0"/>
+              <a:t>Verzahnungsgeometrie</a:t>
             </a:r>
           </a:p>
         </p:txBody>
@@ -14856,138 +14097,13 @@
     </p:spTree>
     <p:extLst>
       <p:ext uri="{BB962C8B-B14F-4D97-AF65-F5344CB8AC3E}">
-        <p14:creationId xmlns:p14="http://schemas.microsoft.com/office/powerpoint/2010/main" val="2188646805"/>
+        <p14:creationId xmlns:p14="http://schemas.microsoft.com/office/powerpoint/2010/main" val="3253895890"/>
       </p:ext>
     </p:extLst>
   </p:cSld>
   <p:clrMapOvr>
-    <a:overrideClrMapping bg1="lt1" tx1="dk1" bg2="lt2" tx2="dk2" accent1="accent1" accent2="accent2" accent3="accent3" accent4="accent4" accent5="accent5" accent6="accent6" hlink="hlink" folHlink="folHlink"/>
+    <a:overrideClrMapping bg1="dk1" tx1="lt1" bg2="dk2" tx2="lt2" accent1="accent1" accent2="accent2" accent3="accent3" accent4="accent4" accent5="accent5" accent6="accent6" hlink="hlink" folHlink="folHlink"/>
   </p:clrMapOvr>
-  <p:timing>
-    <p:tnLst>
-      <p:par>
-        <p:cTn id="1" dur="indefinite" restart="never" nodeType="tmRoot">
-          <p:childTnLst>
-            <p:seq concurrent="1" nextAc="seek">
-              <p:cTn id="2" dur="indefinite" nodeType="mainSeq">
-                <p:childTnLst>
-                  <p:par>
-                    <p:cTn id="3" fill="hold">
-                      <p:stCondLst>
-                        <p:cond delay="indefinite"/>
-                        <p:cond evt="onBegin" delay="0">
-                          <p:tn val="2"/>
-                        </p:cond>
-                      </p:stCondLst>
-                      <p:childTnLst>
-                        <p:par>
-                          <p:cTn id="4" fill="hold">
-                            <p:stCondLst>
-                              <p:cond delay="0"/>
-                            </p:stCondLst>
-                            <p:childTnLst>
-                              <p:par>
-                                <p:cTn id="5" presetID="10" presetClass="entr" presetSubtype="0" fill="hold" grpId="0" nodeType="afterEffect">
-                                  <p:stCondLst>
-                                    <p:cond delay="1300"/>
-                                  </p:stCondLst>
-                                  <p:childTnLst>
-                                    <p:set>
-                                      <p:cBhvr>
-                                        <p:cTn id="6" dur="1" fill="hold">
-                                          <p:stCondLst>
-                                            <p:cond delay="0"/>
-                                          </p:stCondLst>
-                                        </p:cTn>
-                                        <p:tgtEl>
-                                          <p:spTgt spid="7"/>
-                                        </p:tgtEl>
-                                        <p:attrNameLst>
-                                          <p:attrName>style.visibility</p:attrName>
-                                        </p:attrNameLst>
-                                      </p:cBhvr>
-                                      <p:to>
-                                        <p:strVal val="visible"/>
-                                      </p:to>
-                                    </p:set>
-                                    <p:animEffect transition="in" filter="fade">
-                                      <p:cBhvr>
-                                        <p:cTn id="7" dur="500"/>
-                                        <p:tgtEl>
-                                          <p:spTgt spid="7"/>
-                                        </p:tgtEl>
-                                      </p:cBhvr>
-                                    </p:animEffect>
-                                  </p:childTnLst>
-                                </p:cTn>
-                              </p:par>
-                              <p:par>
-                                <p:cTn id="8" presetID="10" presetClass="entr" presetSubtype="0" fill="hold" grpId="0" nodeType="withEffect">
-                                  <p:stCondLst>
-                                    <p:cond delay="1300"/>
-                                  </p:stCondLst>
-                                  <p:childTnLst>
-                                    <p:set>
-                                      <p:cBhvr>
-                                        <p:cTn id="9" dur="1" fill="hold">
-                                          <p:stCondLst>
-                                            <p:cond delay="0"/>
-                                          </p:stCondLst>
-                                        </p:cTn>
-                                        <p:tgtEl>
-                                          <p:spTgt spid="6"/>
-                                        </p:tgtEl>
-                                        <p:attrNameLst>
-                                          <p:attrName>style.visibility</p:attrName>
-                                        </p:attrNameLst>
-                                      </p:cBhvr>
-                                      <p:to>
-                                        <p:strVal val="visible"/>
-                                      </p:to>
-                                    </p:set>
-                                    <p:animEffect transition="in" filter="fade">
-                                      <p:cBhvr>
-                                        <p:cTn id="10" dur="500"/>
-                                        <p:tgtEl>
-                                          <p:spTgt spid="6"/>
-                                        </p:tgtEl>
-                                      </p:cBhvr>
-                                    </p:animEffect>
-                                  </p:childTnLst>
-                                </p:cTn>
-                              </p:par>
-                            </p:childTnLst>
-                          </p:cTn>
-                        </p:par>
-                      </p:childTnLst>
-                    </p:cTn>
-                  </p:par>
-                </p:childTnLst>
-              </p:cTn>
-              <p:prevCondLst>
-                <p:cond evt="onPrev" delay="0">
-                  <p:tgtEl>
-                    <p:sldTgt/>
-                  </p:tgtEl>
-                </p:cond>
-              </p:prevCondLst>
-              <p:nextCondLst>
-                <p:cond evt="onNext" delay="0">
-                  <p:tgtEl>
-                    <p:sldTgt/>
-                  </p:tgtEl>
-                </p:cond>
-              </p:nextCondLst>
-            </p:seq>
-          </p:childTnLst>
-        </p:cTn>
-      </p:par>
-    </p:tnLst>
-    <p:bldLst>
-      <p:bldP spid="7" grpId="0" animBg="1"/>
-      <p:bldP spid="6" grpId="0"/>
-    </p:bldLst>
-  </p:timing>
 </p:sld>
 </file>
 
@@ -15293,15 +14409,6 @@
 </file>
 
 <file path=customXml/item2.xml><?xml version="1.0" encoding="utf-8"?>
-<?mso-contentType ?>
-<FormTemplates xmlns="http://schemas.microsoft.com/sharepoint/v3/contenttype/forms">
-  <Display>DocumentLibraryForm</Display>
-  <Edit>DocumentLibraryForm</Edit>
-  <New>DocumentLibraryForm</New>
-</FormTemplates>
-</file>
-
-<file path=customXml/item3.xml><?xml version="1.0" encoding="utf-8"?>
 <ct:contentTypeSchema xmlns:ct="http://schemas.microsoft.com/office/2006/metadata/contentType" xmlns:ma="http://schemas.microsoft.com/office/2006/metadata/properties/metaAttributes" ct:_="" ma:_="" ma:contentTypeName="Dokument" ma:contentTypeID="0x010100E0E604A83750BD41B33C919C81FDCE48" ma:contentTypeVersion="10" ma:contentTypeDescription="Ein neues Dokument erstellen." ma:contentTypeScope="" ma:versionID="a2b81c5eebc7227e20d88cb3ac751de1">
   <xsd:schema xmlns:xsd="http://www.w3.org/2001/XMLSchema" xmlns:xs="http://www.w3.org/2001/XMLSchema" xmlns:p="http://schemas.microsoft.com/office/2006/metadata/properties" xmlns:ns3="4a1d76ed-6e6f-4e86-8acb-4c46bfe047e7" targetNamespace="http://schemas.microsoft.com/office/2006/metadata/properties" ma:root="true" ma:fieldsID="519afdd3a32b2ca8f46d636d846142d4" ns3:_="">
     <xsd:import namespace="4a1d76ed-6e6f-4e86-8acb-4c46bfe047e7"/>
@@ -15485,6 +14592,15 @@
 </ct:contentTypeSchema>
 </file>
 
+<file path=customXml/item3.xml><?xml version="1.0" encoding="utf-8"?>
+<?mso-contentType ?>
+<FormTemplates xmlns="http://schemas.microsoft.com/sharepoint/v3/contenttype/forms">
+  <Display>DocumentLibraryForm</Display>
+  <Edit>DocumentLibraryForm</Edit>
+  <New>DocumentLibraryForm</New>
+</FormTemplates>
+</file>
+
 <file path=customXml/itemProps1.xml><?xml version="1.0" encoding="utf-8"?>
 <ds:datastoreItem xmlns:ds="http://schemas.openxmlformats.org/officeDocument/2006/customXml" ds:itemID="{CF4596F8-0375-4C1F-BD89-D3268C3F41DB}">
   <ds:schemaRefs>
@@ -15495,14 +14611,6 @@
 </file>
 
 <file path=customXml/itemProps2.xml><?xml version="1.0" encoding="utf-8"?>
-<ds:datastoreItem xmlns:ds="http://schemas.openxmlformats.org/officeDocument/2006/customXml" ds:itemID="{F71E62A8-13F2-4124-9FF6-4ACC69361BD4}">
-  <ds:schemaRefs>
-    <ds:schemaRef ds:uri="http://schemas.microsoft.com/sharepoint/v3/contenttype/forms"/>
-  </ds:schemaRefs>
-</ds:datastoreItem>
-</file>
-
-<file path=customXml/itemProps3.xml><?xml version="1.0" encoding="utf-8"?>
 <ds:datastoreItem xmlns:ds="http://schemas.openxmlformats.org/officeDocument/2006/customXml" ds:itemID="{E5B203D6-C497-4C80-8637-7C15E4638DFB}">
   <ds:schemaRefs>
     <ds:schemaRef ds:uri="http://schemas.microsoft.com/office/2006/metadata/contentType"/>
@@ -15518,4 +14626,12 @@
     <ds:schemaRef ds:uri="http://schemas.microsoft.com/internal/obd"/>
   </ds:schemaRefs>
 </ds:datastoreItem>
+</file>
+
+<file path=customXml/itemProps3.xml><?xml version="1.0" encoding="utf-8"?>
+<ds:datastoreItem xmlns:ds="http://schemas.openxmlformats.org/officeDocument/2006/customXml" ds:itemID="{F71E62A8-13F2-4124-9FF6-4ACC69361BD4}">
+  <ds:schemaRefs>
+    <ds:schemaRef ds:uri="http://schemas.microsoft.com/sharepoint/v3/contenttype/forms"/>
+  </ds:schemaRefs>
+</ds:datastoreItem>
 </file>
--- a/Zahnraddimensionierungsprogramm.GruppeJ/PowerPoint Präsentation Sprint 2/Sprint 2.pptx
+++ b/Zahnraddimensionierungsprogramm.GruppeJ/PowerPoint Präsentation Sprint 2/Sprint 2.pptx
@@ -1940,7 +1940,7 @@
         <a:p>
           <a:r>
             <a:rPr lang="de-DE" dirty="0"/>
-            <a:t>Direkte Betreuung des schwächsten Gruppenmitgliedes </a:t>
+            <a:t>Direkte Zusammenarbeit über Videochat</a:t>
           </a:r>
         </a:p>
       </dgm:t>
@@ -3214,7 +3214,7 @@
           </a:pPr>
           <a:r>
             <a:rPr lang="de-DE" sz="1800" kern="1200" dirty="0"/>
-            <a:t>Direkte Betreuung des schwächsten Gruppenmitgliedes </a:t>
+            <a:t>Direkte Zusammenarbeit über Videochat</a:t>
           </a:r>
         </a:p>
       </dsp:txBody>
@@ -12399,7 +12399,7 @@
           <p:nvPr>
             <p:extLst>
               <p:ext uri="{D42A27DB-BD31-4B8C-83A1-F6EECF244321}">
-                <p14:modId xmlns:p14="http://schemas.microsoft.com/office/powerpoint/2010/main" val="3102605590"/>
+                <p14:modId xmlns:p14="http://schemas.microsoft.com/office/powerpoint/2010/main" val="2187703243"/>
               </p:ext>
             </p:extLst>
           </p:nvPr>

--- a/Zahnraddimensionierungsprogramm.GruppeJ/PowerPoint Präsentation Sprint 2/Sprint 2.pptx
+++ b/Zahnraddimensionierungsprogramm.GruppeJ/PowerPoint Präsentation Sprint 2/Sprint 2.pptx
@@ -1828,7 +1828,7 @@
         <a:p>
           <a:r>
             <a:rPr lang="de-DE" dirty="0"/>
-            <a:t>Fehler Sprint 1</a:t>
+            <a:t>Verbesserungspotenzial Sprint 1</a:t>
           </a:r>
           <a:br>
             <a:rPr lang="de-DE" dirty="0"/>
@@ -1886,7 +1886,7 @@
         <a:p>
           <a:r>
             <a:rPr lang="de-DE" dirty="0"/>
-            <a:t>Fehler Sprint 2</a:t>
+            <a:t>Verbesserungspotenzial Sprint 2</a:t>
           </a:r>
         </a:p>
         <a:p>
@@ -1895,7 +1895,7 @@
         <a:p>
           <a:r>
             <a:rPr lang="de-DE" dirty="0"/>
-            <a:t>-Fehlende Teamarbeit</a:t>
+            <a:t>-Optimierbare Teamarbeit</a:t>
           </a:r>
         </a:p>
       </dgm:t>
@@ -2569,8 +2569,8 @@
       </dsp:nvSpPr>
       <dsp:spPr>
         <a:xfrm>
-          <a:off x="7143" y="1288099"/>
-          <a:ext cx="2135187" cy="2842468"/>
+          <a:off x="7143" y="1498281"/>
+          <a:ext cx="2135187" cy="2422103"/>
         </a:xfrm>
         <a:prstGeom prst="roundRect">
           <a:avLst>
@@ -2645,12 +2645,12 @@
         </a:fontRef>
       </dsp:style>
       <dsp:txBody>
-        <a:bodyPr spcFirstLastPara="0" vert="horz" wrap="square" lIns="68580" tIns="68580" rIns="68580" bIns="68580" numCol="1" spcCol="1270" anchor="ctr" anchorCtr="0">
+        <a:bodyPr spcFirstLastPara="0" vert="horz" wrap="square" lIns="57150" tIns="57150" rIns="57150" bIns="57150" numCol="1" spcCol="1270" anchor="ctr" anchorCtr="0">
           <a:noAutofit/>
         </a:bodyPr>
         <a:lstStyle/>
         <a:p>
-          <a:pPr marL="0" lvl="0" indent="0" algn="ctr" defTabSz="800100">
+          <a:pPr marL="0" lvl="0" indent="0" algn="ctr" defTabSz="666750">
             <a:lnSpc>
               <a:spcPct val="90000"/>
             </a:lnSpc>
@@ -2663,16 +2663,16 @@
             <a:buNone/>
           </a:pPr>
           <a:r>
-            <a:rPr lang="de-DE" sz="1800" kern="1200" dirty="0"/>
-            <a:t>Fehler Sprint 1</a:t>
+            <a:rPr lang="de-DE" sz="1500" kern="1200" dirty="0"/>
+            <a:t>Verbesserungspotenzial Sprint 1</a:t>
           </a:r>
           <a:br>
-            <a:rPr lang="de-DE" sz="1800" kern="1200" dirty="0"/>
+            <a:rPr lang="de-DE" sz="1500" kern="1200" dirty="0"/>
           </a:br>
-          <a:endParaRPr lang="de-DE" sz="1800" kern="1200" dirty="0"/>
+          <a:endParaRPr lang="de-DE" sz="1500" kern="1200" dirty="0"/>
         </a:p>
         <a:p>
-          <a:pPr marL="0" lvl="0" indent="0" algn="ctr" defTabSz="800100">
+          <a:pPr marL="0" lvl="0" indent="0" algn="ctr" defTabSz="666750">
             <a:lnSpc>
               <a:spcPct val="90000"/>
             </a:lnSpc>
@@ -2685,12 +2685,12 @@
             <a:buNone/>
           </a:pPr>
           <a:r>
-            <a:rPr lang="de-DE" sz="1800" kern="1200" dirty="0"/>
+            <a:rPr lang="de-DE" sz="1500" kern="1200" dirty="0"/>
             <a:t>- Programm beendet sich automatisch</a:t>
           </a:r>
         </a:p>
         <a:p>
-          <a:pPr marL="0" lvl="0" indent="0" algn="ctr" defTabSz="800100">
+          <a:pPr marL="0" lvl="0" indent="0" algn="ctr" defTabSz="666750">
             <a:lnSpc>
               <a:spcPct val="90000"/>
             </a:lnSpc>
@@ -2703,12 +2703,12 @@
             <a:buNone/>
           </a:pPr>
           <a:r>
-            <a:rPr lang="de-DE" sz="1800" kern="1200" dirty="0"/>
+            <a:rPr lang="de-DE" sz="1500" kern="1200" dirty="0"/>
             <a:t>- Keine Möglichkeit für Fehlerkorrektur </a:t>
           </a:r>
         </a:p>
         <a:p>
-          <a:pPr marL="0" lvl="0" indent="0" algn="ctr" defTabSz="800100">
+          <a:pPr marL="0" lvl="0" indent="0" algn="ctr" defTabSz="666750">
             <a:lnSpc>
               <a:spcPct val="90000"/>
             </a:lnSpc>
@@ -2721,14 +2721,14 @@
             <a:buNone/>
           </a:pPr>
           <a:r>
-            <a:rPr lang="de-DE" sz="1800" kern="1200" dirty="0"/>
+            <a:rPr lang="de-DE" sz="1500" kern="1200" dirty="0"/>
             <a:t>- Wenig Zusatzfunktionen</a:t>
           </a:r>
         </a:p>
       </dsp:txBody>
       <dsp:txXfrm>
-        <a:off x="69680" y="1350636"/>
-        <a:ext cx="2010113" cy="2717394"/>
+        <a:off x="69680" y="1560818"/>
+        <a:ext cx="2010113" cy="2297029"/>
       </dsp:txXfrm>
     </dsp:sp>
     <dsp:sp modelId="{96F3EB98-06E7-4C41-AC7C-C511BD7FF12D}">
@@ -2813,7 +2813,7 @@
         </a:bodyPr>
         <a:lstStyle/>
         <a:p>
-          <a:pPr marL="0" lvl="0" indent="0" algn="ctr" defTabSz="622300">
+          <a:pPr marL="0" lvl="0" indent="0" algn="ctr" defTabSz="533400">
             <a:lnSpc>
               <a:spcPct val="90000"/>
             </a:lnSpc>
@@ -2825,7 +2825,7 @@
             </a:spcAft>
             <a:buNone/>
           </a:pPr>
-          <a:endParaRPr lang="de-DE" sz="1400" kern="1200"/>
+          <a:endParaRPr lang="de-DE" sz="1200" kern="1200"/>
         </a:p>
       </dsp:txBody>
       <dsp:txXfrm>
@@ -2840,8 +2840,8 @@
       </dsp:nvSpPr>
       <dsp:spPr>
         <a:xfrm>
-          <a:off x="2996406" y="1288099"/>
-          <a:ext cx="2135187" cy="2842468"/>
+          <a:off x="2996406" y="1498281"/>
+          <a:ext cx="2135187" cy="2422103"/>
         </a:xfrm>
         <a:prstGeom prst="roundRect">
           <a:avLst>
@@ -2916,12 +2916,12 @@
         </a:fontRef>
       </dsp:style>
       <dsp:txBody>
-        <a:bodyPr spcFirstLastPara="0" vert="horz" wrap="square" lIns="68580" tIns="68580" rIns="68580" bIns="68580" numCol="1" spcCol="1270" anchor="ctr" anchorCtr="0">
+        <a:bodyPr spcFirstLastPara="0" vert="horz" wrap="square" lIns="57150" tIns="57150" rIns="57150" bIns="57150" numCol="1" spcCol="1270" anchor="ctr" anchorCtr="0">
           <a:noAutofit/>
         </a:bodyPr>
         <a:lstStyle/>
         <a:p>
-          <a:pPr marL="0" lvl="0" indent="0" algn="ctr" defTabSz="800100">
+          <a:pPr marL="0" lvl="0" indent="0" algn="ctr" defTabSz="666750">
             <a:lnSpc>
               <a:spcPct val="90000"/>
             </a:lnSpc>
@@ -2934,12 +2934,12 @@
             <a:buNone/>
           </a:pPr>
           <a:r>
-            <a:rPr lang="de-DE" sz="1800" kern="1200" dirty="0"/>
-            <a:t>Fehler Sprint 2</a:t>
+            <a:rPr lang="de-DE" sz="1500" kern="1200" dirty="0"/>
+            <a:t>Verbesserungspotenzial Sprint 2</a:t>
           </a:r>
         </a:p>
         <a:p>
-          <a:pPr marL="0" lvl="0" indent="0" algn="ctr" defTabSz="800100">
+          <a:pPr marL="0" lvl="0" indent="0" algn="ctr" defTabSz="666750">
             <a:lnSpc>
               <a:spcPct val="90000"/>
             </a:lnSpc>
@@ -2951,10 +2951,10 @@
             </a:spcAft>
             <a:buNone/>
           </a:pPr>
-          <a:endParaRPr lang="de-DE" sz="1800" kern="1200" dirty="0"/>
+          <a:endParaRPr lang="de-DE" sz="1500" kern="1200" dirty="0"/>
         </a:p>
         <a:p>
-          <a:pPr marL="0" lvl="0" indent="0" algn="ctr" defTabSz="800100">
+          <a:pPr marL="0" lvl="0" indent="0" algn="ctr" defTabSz="666750">
             <a:lnSpc>
               <a:spcPct val="90000"/>
             </a:lnSpc>
@@ -2967,14 +2967,14 @@
             <a:buNone/>
           </a:pPr>
           <a:r>
-            <a:rPr lang="de-DE" sz="1800" kern="1200" dirty="0"/>
-            <a:t>-Fehlende Teamarbeit</a:t>
+            <a:rPr lang="de-DE" sz="1500" kern="1200" dirty="0"/>
+            <a:t>-Optimierbare Teamarbeit</a:t>
           </a:r>
         </a:p>
       </dsp:txBody>
       <dsp:txXfrm>
-        <a:off x="3058943" y="1350636"/>
-        <a:ext cx="2010113" cy="2717394"/>
+        <a:off x="3058943" y="1560818"/>
+        <a:ext cx="2010113" cy="2297029"/>
       </dsp:txXfrm>
     </dsp:sp>
     <dsp:sp modelId="{85443B90-AB1F-4B99-B628-A2E3EC02A784}">
@@ -3059,7 +3059,7 @@
         </a:bodyPr>
         <a:lstStyle/>
         <a:p>
-          <a:pPr marL="0" lvl="0" indent="0" algn="ctr" defTabSz="622300">
+          <a:pPr marL="0" lvl="0" indent="0" algn="ctr" defTabSz="533400">
             <a:lnSpc>
               <a:spcPct val="90000"/>
             </a:lnSpc>
@@ -3071,7 +3071,7 @@
             </a:spcAft>
             <a:buNone/>
           </a:pPr>
-          <a:endParaRPr lang="de-DE" sz="1400" kern="1200"/>
+          <a:endParaRPr lang="de-DE" sz="1200" kern="1200"/>
         </a:p>
       </dsp:txBody>
       <dsp:txXfrm>
@@ -3086,8 +3086,8 @@
       </dsp:nvSpPr>
       <dsp:spPr>
         <a:xfrm>
-          <a:off x="5985668" y="1288099"/>
-          <a:ext cx="2135187" cy="2842468"/>
+          <a:off x="5985668" y="1498281"/>
+          <a:ext cx="2135187" cy="2422103"/>
         </a:xfrm>
         <a:prstGeom prst="roundRect">
           <a:avLst>
@@ -3162,12 +3162,12 @@
         </a:fontRef>
       </dsp:style>
       <dsp:txBody>
-        <a:bodyPr spcFirstLastPara="0" vert="horz" wrap="square" lIns="68580" tIns="68580" rIns="68580" bIns="68580" numCol="1" spcCol="1270" anchor="ctr" anchorCtr="0">
+        <a:bodyPr spcFirstLastPara="0" vert="horz" wrap="square" lIns="57150" tIns="57150" rIns="57150" bIns="57150" numCol="1" spcCol="1270" anchor="ctr" anchorCtr="0">
           <a:noAutofit/>
         </a:bodyPr>
         <a:lstStyle/>
         <a:p>
-          <a:pPr marL="0" lvl="0" indent="0" algn="ctr" defTabSz="800100">
+          <a:pPr marL="0" lvl="0" indent="0" algn="ctr" defTabSz="666750">
             <a:lnSpc>
               <a:spcPct val="90000"/>
             </a:lnSpc>
@@ -3180,12 +3180,12 @@
             <a:buNone/>
           </a:pPr>
           <a:r>
-            <a:rPr lang="de-DE" sz="1800" kern="1200" dirty="0"/>
+            <a:rPr lang="de-DE" sz="1500" kern="1200" dirty="0"/>
             <a:t>Lösungsvorschlag</a:t>
           </a:r>
         </a:p>
         <a:p>
-          <a:pPr marL="0" lvl="0" indent="0" algn="ctr" defTabSz="800100">
+          <a:pPr marL="0" lvl="0" indent="0" algn="ctr" defTabSz="666750">
             <a:lnSpc>
               <a:spcPct val="90000"/>
             </a:lnSpc>
@@ -3197,10 +3197,10 @@
             </a:spcAft>
             <a:buNone/>
           </a:pPr>
-          <a:endParaRPr lang="de-DE" sz="1800" kern="1200" dirty="0"/>
+          <a:endParaRPr lang="de-DE" sz="1500" kern="1200" dirty="0"/>
         </a:p>
         <a:p>
-          <a:pPr marL="0" lvl="0" indent="0" algn="ctr" defTabSz="800100">
+          <a:pPr marL="0" lvl="0" indent="0" algn="ctr" defTabSz="666750">
             <a:lnSpc>
               <a:spcPct val="90000"/>
             </a:lnSpc>
@@ -3213,14 +3213,14 @@
             <a:buNone/>
           </a:pPr>
           <a:r>
-            <a:rPr lang="de-DE" sz="1800" kern="1200" dirty="0"/>
+            <a:rPr lang="de-DE" sz="1500" kern="1200" dirty="0"/>
             <a:t>Direkte Zusammenarbeit über Videochat</a:t>
           </a:r>
         </a:p>
       </dsp:txBody>
       <dsp:txXfrm>
-        <a:off x="6048205" y="1350636"/>
-        <a:ext cx="2010113" cy="2717394"/>
+        <a:off x="6048205" y="1560818"/>
+        <a:ext cx="2010113" cy="2297029"/>
       </dsp:txXfrm>
     </dsp:sp>
   </dsp:spTree>
@@ -12399,7 +12399,7 @@
           <p:nvPr>
             <p:extLst>
               <p:ext uri="{D42A27DB-BD31-4B8C-83A1-F6EECF244321}">
-                <p14:modId xmlns:p14="http://schemas.microsoft.com/office/powerpoint/2010/main" val="2187703243"/>
+                <p14:modId xmlns:p14="http://schemas.microsoft.com/office/powerpoint/2010/main" val="3800728379"/>
               </p:ext>
             </p:extLst>
           </p:nvPr>
@@ -13204,10 +13204,10 @@
       </p:sp>
       <p:pic>
         <p:nvPicPr>
-          <p:cNvPr id="5" name="Inhaltsplatzhalter 4">
+          <p:cNvPr id="7" name="Inhaltsplatzhalter 6">
             <a:extLst>
               <a:ext uri="{FF2B5EF4-FFF2-40B4-BE49-F238E27FC236}">
-                <a16:creationId xmlns:a16="http://schemas.microsoft.com/office/drawing/2014/main" id="{AC690BC3-B603-40F9-84A2-E1F5CB2F0E7E}"/>
+                <a16:creationId xmlns:a16="http://schemas.microsoft.com/office/drawing/2014/main" id="{CB2E3EDB-85CA-47AE-A4DA-43B5FA5E8666}"/>
               </a:ext>
             </a:extLst>
           </p:cNvPr>
@@ -13232,8 +13232,8 @@
         </p:blipFill>
         <p:spPr>
           <a:xfrm>
-            <a:off x="6315371" y="704850"/>
-            <a:ext cx="4761908" cy="5251450"/>
+            <a:off x="6096000" y="544147"/>
+            <a:ext cx="5383237" cy="5960014"/>
           </a:xfrm>
         </p:spPr>
       </p:pic>

--- a/Zahnraddimensionierungsprogramm.GruppeJ/PowerPoint Präsentation Sprint 2/Sprint 2.pptx
+++ b/Zahnraddimensionierungsprogramm.GruppeJ/PowerPoint Präsentation Sprint 2/Sprint 2.pptx
@@ -10407,7 +10407,7 @@
           <a:graphicData uri="http://schemas.openxmlformats.org/presentationml/2006/ole">
             <mc:AlternateContent xmlns:mc="http://schemas.openxmlformats.org/markup-compatibility/2006">
               <mc:Choice xmlns:v="urn:schemas-microsoft-com:vml" Requires="v">
-                <p:oleObj spid="_x0000_s1027" name="Acrobat Document" r:id="rId3" imgW="5667037" imgH="8019809" progId="AcroExch.Document.DC">
+                <p:oleObj spid="_x0000_s1028" name="Acrobat Document" r:id="rId3" imgW="5667037" imgH="8019809" progId="AcroExch.Document.DC">
                   <p:embed/>
                 </p:oleObj>
               </mc:Choice>
